--- a/Easter Pressentation/bdb31_easter_presentation.pptx
+++ b/Easter Pressentation/bdb31_easter_presentation.pptx
@@ -6,7 +6,16 @@
   </p:sldMasterIdLst>
   <p:sldIdLst>
     <p:sldId id="256" r:id="rId2"/>
-    <p:sldId id="257" r:id="rId3"/>
+    <p:sldId id="269" r:id="rId3"/>
+    <p:sldId id="265" r:id="rId4"/>
+    <p:sldId id="271" r:id="rId5"/>
+    <p:sldId id="261" r:id="rId6"/>
+    <p:sldId id="268" r:id="rId7"/>
+    <p:sldId id="270" r:id="rId8"/>
+    <p:sldId id="262" r:id="rId9"/>
+    <p:sldId id="263" r:id="rId10"/>
+    <p:sldId id="264" r:id="rId11"/>
+    <p:sldId id="257" r:id="rId12"/>
   </p:sldIdLst>
   <p:sldSz cx="12192000" cy="6858000"/>
   <p:notesSz cx="6858000" cy="9144000"/>
@@ -282,7 +291,7 @@
             <a:fld id="{08B9EBBA-996F-894A-B54A-D6246ED52CEA}" type="datetimeFigureOut">
               <a:rPr lang="en-US" smtClean="0"/>
               <a:pPr/>
-              <a:t>5/22/2019</a:t>
+              <a:t>5/31/2019</a:t>
             </a:fld>
             <a:endParaRPr lang="en-US" dirty="0"/>
           </a:p>
@@ -399,9 +408,18 @@
   <p:clrMapOvr>
     <a:overrideClrMapping bg1="dk1" tx1="lt1" bg2="dk2" tx2="lt2" accent1="accent1" accent2="accent2" accent3="accent3" accent4="accent4" accent5="accent5" accent6="accent6" hlink="hlink" folHlink="folHlink"/>
   </p:clrMapOvr>
-  <p:transition>
-    <p:fade/>
-  </p:transition>
+  <mc:AlternateContent xmlns:mc="http://schemas.openxmlformats.org/markup-compatibility/2006" xmlns:p14="http://schemas.microsoft.com/office/powerpoint/2010/main">
+    <mc:Choice Requires="p14">
+      <p:transition p14:dur="250">
+        <p:fade/>
+      </p:transition>
+    </mc:Choice>
+    <mc:Fallback xmlns="">
+      <p:transition>
+        <p:fade/>
+      </p:transition>
+    </mc:Fallback>
+  </mc:AlternateContent>
 </p:sldLayout>
 </file>
 
@@ -515,7 +533,7 @@
             <a:fld id="{C6C52C72-DE31-F449-A4ED-4C594FD91407}" type="datetimeFigureOut">
               <a:rPr lang="en-US" smtClean="0"/>
               <a:pPr/>
-              <a:t>5/22/2019</a:t>
+              <a:t>5/31/2019</a:t>
             </a:fld>
             <a:endParaRPr lang="en-US" dirty="0"/>
           </a:p>
@@ -574,9 +592,18 @@
   <p:clrMapOvr>
     <a:masterClrMapping/>
   </p:clrMapOvr>
-  <p:transition>
-    <p:fade/>
-  </p:transition>
+  <mc:AlternateContent xmlns:mc="http://schemas.openxmlformats.org/markup-compatibility/2006" xmlns:p14="http://schemas.microsoft.com/office/powerpoint/2010/main">
+    <mc:Choice Requires="p14">
+      <p:transition p14:dur="250">
+        <p:fade/>
+      </p:transition>
+    </mc:Choice>
+    <mc:Fallback xmlns="">
+      <p:transition>
+        <p:fade/>
+      </p:transition>
+    </mc:Fallback>
+  </mc:AlternateContent>
 </p:sldLayout>
 </file>
 
@@ -700,7 +727,7 @@
             <a:fld id="{ED62726E-379B-B349-9EED-81ED093FA806}" type="datetimeFigureOut">
               <a:rPr lang="en-US" smtClean="0"/>
               <a:pPr/>
-              <a:t>5/22/2019</a:t>
+              <a:t>5/31/2019</a:t>
             </a:fld>
             <a:endParaRPr lang="en-US" dirty="0"/>
           </a:p>
@@ -759,9 +786,18 @@
   <p:clrMapOvr>
     <a:masterClrMapping/>
   </p:clrMapOvr>
-  <p:transition>
-    <p:fade/>
-  </p:transition>
+  <mc:AlternateContent xmlns:mc="http://schemas.openxmlformats.org/markup-compatibility/2006" xmlns:p14="http://schemas.microsoft.com/office/powerpoint/2010/main">
+    <mc:Choice Requires="p14">
+      <p:transition p14:dur="250">
+        <p:fade/>
+      </p:transition>
+    </mc:Choice>
+    <mc:Fallback xmlns="">
+      <p:transition>
+        <p:fade/>
+      </p:transition>
+    </mc:Fallback>
+  </mc:AlternateContent>
 </p:sldLayout>
 </file>
 
@@ -875,7 +911,7 @@
             <a:fld id="{9B3A1323-8D79-1946-B0D7-40001CF92E9D}" type="datetimeFigureOut">
               <a:rPr lang="en-US" smtClean="0"/>
               <a:pPr/>
-              <a:t>5/22/2019</a:t>
+              <a:t>5/31/2019</a:t>
             </a:fld>
             <a:endParaRPr lang="en-US" dirty="0"/>
           </a:p>
@@ -934,9 +970,18 @@
   <p:clrMapOvr>
     <a:masterClrMapping/>
   </p:clrMapOvr>
-  <p:transition>
-    <p:fade/>
-  </p:transition>
+  <mc:AlternateContent xmlns:mc="http://schemas.openxmlformats.org/markup-compatibility/2006" xmlns:p14="http://schemas.microsoft.com/office/powerpoint/2010/main">
+    <mc:Choice Requires="p14">
+      <p:transition p14:dur="250">
+        <p:fade/>
+      </p:transition>
+    </mc:Choice>
+    <mc:Fallback xmlns="">
+      <p:transition>
+        <p:fade/>
+      </p:transition>
+    </mc:Fallback>
+  </mc:AlternateContent>
 </p:sldLayout>
 </file>
 
@@ -1134,7 +1179,7 @@
             <a:fld id="{8DFA1846-DA80-1C48-A609-854EA85C59AD}" type="datetimeFigureOut">
               <a:rPr lang="en-US" smtClean="0"/>
               <a:pPr/>
-              <a:t>5/22/2019</a:t>
+              <a:t>5/31/2019</a:t>
             </a:fld>
             <a:endParaRPr lang="en-US" dirty="0"/>
           </a:p>
@@ -1231,9 +1276,18 @@
   <p:clrMapOvr>
     <a:masterClrMapping/>
   </p:clrMapOvr>
-  <p:transition>
-    <p:fade/>
-  </p:transition>
+  <mc:AlternateContent xmlns:mc="http://schemas.openxmlformats.org/markup-compatibility/2006" xmlns:p14="http://schemas.microsoft.com/office/powerpoint/2010/main">
+    <mc:Choice Requires="p14">
+      <p:transition p14:dur="250">
+        <p:fade/>
+      </p:transition>
+    </mc:Choice>
+    <mc:Fallback xmlns="">
+      <p:transition>
+        <p:fade/>
+      </p:transition>
+    </mc:Fallback>
+  </mc:AlternateContent>
 </p:sldLayout>
 </file>
 
@@ -1465,7 +1519,7 @@
             <a:fld id="{57302355-E14B-8545-A8F8-0FE83CC9D524}" type="datetimeFigureOut">
               <a:rPr lang="en-US" smtClean="0"/>
               <a:pPr/>
-              <a:t>5/22/2019</a:t>
+              <a:t>5/31/2019</a:t>
             </a:fld>
             <a:endParaRPr lang="en-US" dirty="0"/>
           </a:p>
@@ -1524,9 +1578,18 @@
   <p:clrMapOvr>
     <a:masterClrMapping/>
   </p:clrMapOvr>
-  <p:transition>
-    <p:fade/>
-  </p:transition>
+  <mc:AlternateContent xmlns:mc="http://schemas.openxmlformats.org/markup-compatibility/2006" xmlns:p14="http://schemas.microsoft.com/office/powerpoint/2010/main">
+    <mc:Choice Requires="p14">
+      <p:transition p14:dur="250">
+        <p:fade/>
+      </p:transition>
+    </mc:Choice>
+    <mc:Fallback xmlns="">
+      <p:transition>
+        <p:fade/>
+      </p:transition>
+    </mc:Fallback>
+  </mc:AlternateContent>
 </p:sldLayout>
 </file>
 
@@ -1921,7 +1984,7 @@
             <a:fld id="{02640F58-564D-2B4F-AE67-E407BA4FCF45}" type="datetimeFigureOut">
               <a:rPr lang="en-US" smtClean="0"/>
               <a:pPr/>
-              <a:t>5/22/2019</a:t>
+              <a:t>5/31/2019</a:t>
             </a:fld>
             <a:endParaRPr lang="en-US" dirty="0"/>
           </a:p>
@@ -1980,9 +2043,18 @@
   <p:clrMapOvr>
     <a:masterClrMapping/>
   </p:clrMapOvr>
-  <p:transition>
-    <p:fade/>
-  </p:transition>
+  <mc:AlternateContent xmlns:mc="http://schemas.openxmlformats.org/markup-compatibility/2006" xmlns:p14="http://schemas.microsoft.com/office/powerpoint/2010/main">
+    <mc:Choice Requires="p14">
+      <p:transition p14:dur="250">
+        <p:fade/>
+      </p:transition>
+    </mc:Choice>
+    <mc:Fallback xmlns="">
+      <p:transition>
+        <p:fade/>
+      </p:transition>
+    </mc:Fallback>
+  </mc:AlternateContent>
 </p:sldLayout>
 </file>
 
@@ -2044,7 +2116,7 @@
             <a:fld id="{F13A34C8-038E-2045-AF43-DF7DBB8E0E9E}" type="datetimeFigureOut">
               <a:rPr lang="en-US" smtClean="0"/>
               <a:pPr/>
-              <a:t>5/22/2019</a:t>
+              <a:t>5/31/2019</a:t>
             </a:fld>
             <a:endParaRPr lang="en-US" dirty="0"/>
           </a:p>
@@ -2103,9 +2175,18 @@
   <p:clrMapOvr>
     <a:masterClrMapping/>
   </p:clrMapOvr>
-  <p:transition>
-    <p:fade/>
-  </p:transition>
+  <mc:AlternateContent xmlns:mc="http://schemas.openxmlformats.org/markup-compatibility/2006" xmlns:p14="http://schemas.microsoft.com/office/powerpoint/2010/main">
+    <mc:Choice Requires="p14">
+      <p:transition p14:dur="250">
+        <p:fade/>
+      </p:transition>
+    </mc:Choice>
+    <mc:Fallback xmlns="">
+      <p:transition>
+        <p:fade/>
+      </p:transition>
+    </mc:Fallback>
+  </mc:AlternateContent>
 </p:sldLayout>
 </file>
 
@@ -2144,7 +2225,7 @@
             <a:fld id="{8818C68F-D26B-8F47-958C-23B49CF8A634}" type="datetimeFigureOut">
               <a:rPr lang="en-US" smtClean="0"/>
               <a:pPr/>
-              <a:t>5/22/2019</a:t>
+              <a:t>5/31/2019</a:t>
             </a:fld>
             <a:endParaRPr lang="en-US" dirty="0"/>
           </a:p>
@@ -2203,9 +2284,18 @@
   <p:clrMapOvr>
     <a:masterClrMapping/>
   </p:clrMapOvr>
-  <p:transition>
-    <p:fade/>
-  </p:transition>
+  <mc:AlternateContent xmlns:mc="http://schemas.openxmlformats.org/markup-compatibility/2006" xmlns:p14="http://schemas.microsoft.com/office/powerpoint/2010/main">
+    <mc:Choice Requires="p14">
+      <p:transition p14:dur="250">
+        <p:fade/>
+      </p:transition>
+    </mc:Choice>
+    <mc:Fallback xmlns="">
+      <p:transition>
+        <p:fade/>
+      </p:transition>
+    </mc:Fallback>
+  </mc:AlternateContent>
 </p:sldLayout>
 </file>
 
@@ -2436,7 +2526,7 @@
             <a:fld id="{D0DF5E60-9974-AC48-9591-99C2BB44B7CF}" type="datetimeFigureOut">
               <a:rPr lang="en-US" smtClean="0"/>
               <a:pPr/>
-              <a:t>5/22/2019</a:t>
+              <a:t>5/31/2019</a:t>
             </a:fld>
             <a:endParaRPr lang="en-US" dirty="0"/>
           </a:p>
@@ -2495,9 +2585,18 @@
   <p:clrMapOvr>
     <a:masterClrMapping/>
   </p:clrMapOvr>
-  <p:transition>
-    <p:fade/>
-  </p:transition>
+  <mc:AlternateContent xmlns:mc="http://schemas.openxmlformats.org/markup-compatibility/2006" xmlns:p14="http://schemas.microsoft.com/office/powerpoint/2010/main">
+    <mc:Choice Requires="p14">
+      <p:transition p14:dur="250">
+        <p:fade/>
+      </p:transition>
+    </mc:Choice>
+    <mc:Fallback xmlns="">
+      <p:transition>
+        <p:fade/>
+      </p:transition>
+    </mc:Fallback>
+  </mc:AlternateContent>
 </p:sldLayout>
 </file>
 
@@ -2763,7 +2862,7 @@
             <a:fld id="{18C79C5D-2A6F-F04D-97DA-BEF2467B64E4}" type="datetimeFigureOut">
               <a:rPr lang="en-US" smtClean="0"/>
               <a:pPr/>
-              <a:t>5/22/2019</a:t>
+              <a:t>5/31/2019</a:t>
             </a:fld>
             <a:endParaRPr lang="en-US" dirty="0"/>
           </a:p>
@@ -2822,9 +2921,18 @@
   <p:clrMapOvr>
     <a:masterClrMapping/>
   </p:clrMapOvr>
-  <p:transition>
-    <p:fade/>
-  </p:transition>
+  <mc:AlternateContent xmlns:mc="http://schemas.openxmlformats.org/markup-compatibility/2006" xmlns:p14="http://schemas.microsoft.com/office/powerpoint/2010/main">
+    <mc:Choice Requires="p14">
+      <p:transition p14:dur="250">
+        <p:fade/>
+      </p:transition>
+    </mc:Choice>
+    <mc:Fallback xmlns="">
+      <p:transition>
+        <p:fade/>
+      </p:transition>
+    </mc:Fallback>
+  </mc:AlternateContent>
 </p:sldLayout>
 </file>
 
@@ -3022,7 +3130,7 @@
             <a:fld id="{09B482E8-6E0E-1B4F-B1FD-C69DB9E858D9}" type="datetimeFigureOut">
               <a:rPr lang="en-US" smtClean="0"/>
               <a:pPr/>
-              <a:t>5/22/2019</a:t>
+              <a:t>5/31/2019</a:t>
             </a:fld>
             <a:endParaRPr lang="en-US" dirty="0"/>
           </a:p>
@@ -3132,9 +3240,18 @@
     <p:sldLayoutId id="2147483737" r:id="rId10"/>
     <p:sldLayoutId id="2147483738" r:id="rId11"/>
   </p:sldLayoutIdLst>
-  <p:transition>
-    <p:fade/>
-  </p:transition>
+  <mc:AlternateContent xmlns:mc="http://schemas.openxmlformats.org/markup-compatibility/2006" xmlns:p14="http://schemas.microsoft.com/office/powerpoint/2010/main">
+    <mc:Choice Requires="p14">
+      <p:transition p14:dur="250">
+        <p:fade/>
+      </p:transition>
+    </mc:Choice>
+    <mc:Fallback xmlns="">
+      <p:transition>
+        <p:fade/>
+      </p:transition>
+    </mc:Fallback>
+  </mc:AlternateContent>
   <p:hf sldNum="0" hdr="0" ftr="0" dt="0"/>
   <p:txStyles>
     <p:titleStyle>
@@ -3588,9 +3705,394 @@
   <p:clrMapOvr>
     <a:masterClrMapping/>
   </p:clrMapOvr>
-  <p:transition>
-    <p:fade/>
-  </p:transition>
+  <mc:AlternateContent xmlns:mc="http://schemas.openxmlformats.org/markup-compatibility/2006" xmlns:p14="http://schemas.microsoft.com/office/powerpoint/2010/main">
+    <mc:Choice Requires="p14">
+      <p:transition p14:dur="250">
+        <p:fade/>
+      </p:transition>
+    </mc:Choice>
+    <mc:Fallback xmlns="">
+      <p:transition>
+        <p:fade/>
+      </p:transition>
+    </mc:Fallback>
+  </mc:AlternateContent>
+</p:sld>
+</file>
+
+<file path=ppt/slides/slide10.xml><?xml version="1.0" encoding="utf-8"?>
+<p:sld xmlns:a="http://schemas.openxmlformats.org/drawingml/2006/main" xmlns:r="http://schemas.openxmlformats.org/officeDocument/2006/relationships" xmlns:p="http://schemas.openxmlformats.org/presentationml/2006/main">
+  <p:cSld>
+    <p:spTree>
+      <p:nvGrpSpPr>
+        <p:cNvPr id="1" name=""/>
+        <p:cNvGrpSpPr/>
+        <p:nvPr/>
+      </p:nvGrpSpPr>
+      <p:grpSpPr>
+        <a:xfrm>
+          <a:off x="0" y="0"/>
+          <a:ext cx="0" cy="0"/>
+          <a:chOff x="0" y="0"/>
+          <a:chExt cx="0" cy="0"/>
+        </a:xfrm>
+      </p:grpSpPr>
+      <p:sp>
+        <p:nvSpPr>
+          <p:cNvPr id="2" name="Title 1">
+            <a:extLst>
+              <a:ext uri="{FF2B5EF4-FFF2-40B4-BE49-F238E27FC236}">
+                <a16:creationId xmlns:a16="http://schemas.microsoft.com/office/drawing/2014/main" id="{8D0D8BCD-F5FA-4F4E-B4F7-B830ED74F969}"/>
+              </a:ext>
+            </a:extLst>
+          </p:cNvPr>
+          <p:cNvSpPr>
+            <a:spLocks noGrp="1"/>
+          </p:cNvSpPr>
+          <p:nvPr>
+            <p:ph type="title"/>
+          </p:nvPr>
+        </p:nvSpPr>
+        <p:spPr/>
+        <p:txBody>
+          <a:bodyPr/>
+          <a:lstStyle/>
+          <a:p>
+            <a:r>
+              <a:rPr lang="en-US" dirty="0"/>
+              <a:t>Conclusions</a:t>
+            </a:r>
+            <a:endParaRPr lang="en-GB" dirty="0"/>
+          </a:p>
+        </p:txBody>
+      </p:sp>
+      <p:sp>
+        <p:nvSpPr>
+          <p:cNvPr id="4" name="Content Placeholder 3">
+            <a:extLst>
+              <a:ext uri="{FF2B5EF4-FFF2-40B4-BE49-F238E27FC236}">
+                <a16:creationId xmlns:a16="http://schemas.microsoft.com/office/drawing/2014/main" id="{948A9FB7-4A3A-4FFA-8058-2FE8A39114FA}"/>
+              </a:ext>
+            </a:extLst>
+          </p:cNvPr>
+          <p:cNvSpPr>
+            <a:spLocks noGrp="1"/>
+          </p:cNvSpPr>
+          <p:nvPr>
+            <p:ph sz="half" idx="1"/>
+          </p:nvPr>
+        </p:nvSpPr>
+        <p:spPr/>
+        <p:txBody>
+          <a:bodyPr/>
+          <a:lstStyle/>
+          <a:p>
+            <a:r>
+              <a:rPr lang="en-US" dirty="0"/>
+              <a:t>‘Cheap’ DGPS not used as no improvement on accuracy </a:t>
+            </a:r>
+          </a:p>
+          <a:p>
+            <a:r>
+              <a:rPr lang="en-US" dirty="0"/>
+              <a:t>Method of calculating TODR sometimes overestimates take off point</a:t>
+            </a:r>
+          </a:p>
+          <a:p>
+            <a:r>
+              <a:rPr lang="en-US" dirty="0"/>
+              <a:t>Pressure sensor accuracy less than desired due to </a:t>
+            </a:r>
+          </a:p>
+          <a:p>
+            <a:pPr lvl="1"/>
+            <a:r>
+              <a:rPr lang="en-US" dirty="0"/>
+              <a:t>Oversampling rate</a:t>
+            </a:r>
+          </a:p>
+          <a:p>
+            <a:pPr lvl="1"/>
+            <a:r>
+              <a:rPr lang="en-US" dirty="0"/>
+              <a:t>Propeller wash</a:t>
+            </a:r>
+          </a:p>
+          <a:p>
+            <a:pPr lvl="1"/>
+            <a:r>
+              <a:rPr lang="en-US" dirty="0"/>
+              <a:t>Dynamic effects</a:t>
+            </a:r>
+          </a:p>
+          <a:p>
+            <a:r>
+              <a:rPr lang="en-US" dirty="0"/>
+              <a:t>Module, with further development, can measure other parameters, such as landing</a:t>
+            </a:r>
+            <a:endParaRPr lang="en-GB" dirty="0"/>
+          </a:p>
+        </p:txBody>
+      </p:sp>
+      <p:pic>
+        <p:nvPicPr>
+          <p:cNvPr id="7" name="Content Placeholder 6" descr="A close up of a map&#10;&#10;Description generated with very high confidence">
+            <a:extLst>
+              <a:ext uri="{FF2B5EF4-FFF2-40B4-BE49-F238E27FC236}">
+                <a16:creationId xmlns:a16="http://schemas.microsoft.com/office/drawing/2014/main" id="{8BEF3D3F-DB9B-4F65-B792-47D59CC7877F}"/>
+              </a:ext>
+            </a:extLst>
+          </p:cNvPr>
+          <p:cNvPicPr>
+            <a:picLocks noGrp="1" noChangeAspect="1"/>
+          </p:cNvPicPr>
+          <p:nvPr>
+            <p:ph sz="half" idx="2"/>
+          </p:nvPr>
+        </p:nvPicPr>
+        <p:blipFill rotWithShape="1">
+          <a:blip r:embed="rId2"/>
+          <a:srcRect l="5066" t="9974" r="9281" b="3262"/>
+          <a:stretch/>
+        </p:blipFill>
+        <p:spPr>
+          <a:xfrm>
+            <a:off x="5915214" y="1381125"/>
+            <a:ext cx="4834128" cy="2507030"/>
+          </a:xfrm>
+        </p:spPr>
+      </p:pic>
+      <p:cxnSp>
+        <p:nvCxnSpPr>
+          <p:cNvPr id="9" name="Straight Arrow Connector 8">
+            <a:extLst>
+              <a:ext uri="{FF2B5EF4-FFF2-40B4-BE49-F238E27FC236}">
+                <a16:creationId xmlns:a16="http://schemas.microsoft.com/office/drawing/2014/main" id="{1B6C43A9-853A-40B4-8C6D-AE298A7EA157}"/>
+              </a:ext>
+            </a:extLst>
+          </p:cNvPr>
+          <p:cNvCxnSpPr>
+            <a:cxnSpLocks/>
+          </p:cNvCxnSpPr>
+          <p:nvPr/>
+        </p:nvCxnSpPr>
+        <p:spPr>
+          <a:xfrm>
+            <a:off x="5114925" y="3038475"/>
+            <a:ext cx="2209800" cy="0"/>
+          </a:xfrm>
+          <a:prstGeom prst="straightConnector1">
+            <a:avLst/>
+          </a:prstGeom>
+          <a:ln>
+            <a:tailEnd type="triangle"/>
+          </a:ln>
+        </p:spPr>
+        <p:style>
+          <a:lnRef idx="1">
+            <a:schemeClr val="accent1"/>
+          </a:lnRef>
+          <a:fillRef idx="0">
+            <a:schemeClr val="accent1"/>
+          </a:fillRef>
+          <a:effectRef idx="0">
+            <a:schemeClr val="accent1"/>
+          </a:effectRef>
+          <a:fontRef idx="minor">
+            <a:schemeClr val="tx1"/>
+          </a:fontRef>
+        </p:style>
+      </p:cxnSp>
+      <p:pic>
+        <p:nvPicPr>
+          <p:cNvPr id="15" name="Picture 14" descr="A screenshot of a cell phone&#10;&#10;Description generated with very high confidence">
+            <a:extLst>
+              <a:ext uri="{FF2B5EF4-FFF2-40B4-BE49-F238E27FC236}">
+                <a16:creationId xmlns:a16="http://schemas.microsoft.com/office/drawing/2014/main" id="{0A6FF2C6-8E78-433A-876B-BAD2A50EB4BA}"/>
+              </a:ext>
+            </a:extLst>
+          </p:cNvPr>
+          <p:cNvPicPr>
+            <a:picLocks noChangeAspect="1"/>
+          </p:cNvPicPr>
+          <p:nvPr/>
+        </p:nvPicPr>
+        <p:blipFill rotWithShape="1">
+          <a:blip r:embed="rId3"/>
+          <a:srcRect l="4753" t="10708" r="9717"/>
+          <a:stretch/>
+        </p:blipFill>
+        <p:spPr>
+          <a:xfrm>
+            <a:off x="6219825" y="4270725"/>
+            <a:ext cx="4371975" cy="2221515"/>
+          </a:xfrm>
+          <a:prstGeom prst="rect">
+            <a:avLst/>
+          </a:prstGeom>
+        </p:spPr>
+      </p:pic>
+      <p:cxnSp>
+        <p:nvCxnSpPr>
+          <p:cNvPr id="18" name="Straight Arrow Connector 17">
+            <a:extLst>
+              <a:ext uri="{FF2B5EF4-FFF2-40B4-BE49-F238E27FC236}">
+                <a16:creationId xmlns:a16="http://schemas.microsoft.com/office/drawing/2014/main" id="{5A323EE1-25DF-4D4D-AF90-C47338665411}"/>
+              </a:ext>
+            </a:extLst>
+          </p:cNvPr>
+          <p:cNvCxnSpPr/>
+          <p:nvPr/>
+        </p:nvCxnSpPr>
+        <p:spPr>
+          <a:xfrm flipV="1">
+            <a:off x="5410200" y="5381482"/>
+            <a:ext cx="2438400" cy="104918"/>
+          </a:xfrm>
+          <a:prstGeom prst="straightConnector1">
+            <a:avLst/>
+          </a:prstGeom>
+          <a:ln>
+            <a:tailEnd type="triangle"/>
+          </a:ln>
+        </p:spPr>
+        <p:style>
+          <a:lnRef idx="1">
+            <a:schemeClr val="accent1"/>
+          </a:lnRef>
+          <a:fillRef idx="0">
+            <a:schemeClr val="accent1"/>
+          </a:fillRef>
+          <a:effectRef idx="0">
+            <a:schemeClr val="accent1"/>
+          </a:effectRef>
+          <a:fontRef idx="minor">
+            <a:schemeClr val="tx1"/>
+          </a:fontRef>
+        </p:style>
+      </p:cxnSp>
+    </p:spTree>
+    <p:extLst>
+      <p:ext uri="{BB962C8B-B14F-4D97-AF65-F5344CB8AC3E}">
+        <p14:creationId xmlns:p14="http://schemas.microsoft.com/office/powerpoint/2010/main" val="3240898363"/>
+      </p:ext>
+    </p:extLst>
+  </p:cSld>
+  <p:clrMapOvr>
+    <a:masterClrMapping/>
+  </p:clrMapOvr>
+  <mc:AlternateContent xmlns:mc="http://schemas.openxmlformats.org/markup-compatibility/2006" xmlns:p14="http://schemas.microsoft.com/office/powerpoint/2010/main">
+    <mc:Choice Requires="p14">
+      <p:transition p14:dur="250">
+        <p:fade/>
+      </p:transition>
+    </mc:Choice>
+    <mc:Fallback xmlns="">
+      <p:transition>
+        <p:fade/>
+      </p:transition>
+    </mc:Fallback>
+  </mc:AlternateContent>
+</p:sld>
+</file>
+
+<file path=ppt/slides/slide11.xml><?xml version="1.0" encoding="utf-8"?>
+<p:sld xmlns:a="http://schemas.openxmlformats.org/drawingml/2006/main" xmlns:r="http://schemas.openxmlformats.org/officeDocument/2006/relationships" xmlns:p="http://schemas.openxmlformats.org/presentationml/2006/main">
+  <p:cSld>
+    <p:spTree>
+      <p:nvGrpSpPr>
+        <p:cNvPr id="1" name=""/>
+        <p:cNvGrpSpPr/>
+        <p:nvPr/>
+      </p:nvGrpSpPr>
+      <p:grpSpPr>
+        <a:xfrm>
+          <a:off x="0" y="0"/>
+          <a:ext cx="0" cy="0"/>
+          <a:chOff x="0" y="0"/>
+          <a:chExt cx="0" cy="0"/>
+        </a:xfrm>
+      </p:grpSpPr>
+      <p:sp>
+        <p:nvSpPr>
+          <p:cNvPr id="2" name="Title 1">
+            <a:extLst>
+              <a:ext uri="{FF2B5EF4-FFF2-40B4-BE49-F238E27FC236}">
+                <a16:creationId xmlns:a16="http://schemas.microsoft.com/office/drawing/2014/main" id="{EEBFFEE3-AB1F-4275-8B4A-D7151AE08BBE}"/>
+              </a:ext>
+            </a:extLst>
+          </p:cNvPr>
+          <p:cNvSpPr>
+            <a:spLocks noGrp="1"/>
+          </p:cNvSpPr>
+          <p:nvPr>
+            <p:ph type="ctrTitle"/>
+          </p:nvPr>
+        </p:nvSpPr>
+        <p:spPr/>
+        <p:txBody>
+          <a:bodyPr/>
+          <a:lstStyle/>
+          <a:p>
+            <a:r>
+              <a:rPr lang="en-US" dirty="0"/>
+              <a:t>Aircraft Performance Logger</a:t>
+            </a:r>
+            <a:endParaRPr lang="en-GB" dirty="0"/>
+          </a:p>
+        </p:txBody>
+      </p:sp>
+      <p:sp>
+        <p:nvSpPr>
+          <p:cNvPr id="3" name="Subtitle 2">
+            <a:extLst>
+              <a:ext uri="{FF2B5EF4-FFF2-40B4-BE49-F238E27FC236}">
+                <a16:creationId xmlns:a16="http://schemas.microsoft.com/office/drawing/2014/main" id="{6194FCFF-CDDE-4A6D-8984-2C2E8ED8ECF4}"/>
+              </a:ext>
+            </a:extLst>
+          </p:cNvPr>
+          <p:cNvSpPr>
+            <a:spLocks noGrp="1"/>
+          </p:cNvSpPr>
+          <p:nvPr>
+            <p:ph type="subTitle" idx="1"/>
+          </p:nvPr>
+        </p:nvSpPr>
+        <p:spPr/>
+        <p:txBody>
+          <a:bodyPr/>
+          <a:lstStyle/>
+          <a:p>
+            <a:r>
+              <a:rPr lang="en-US" dirty="0"/>
+              <a:t>IIB Project – Easter Presentation</a:t>
+            </a:r>
+            <a:endParaRPr lang="en-GB" dirty="0"/>
+          </a:p>
+        </p:txBody>
+      </p:sp>
+    </p:spTree>
+    <p:extLst>
+      <p:ext uri="{BB962C8B-B14F-4D97-AF65-F5344CB8AC3E}">
+        <p14:creationId xmlns:p14="http://schemas.microsoft.com/office/powerpoint/2010/main" val="896347108"/>
+      </p:ext>
+    </p:extLst>
+  </p:cSld>
+  <p:clrMapOvr>
+    <a:masterClrMapping/>
+  </p:clrMapOvr>
+  <mc:AlternateContent xmlns:mc="http://schemas.openxmlformats.org/markup-compatibility/2006" xmlns:p14="http://schemas.microsoft.com/office/powerpoint/2010/main">
+    <mc:Choice Requires="p14">
+      <p:transition p14:dur="250">
+        <p:fade/>
+      </p:transition>
+    </mc:Choice>
+    <mc:Fallback xmlns="">
+      <p:transition>
+        <p:fade/>
+      </p:transition>
+    </mc:Fallback>
+  </mc:AlternateContent>
 </p:sld>
 </file>
 
@@ -3616,7 +4118,7 @@
           <p:cNvPr id="2" name="Title 1">
             <a:extLst>
               <a:ext uri="{FF2B5EF4-FFF2-40B4-BE49-F238E27FC236}">
-                <a16:creationId xmlns:a16="http://schemas.microsoft.com/office/drawing/2014/main" id="{EEBFFEE3-AB1F-4275-8B4A-D7151AE08BBE}"/>
+                <a16:creationId xmlns:a16="http://schemas.microsoft.com/office/drawing/2014/main" id="{D0790E8B-1FF0-4C62-A3D7-09759B74211D}"/>
               </a:ext>
             </a:extLst>
           </p:cNvPr>
@@ -3624,7 +4126,7 @@
             <a:spLocks noGrp="1"/>
           </p:cNvSpPr>
           <p:nvPr>
-            <p:ph type="ctrTitle"/>
+            <p:ph type="title"/>
           </p:nvPr>
         </p:nvSpPr>
         <p:spPr/>
@@ -3634,7 +4136,7 @@
           <a:p>
             <a:r>
               <a:rPr lang="en-US" dirty="0"/>
-              <a:t>Aircraft Performance Logger</a:t>
+              <a:t>Problem definition </a:t>
             </a:r>
             <a:endParaRPr lang="en-GB" dirty="0"/>
           </a:p>
@@ -3642,10 +4144,10 @@
       </p:sp>
       <p:sp>
         <p:nvSpPr>
-          <p:cNvPr id="3" name="Subtitle 2">
+          <p:cNvPr id="4" name="Content Placeholder 3">
             <a:extLst>
               <a:ext uri="{FF2B5EF4-FFF2-40B4-BE49-F238E27FC236}">
-                <a16:creationId xmlns:a16="http://schemas.microsoft.com/office/drawing/2014/main" id="{6194FCFF-CDDE-4A6D-8984-2C2E8ED8ECF4}"/>
+                <a16:creationId xmlns:a16="http://schemas.microsoft.com/office/drawing/2014/main" id="{508F65ED-08A3-44F6-A079-F55130915821}"/>
               </a:ext>
             </a:extLst>
           </p:cNvPr>
@@ -3653,17 +4155,211 @@
             <a:spLocks noGrp="1"/>
           </p:cNvSpPr>
           <p:nvPr>
-            <p:ph type="subTitle" idx="1"/>
+            <p:ph sz="half" idx="1"/>
           </p:nvPr>
         </p:nvSpPr>
         <p:spPr/>
         <p:txBody>
-          <a:bodyPr/>
+          <a:bodyPr>
+            <a:normAutofit lnSpcReduction="10000"/>
+          </a:bodyPr>
           <a:lstStyle/>
           <a:p>
             <a:r>
               <a:rPr lang="en-US" dirty="0"/>
-              <a:t>IIB Project – Easter Presentation</a:t>
+              <a:t>Performance characteristics of airplanes:</a:t>
+            </a:r>
+          </a:p>
+          <a:p>
+            <a:pPr lvl="1"/>
+            <a:r>
+              <a:rPr lang="en-US" dirty="0"/>
+              <a:t>Ground roll</a:t>
+            </a:r>
+          </a:p>
+          <a:p>
+            <a:pPr lvl="1"/>
+            <a:r>
+              <a:rPr lang="en-US" dirty="0"/>
+              <a:t>Distance to clear 15 m = Take off distance required (TODR)</a:t>
+            </a:r>
+          </a:p>
+          <a:p>
+            <a:r>
+              <a:rPr lang="en-US" dirty="0"/>
+              <a:t>Accurate data for safety, creation of performance charts</a:t>
+            </a:r>
+          </a:p>
+          <a:p>
+            <a:pPr lvl="1"/>
+            <a:endParaRPr lang="en-US" dirty="0"/>
+          </a:p>
+          <a:p>
+            <a:r>
+              <a:rPr lang="en-US" dirty="0"/>
+              <a:t>Current methods:</a:t>
+            </a:r>
+          </a:p>
+          <a:p>
+            <a:pPr lvl="1"/>
+            <a:r>
+              <a:rPr lang="en-US" dirty="0"/>
+              <a:t>Expensive DGPS, image processing or laser systems</a:t>
+            </a:r>
+          </a:p>
+          <a:p>
+            <a:pPr lvl="1"/>
+            <a:r>
+              <a:rPr lang="en-US" dirty="0"/>
+              <a:t>By-eye by test pilots</a:t>
+            </a:r>
+          </a:p>
+          <a:p>
+            <a:r>
+              <a:rPr lang="en-US" dirty="0"/>
+              <a:t>Want a cheap module separate from aircraft.</a:t>
+            </a:r>
+          </a:p>
+          <a:p>
+            <a:pPr lvl="1"/>
+            <a:endParaRPr lang="en-US" dirty="0"/>
+          </a:p>
+        </p:txBody>
+      </p:sp>
+      <p:pic>
+        <p:nvPicPr>
+          <p:cNvPr id="7" name="Content Placeholder 6" descr="A close up of text on a white background&#10;&#10;Description generated with high confidence">
+            <a:extLst>
+              <a:ext uri="{FF2B5EF4-FFF2-40B4-BE49-F238E27FC236}">
+                <a16:creationId xmlns:a16="http://schemas.microsoft.com/office/drawing/2014/main" id="{5E9A29B1-F0B5-4763-A586-C245802EFFF0}"/>
+              </a:ext>
+            </a:extLst>
+          </p:cNvPr>
+          <p:cNvPicPr>
+            <a:picLocks noGrp="1" noChangeAspect="1"/>
+          </p:cNvPicPr>
+          <p:nvPr>
+            <p:ph sz="half" idx="2"/>
+          </p:nvPr>
+        </p:nvPicPr>
+        <p:blipFill>
+          <a:blip r:embed="rId2">
+            <a:extLst>
+              <a:ext uri="{28A0092B-C50C-407E-A947-70E740481C1C}">
+                <a14:useLocalDpi xmlns:a14="http://schemas.microsoft.com/office/drawing/2010/main" val="0"/>
+              </a:ext>
+            </a:extLst>
+          </a:blip>
+          <a:stretch>
+            <a:fillRect/>
+          </a:stretch>
+        </p:blipFill>
+        <p:spPr>
+          <a:xfrm>
+            <a:off x="6196056" y="1460782"/>
+            <a:ext cx="4481512" cy="2051280"/>
+          </a:xfrm>
+        </p:spPr>
+      </p:pic>
+      <p:pic>
+        <p:nvPicPr>
+          <p:cNvPr id="8" name="Picture 7" descr="A screenshot of text&#10;&#10;Description generated with high confidence">
+            <a:extLst>
+              <a:ext uri="{FF2B5EF4-FFF2-40B4-BE49-F238E27FC236}">
+                <a16:creationId xmlns:a16="http://schemas.microsoft.com/office/drawing/2014/main" id="{55ED871B-A8A8-40E6-847D-82292B9801F4}"/>
+              </a:ext>
+            </a:extLst>
+          </p:cNvPr>
+          <p:cNvPicPr>
+            <a:picLocks noChangeAspect="1"/>
+          </p:cNvPicPr>
+          <p:nvPr/>
+        </p:nvPicPr>
+        <p:blipFill>
+          <a:blip r:embed="rId3"/>
+          <a:stretch>
+            <a:fillRect/>
+          </a:stretch>
+        </p:blipFill>
+        <p:spPr>
+          <a:xfrm>
+            <a:off x="6272256" y="4179173"/>
+            <a:ext cx="4118653" cy="2000964"/>
+          </a:xfrm>
+          <a:prstGeom prst="rect">
+            <a:avLst/>
+          </a:prstGeom>
+        </p:spPr>
+      </p:pic>
+      <p:sp>
+        <p:nvSpPr>
+          <p:cNvPr id="3" name="TextBox 2">
+            <a:extLst>
+              <a:ext uri="{FF2B5EF4-FFF2-40B4-BE49-F238E27FC236}">
+                <a16:creationId xmlns:a16="http://schemas.microsoft.com/office/drawing/2014/main" id="{929992BF-C6F2-4FBD-A2BC-D6A738D99BF5}"/>
+              </a:ext>
+            </a:extLst>
+          </p:cNvPr>
+          <p:cNvSpPr txBox="1"/>
+          <p:nvPr/>
+        </p:nvSpPr>
+        <p:spPr>
+          <a:xfrm>
+            <a:off x="6272256" y="6211216"/>
+            <a:ext cx="4118653" cy="369332"/>
+          </a:xfrm>
+          <a:prstGeom prst="rect">
+            <a:avLst/>
+          </a:prstGeom>
+          <a:noFill/>
+        </p:spPr>
+        <p:txBody>
+          <a:bodyPr wrap="square" rtlCol="0">
+            <a:spAutoFit/>
+          </a:bodyPr>
+          <a:lstStyle/>
+          <a:p>
+            <a:pPr algn="ctr"/>
+            <a:r>
+              <a:rPr lang="en-US" dirty="0"/>
+              <a:t>Performance chart example</a:t>
+            </a:r>
+            <a:endParaRPr lang="en-GB" dirty="0"/>
+          </a:p>
+        </p:txBody>
+      </p:sp>
+      <p:sp>
+        <p:nvSpPr>
+          <p:cNvPr id="5" name="TextBox 4">
+            <a:extLst>
+              <a:ext uri="{FF2B5EF4-FFF2-40B4-BE49-F238E27FC236}">
+                <a16:creationId xmlns:a16="http://schemas.microsoft.com/office/drawing/2014/main" id="{8C964AED-2AE1-47B9-BCDC-24C6E198C8CA}"/>
+              </a:ext>
+            </a:extLst>
+          </p:cNvPr>
+          <p:cNvSpPr txBox="1"/>
+          <p:nvPr/>
+        </p:nvSpPr>
+        <p:spPr>
+          <a:xfrm>
+            <a:off x="6096000" y="3609636"/>
+            <a:ext cx="4581568" cy="369332"/>
+          </a:xfrm>
+          <a:prstGeom prst="rect">
+            <a:avLst/>
+          </a:prstGeom>
+          <a:noFill/>
+        </p:spPr>
+        <p:txBody>
+          <a:bodyPr wrap="square" rtlCol="0">
+            <a:spAutoFit/>
+          </a:bodyPr>
+          <a:lstStyle/>
+          <a:p>
+            <a:pPr algn="ctr"/>
+            <a:r>
+              <a:rPr lang="en-US" dirty="0"/>
+              <a:t>Ground roll and TODR definitions</a:t>
             </a:r>
             <a:endParaRPr lang="en-GB" dirty="0"/>
           </a:p>
@@ -3672,16 +4368,6068 @@
     </p:spTree>
     <p:extLst>
       <p:ext uri="{BB962C8B-B14F-4D97-AF65-F5344CB8AC3E}">
-        <p14:creationId xmlns:p14="http://schemas.microsoft.com/office/powerpoint/2010/main" val="896347108"/>
+        <p14:creationId xmlns:p14="http://schemas.microsoft.com/office/powerpoint/2010/main" val="2312990128"/>
       </p:ext>
     </p:extLst>
   </p:cSld>
   <p:clrMapOvr>
     <a:masterClrMapping/>
   </p:clrMapOvr>
-  <p:transition>
-    <p:fade/>
-  </p:transition>
+  <mc:AlternateContent xmlns:mc="http://schemas.openxmlformats.org/markup-compatibility/2006" xmlns:p14="http://schemas.microsoft.com/office/powerpoint/2010/main">
+    <mc:Choice Requires="p14">
+      <p:transition p14:dur="250">
+        <p:fade/>
+      </p:transition>
+    </mc:Choice>
+    <mc:Fallback xmlns="">
+      <p:transition>
+        <p:fade/>
+      </p:transition>
+    </mc:Fallback>
+  </mc:AlternateContent>
+</p:sld>
+</file>
+
+<file path=ppt/slides/slide3.xml><?xml version="1.0" encoding="utf-8"?>
+<p:sld xmlns:a="http://schemas.openxmlformats.org/drawingml/2006/main" xmlns:r="http://schemas.openxmlformats.org/officeDocument/2006/relationships" xmlns:p="http://schemas.openxmlformats.org/presentationml/2006/main">
+  <p:cSld>
+    <p:spTree>
+      <p:nvGrpSpPr>
+        <p:cNvPr id="1" name=""/>
+        <p:cNvGrpSpPr/>
+        <p:nvPr/>
+      </p:nvGrpSpPr>
+      <p:grpSpPr>
+        <a:xfrm>
+          <a:off x="0" y="0"/>
+          <a:ext cx="0" cy="0"/>
+          <a:chOff x="0" y="0"/>
+          <a:chExt cx="0" cy="0"/>
+        </a:xfrm>
+      </p:grpSpPr>
+      <p:sp>
+        <p:nvSpPr>
+          <p:cNvPr id="2" name="Title 1">
+            <a:extLst>
+              <a:ext uri="{FF2B5EF4-FFF2-40B4-BE49-F238E27FC236}">
+                <a16:creationId xmlns:a16="http://schemas.microsoft.com/office/drawing/2014/main" id="{CED4FD43-0846-444D-B025-3174D1346F1B}"/>
+              </a:ext>
+            </a:extLst>
+          </p:cNvPr>
+          <p:cNvSpPr>
+            <a:spLocks noGrp="1"/>
+          </p:cNvSpPr>
+          <p:nvPr>
+            <p:ph type="title"/>
+          </p:nvPr>
+        </p:nvSpPr>
+        <p:spPr/>
+        <p:txBody>
+          <a:bodyPr/>
+          <a:lstStyle/>
+          <a:p>
+            <a:r>
+              <a:rPr lang="en-US" dirty="0"/>
+              <a:t>Project Plan</a:t>
+            </a:r>
+            <a:endParaRPr lang="en-GB" dirty="0"/>
+          </a:p>
+        </p:txBody>
+      </p:sp>
+      <p:sp>
+        <p:nvSpPr>
+          <p:cNvPr id="3" name="Text Placeholder 2">
+            <a:extLst>
+              <a:ext uri="{FF2B5EF4-FFF2-40B4-BE49-F238E27FC236}">
+                <a16:creationId xmlns:a16="http://schemas.microsoft.com/office/drawing/2014/main" id="{B8172E6D-56E1-4E73-B144-904D13B28E40}"/>
+              </a:ext>
+            </a:extLst>
+          </p:cNvPr>
+          <p:cNvSpPr>
+            <a:spLocks noGrp="1"/>
+          </p:cNvSpPr>
+          <p:nvPr>
+            <p:ph type="body" idx="1"/>
+          </p:nvPr>
+        </p:nvSpPr>
+        <p:spPr/>
+        <p:txBody>
+          <a:bodyPr/>
+          <a:lstStyle/>
+          <a:p>
+            <a:r>
+              <a:rPr lang="en-US" b="1" dirty="0" err="1"/>
+              <a:t>Michaelmas</a:t>
+            </a:r>
+            <a:r>
+              <a:rPr lang="en-US" b="1" dirty="0"/>
+              <a:t> – Proof of concept</a:t>
+            </a:r>
+            <a:endParaRPr lang="en-GB" b="1" dirty="0"/>
+          </a:p>
+        </p:txBody>
+      </p:sp>
+      <p:sp>
+        <p:nvSpPr>
+          <p:cNvPr id="4" name="Content Placeholder 3">
+            <a:extLst>
+              <a:ext uri="{FF2B5EF4-FFF2-40B4-BE49-F238E27FC236}">
+                <a16:creationId xmlns:a16="http://schemas.microsoft.com/office/drawing/2014/main" id="{C0ED7764-BA28-4FC0-BC71-1E30CBAF33F1}"/>
+              </a:ext>
+            </a:extLst>
+          </p:cNvPr>
+          <p:cNvSpPr>
+            <a:spLocks noGrp="1"/>
+          </p:cNvSpPr>
+          <p:nvPr>
+            <p:ph sz="half" idx="2"/>
+          </p:nvPr>
+        </p:nvSpPr>
+        <p:spPr/>
+        <p:txBody>
+          <a:bodyPr/>
+          <a:lstStyle/>
+          <a:p>
+            <a:r>
+              <a:rPr lang="en-US" dirty="0" err="1"/>
+              <a:t>Charactise</a:t>
+            </a:r>
+            <a:r>
+              <a:rPr lang="en-US" dirty="0"/>
+              <a:t> GPS and pressure sensor</a:t>
+            </a:r>
+          </a:p>
+          <a:p>
+            <a:r>
+              <a:rPr lang="en-US" dirty="0"/>
+              <a:t>Explore ways to make GPS readings more accurate</a:t>
+            </a:r>
+          </a:p>
+          <a:p>
+            <a:r>
+              <a:rPr lang="en-US" dirty="0"/>
+              <a:t>Decide on method of measuring distance and altitude going forward</a:t>
+            </a:r>
+          </a:p>
+          <a:p>
+            <a:r>
+              <a:rPr lang="en-US" dirty="0"/>
+              <a:t>Choose method of controlling electronics</a:t>
+            </a:r>
+          </a:p>
+          <a:p>
+            <a:r>
+              <a:rPr lang="en-US" dirty="0"/>
+              <a:t>Choose data processing method</a:t>
+            </a:r>
+            <a:endParaRPr lang="en-GB" dirty="0"/>
+          </a:p>
+        </p:txBody>
+      </p:sp>
+      <p:sp>
+        <p:nvSpPr>
+          <p:cNvPr id="5" name="Text Placeholder 4">
+            <a:extLst>
+              <a:ext uri="{FF2B5EF4-FFF2-40B4-BE49-F238E27FC236}">
+                <a16:creationId xmlns:a16="http://schemas.microsoft.com/office/drawing/2014/main" id="{158A42C3-B4CD-401E-AAA5-0245D085DD2D}"/>
+              </a:ext>
+            </a:extLst>
+          </p:cNvPr>
+          <p:cNvSpPr>
+            <a:spLocks noGrp="1"/>
+          </p:cNvSpPr>
+          <p:nvPr>
+            <p:ph type="body" sz="quarter" idx="3"/>
+          </p:nvPr>
+        </p:nvSpPr>
+        <p:spPr>
+          <a:xfrm>
+            <a:off x="6126480" y="1713655"/>
+            <a:ext cx="4480560" cy="731520"/>
+          </a:xfrm>
+        </p:spPr>
+        <p:txBody>
+          <a:bodyPr/>
+          <a:lstStyle/>
+          <a:p>
+            <a:r>
+              <a:rPr lang="en-US" b="1" dirty="0"/>
+              <a:t>Lent – Design, Build</a:t>
+            </a:r>
+            <a:endParaRPr lang="en-GB" b="1" dirty="0"/>
+          </a:p>
+        </p:txBody>
+      </p:sp>
+      <p:sp>
+        <p:nvSpPr>
+          <p:cNvPr id="6" name="Content Placeholder 5">
+            <a:extLst>
+              <a:ext uri="{FF2B5EF4-FFF2-40B4-BE49-F238E27FC236}">
+                <a16:creationId xmlns:a16="http://schemas.microsoft.com/office/drawing/2014/main" id="{48A71183-0061-4004-AE25-35AB697E2145}"/>
+              </a:ext>
+            </a:extLst>
+          </p:cNvPr>
+          <p:cNvSpPr>
+            <a:spLocks noGrp="1"/>
+          </p:cNvSpPr>
+          <p:nvPr>
+            <p:ph sz="quarter" idx="4"/>
+          </p:nvPr>
+        </p:nvSpPr>
+        <p:spPr>
+          <a:xfrm>
+            <a:off x="6126480" y="2507550"/>
+            <a:ext cx="4480560" cy="1331025"/>
+          </a:xfrm>
+        </p:spPr>
+        <p:txBody>
+          <a:bodyPr/>
+          <a:lstStyle/>
+          <a:p>
+            <a:r>
+              <a:rPr lang="en-US" dirty="0"/>
+              <a:t>Design PCB</a:t>
+            </a:r>
+          </a:p>
+          <a:p>
+            <a:r>
+              <a:rPr lang="en-US" dirty="0"/>
+              <a:t>Assembly PCB and module</a:t>
+            </a:r>
+          </a:p>
+          <a:p>
+            <a:r>
+              <a:rPr lang="en-US" dirty="0"/>
+              <a:t>Program microcontroller</a:t>
+            </a:r>
+          </a:p>
+        </p:txBody>
+      </p:sp>
+      <p:sp>
+        <p:nvSpPr>
+          <p:cNvPr id="7" name="Rectangle 6">
+            <a:extLst>
+              <a:ext uri="{FF2B5EF4-FFF2-40B4-BE49-F238E27FC236}">
+                <a16:creationId xmlns:a16="http://schemas.microsoft.com/office/drawing/2014/main" id="{64BC7A88-5FC4-4753-B9E4-5FA565E8D31B}"/>
+              </a:ext>
+            </a:extLst>
+          </p:cNvPr>
+          <p:cNvSpPr/>
+          <p:nvPr/>
+        </p:nvSpPr>
+        <p:spPr>
+          <a:xfrm>
+            <a:off x="6108192" y="4694845"/>
+            <a:ext cx="4480560" cy="1200329"/>
+          </a:xfrm>
+          <a:prstGeom prst="rect">
+            <a:avLst/>
+          </a:prstGeom>
+        </p:spPr>
+        <p:txBody>
+          <a:bodyPr wrap="square">
+            <a:spAutoFit/>
+          </a:bodyPr>
+          <a:lstStyle/>
+          <a:p>
+            <a:pPr marL="285750" indent="-285750">
+              <a:buFont typeface="Arial" panose="020B0604020202020204" pitchFamily="34" charset="0"/>
+              <a:buChar char="•"/>
+            </a:pPr>
+            <a:r>
+              <a:rPr lang="en-US" dirty="0"/>
+              <a:t>Testing</a:t>
+            </a:r>
+          </a:p>
+          <a:p>
+            <a:pPr marL="742950" lvl="1" indent="-285750">
+              <a:buFont typeface="Arial" panose="020B0604020202020204" pitchFamily="34" charset="0"/>
+              <a:buChar char="•"/>
+            </a:pPr>
+            <a:r>
+              <a:rPr lang="en-US" dirty="0"/>
+              <a:t>Static</a:t>
+            </a:r>
+          </a:p>
+          <a:p>
+            <a:pPr marL="742950" lvl="1" indent="-285750">
+              <a:buFont typeface="Arial" panose="020B0604020202020204" pitchFamily="34" charset="0"/>
+              <a:buChar char="•"/>
+            </a:pPr>
+            <a:r>
+              <a:rPr lang="en-US" dirty="0"/>
+              <a:t>Flight</a:t>
+            </a:r>
+          </a:p>
+          <a:p>
+            <a:pPr marL="285750" indent="-285750">
+              <a:buFont typeface="Arial" panose="020B0604020202020204" pitchFamily="34" charset="0"/>
+              <a:buChar char="•"/>
+            </a:pPr>
+            <a:r>
+              <a:rPr lang="en-US" dirty="0"/>
+              <a:t>Write up</a:t>
+            </a:r>
+          </a:p>
+        </p:txBody>
+      </p:sp>
+      <p:sp>
+        <p:nvSpPr>
+          <p:cNvPr id="8" name="Text Placeholder 4">
+            <a:extLst>
+              <a:ext uri="{FF2B5EF4-FFF2-40B4-BE49-F238E27FC236}">
+                <a16:creationId xmlns:a16="http://schemas.microsoft.com/office/drawing/2014/main" id="{45621102-7A71-4CC9-849F-48F8E986D41E}"/>
+              </a:ext>
+            </a:extLst>
+          </p:cNvPr>
+          <p:cNvSpPr txBox="1">
+            <a:spLocks/>
+          </p:cNvSpPr>
+          <p:nvPr/>
+        </p:nvSpPr>
+        <p:spPr>
+          <a:xfrm>
+            <a:off x="6126480" y="3900950"/>
+            <a:ext cx="4480560" cy="731520"/>
+          </a:xfrm>
+          <a:prstGeom prst="rect">
+            <a:avLst/>
+          </a:prstGeom>
+        </p:spPr>
+        <p:txBody>
+          <a:bodyPr vert="horz" lIns="91440" tIns="45720" rIns="91440" bIns="45720" rtlCol="0" anchor="b">
+            <a:normAutofit/>
+          </a:bodyPr>
+          <a:lstStyle>
+            <a:lvl1pPr marL="0" indent="0" algn="l" defTabSz="914400" rtl="0" eaLnBrk="1" latinLnBrk="0" hangingPunct="1">
+              <a:lnSpc>
+                <a:spcPct val="95000"/>
+              </a:lnSpc>
+              <a:spcBef>
+                <a:spcPts val="0"/>
+              </a:spcBef>
+              <a:spcAft>
+                <a:spcPts val="200"/>
+              </a:spcAft>
+              <a:buClr>
+                <a:schemeClr val="accent1"/>
+              </a:buClr>
+              <a:buSzPct val="80000"/>
+              <a:buFont typeface="Arial" pitchFamily="34" charset="0"/>
+              <a:buNone/>
+              <a:defRPr lang="en-US" sz="2000" b="0" kern="1200" spc="10" baseline="0" dirty="0">
+                <a:solidFill>
+                  <a:schemeClr val="tx2"/>
+                </a:solidFill>
+                <a:latin typeface="+mn-lt"/>
+                <a:ea typeface="+mn-ea"/>
+                <a:cs typeface="+mn-cs"/>
+              </a:defRPr>
+            </a:lvl1pPr>
+            <a:lvl2pPr marL="457200" indent="0" algn="l" defTabSz="914400" rtl="0" eaLnBrk="1" latinLnBrk="0" hangingPunct="1">
+              <a:lnSpc>
+                <a:spcPct val="90000"/>
+              </a:lnSpc>
+              <a:spcBef>
+                <a:spcPts val="300"/>
+              </a:spcBef>
+              <a:spcAft>
+                <a:spcPts val="300"/>
+              </a:spcAft>
+              <a:buClr>
+                <a:schemeClr val="accent1"/>
+              </a:buClr>
+              <a:buFont typeface="Wingdings 2" pitchFamily="18" charset="2"/>
+              <a:buNone/>
+              <a:defRPr sz="2000" b="1" kern="1200">
+                <a:solidFill>
+                  <a:schemeClr val="tx1">
+                    <a:lumMod val="85000"/>
+                    <a:lumOff val="15000"/>
+                  </a:schemeClr>
+                </a:solidFill>
+                <a:latin typeface="+mn-lt"/>
+                <a:ea typeface="+mn-ea"/>
+                <a:cs typeface="+mn-cs"/>
+              </a:defRPr>
+            </a:lvl2pPr>
+            <a:lvl3pPr marL="914400" indent="0" algn="l" defTabSz="914400" rtl="0" eaLnBrk="1" latinLnBrk="0" hangingPunct="1">
+              <a:lnSpc>
+                <a:spcPct val="90000"/>
+              </a:lnSpc>
+              <a:spcBef>
+                <a:spcPts val="300"/>
+              </a:spcBef>
+              <a:spcAft>
+                <a:spcPts val="300"/>
+              </a:spcAft>
+              <a:buClr>
+                <a:schemeClr val="accent1"/>
+              </a:buClr>
+              <a:buFont typeface="Wingdings 2" pitchFamily="18" charset="2"/>
+              <a:buNone/>
+              <a:defRPr sz="1800" b="1" kern="1200">
+                <a:solidFill>
+                  <a:schemeClr val="tx1">
+                    <a:lumMod val="85000"/>
+                    <a:lumOff val="15000"/>
+                  </a:schemeClr>
+                </a:solidFill>
+                <a:latin typeface="+mn-lt"/>
+                <a:ea typeface="+mn-ea"/>
+                <a:cs typeface="+mn-cs"/>
+              </a:defRPr>
+            </a:lvl3pPr>
+            <a:lvl4pPr marL="1371600" indent="0" algn="l" defTabSz="914400" rtl="0" eaLnBrk="1" latinLnBrk="0" hangingPunct="1">
+              <a:lnSpc>
+                <a:spcPct val="90000"/>
+              </a:lnSpc>
+              <a:spcBef>
+                <a:spcPts val="300"/>
+              </a:spcBef>
+              <a:spcAft>
+                <a:spcPts val="300"/>
+              </a:spcAft>
+              <a:buClr>
+                <a:schemeClr val="accent1"/>
+              </a:buClr>
+              <a:buFont typeface="Wingdings 2" pitchFamily="18" charset="2"/>
+              <a:buNone/>
+              <a:defRPr sz="1600" b="1" kern="1200">
+                <a:solidFill>
+                  <a:schemeClr val="tx1">
+                    <a:lumMod val="85000"/>
+                    <a:lumOff val="15000"/>
+                  </a:schemeClr>
+                </a:solidFill>
+                <a:latin typeface="+mn-lt"/>
+                <a:ea typeface="+mn-ea"/>
+                <a:cs typeface="+mn-cs"/>
+              </a:defRPr>
+            </a:lvl4pPr>
+            <a:lvl5pPr marL="1828800" indent="0" algn="l" defTabSz="914400" rtl="0" eaLnBrk="1" latinLnBrk="0" hangingPunct="1">
+              <a:lnSpc>
+                <a:spcPct val="90000"/>
+              </a:lnSpc>
+              <a:spcBef>
+                <a:spcPts val="300"/>
+              </a:spcBef>
+              <a:spcAft>
+                <a:spcPts val="300"/>
+              </a:spcAft>
+              <a:buClr>
+                <a:schemeClr val="accent1"/>
+              </a:buClr>
+              <a:buFont typeface="Wingdings 2" pitchFamily="18" charset="2"/>
+              <a:buNone/>
+              <a:defRPr sz="1600" b="1" kern="1200">
+                <a:solidFill>
+                  <a:schemeClr val="tx1">
+                    <a:lumMod val="85000"/>
+                    <a:lumOff val="15000"/>
+                  </a:schemeClr>
+                </a:solidFill>
+                <a:latin typeface="+mn-lt"/>
+                <a:ea typeface="+mn-ea"/>
+                <a:cs typeface="+mn-cs"/>
+              </a:defRPr>
+            </a:lvl5pPr>
+            <a:lvl6pPr marL="2286000" indent="0" algn="l" defTabSz="914400" rtl="0" eaLnBrk="1" latinLnBrk="0" hangingPunct="1">
+              <a:lnSpc>
+                <a:spcPct val="90000"/>
+              </a:lnSpc>
+              <a:spcBef>
+                <a:spcPts val="300"/>
+              </a:spcBef>
+              <a:spcAft>
+                <a:spcPts val="300"/>
+              </a:spcAft>
+              <a:buClr>
+                <a:schemeClr val="accent1"/>
+              </a:buClr>
+              <a:buFont typeface="Wingdings 2" pitchFamily="18" charset="2"/>
+              <a:buNone/>
+              <a:defRPr sz="1600" b="1" kern="1200">
+                <a:solidFill>
+                  <a:schemeClr val="tx1">
+                    <a:lumMod val="85000"/>
+                    <a:lumOff val="15000"/>
+                  </a:schemeClr>
+                </a:solidFill>
+                <a:latin typeface="+mn-lt"/>
+                <a:ea typeface="+mn-ea"/>
+                <a:cs typeface="+mn-cs"/>
+              </a:defRPr>
+            </a:lvl6pPr>
+            <a:lvl7pPr marL="2743200" indent="0" algn="l" defTabSz="914400" rtl="0" eaLnBrk="1" latinLnBrk="0" hangingPunct="1">
+              <a:lnSpc>
+                <a:spcPct val="90000"/>
+              </a:lnSpc>
+              <a:spcBef>
+                <a:spcPts val="300"/>
+              </a:spcBef>
+              <a:spcAft>
+                <a:spcPts val="300"/>
+              </a:spcAft>
+              <a:buClr>
+                <a:schemeClr val="accent1"/>
+              </a:buClr>
+              <a:buFont typeface="Wingdings 2" pitchFamily="18" charset="2"/>
+              <a:buNone/>
+              <a:defRPr sz="1600" b="1" kern="1200">
+                <a:solidFill>
+                  <a:schemeClr val="tx1">
+                    <a:lumMod val="85000"/>
+                    <a:lumOff val="15000"/>
+                  </a:schemeClr>
+                </a:solidFill>
+                <a:latin typeface="+mn-lt"/>
+                <a:ea typeface="+mn-ea"/>
+                <a:cs typeface="+mn-cs"/>
+              </a:defRPr>
+            </a:lvl7pPr>
+            <a:lvl8pPr marL="3200400" indent="0" algn="l" defTabSz="914400" rtl="0" eaLnBrk="1" latinLnBrk="0" hangingPunct="1">
+              <a:lnSpc>
+                <a:spcPct val="90000"/>
+              </a:lnSpc>
+              <a:spcBef>
+                <a:spcPts val="300"/>
+              </a:spcBef>
+              <a:spcAft>
+                <a:spcPts val="300"/>
+              </a:spcAft>
+              <a:buClr>
+                <a:schemeClr val="accent1"/>
+              </a:buClr>
+              <a:buFont typeface="Wingdings 2" pitchFamily="18" charset="2"/>
+              <a:buNone/>
+              <a:defRPr sz="1600" b="1" kern="1200">
+                <a:solidFill>
+                  <a:schemeClr val="tx1">
+                    <a:lumMod val="85000"/>
+                    <a:lumOff val="15000"/>
+                  </a:schemeClr>
+                </a:solidFill>
+                <a:latin typeface="+mn-lt"/>
+                <a:ea typeface="+mn-ea"/>
+                <a:cs typeface="+mn-cs"/>
+              </a:defRPr>
+            </a:lvl8pPr>
+            <a:lvl9pPr marL="3657600" indent="0" algn="l" defTabSz="914400" rtl="0" eaLnBrk="1" latinLnBrk="0" hangingPunct="1">
+              <a:lnSpc>
+                <a:spcPct val="90000"/>
+              </a:lnSpc>
+              <a:spcBef>
+                <a:spcPts val="300"/>
+              </a:spcBef>
+              <a:spcAft>
+                <a:spcPts val="300"/>
+              </a:spcAft>
+              <a:buClr>
+                <a:schemeClr val="accent1"/>
+              </a:buClr>
+              <a:buFont typeface="Wingdings 2" pitchFamily="18" charset="2"/>
+              <a:buNone/>
+              <a:defRPr sz="1600" b="1" kern="1200">
+                <a:solidFill>
+                  <a:schemeClr val="tx1">
+                    <a:lumMod val="85000"/>
+                    <a:lumOff val="15000"/>
+                  </a:schemeClr>
+                </a:solidFill>
+                <a:latin typeface="+mn-lt"/>
+                <a:ea typeface="+mn-ea"/>
+                <a:cs typeface="+mn-cs"/>
+              </a:defRPr>
+            </a:lvl9pPr>
+          </a:lstStyle>
+          <a:p>
+            <a:r>
+              <a:rPr lang="en-GB" b="1" dirty="0"/>
+              <a:t>Easter – Test, Write up</a:t>
+            </a:r>
+          </a:p>
+        </p:txBody>
+      </p:sp>
+    </p:spTree>
+    <p:extLst>
+      <p:ext uri="{BB962C8B-B14F-4D97-AF65-F5344CB8AC3E}">
+        <p14:creationId xmlns:p14="http://schemas.microsoft.com/office/powerpoint/2010/main" val="10094378"/>
+      </p:ext>
+    </p:extLst>
+  </p:cSld>
+  <p:clrMapOvr>
+    <a:masterClrMapping/>
+  </p:clrMapOvr>
+  <mc:AlternateContent xmlns:mc="http://schemas.openxmlformats.org/markup-compatibility/2006" xmlns:p14="http://schemas.microsoft.com/office/powerpoint/2010/main">
+    <mc:Choice Requires="p14">
+      <p:transition p14:dur="250">
+        <p:fade/>
+      </p:transition>
+    </mc:Choice>
+    <mc:Fallback xmlns="">
+      <p:transition>
+        <p:fade/>
+      </p:transition>
+    </mc:Fallback>
+  </mc:AlternateContent>
+</p:sld>
+</file>
+
+<file path=ppt/slides/slide4.xml><?xml version="1.0" encoding="utf-8"?>
+<p:sld xmlns:a="http://schemas.openxmlformats.org/drawingml/2006/main" xmlns:r="http://schemas.openxmlformats.org/officeDocument/2006/relationships" xmlns:p="http://schemas.openxmlformats.org/presentationml/2006/main">
+  <p:cSld>
+    <p:spTree>
+      <p:nvGrpSpPr>
+        <p:cNvPr id="1" name=""/>
+        <p:cNvGrpSpPr/>
+        <p:nvPr/>
+      </p:nvGrpSpPr>
+      <p:grpSpPr>
+        <a:xfrm>
+          <a:off x="0" y="0"/>
+          <a:ext cx="0" cy="0"/>
+          <a:chOff x="0" y="0"/>
+          <a:chExt cx="0" cy="0"/>
+        </a:xfrm>
+      </p:grpSpPr>
+      <p:sp>
+        <p:nvSpPr>
+          <p:cNvPr id="7" name="Title 6">
+            <a:extLst>
+              <a:ext uri="{FF2B5EF4-FFF2-40B4-BE49-F238E27FC236}">
+                <a16:creationId xmlns:a16="http://schemas.microsoft.com/office/drawing/2014/main" id="{0CA326F8-EBF4-459B-A6C1-F57A53583B28}"/>
+              </a:ext>
+            </a:extLst>
+          </p:cNvPr>
+          <p:cNvSpPr>
+            <a:spLocks noGrp="1"/>
+          </p:cNvSpPr>
+          <p:nvPr>
+            <p:ph type="title"/>
+          </p:nvPr>
+        </p:nvSpPr>
+        <p:spPr>
+          <a:xfrm>
+            <a:off x="1261872" y="365760"/>
+            <a:ext cx="9692640" cy="1325562"/>
+          </a:xfrm>
+        </p:spPr>
+        <p:txBody>
+          <a:bodyPr/>
+          <a:lstStyle/>
+          <a:p>
+            <a:r>
+              <a:rPr lang="en-US" dirty="0"/>
+              <a:t>‘Cheap’ DGPS</a:t>
+            </a:r>
+            <a:endParaRPr lang="en-GB" dirty="0"/>
+          </a:p>
+        </p:txBody>
+      </p:sp>
+      <p:sp>
+        <p:nvSpPr>
+          <p:cNvPr id="58" name="Content Placeholder 57">
+            <a:extLst>
+              <a:ext uri="{FF2B5EF4-FFF2-40B4-BE49-F238E27FC236}">
+                <a16:creationId xmlns:a16="http://schemas.microsoft.com/office/drawing/2014/main" id="{BCCE9E80-0FD1-413C-9B27-D137AB384863}"/>
+              </a:ext>
+            </a:extLst>
+          </p:cNvPr>
+          <p:cNvSpPr>
+            <a:spLocks noGrp="1"/>
+          </p:cNvSpPr>
+          <p:nvPr>
+            <p:ph sz="half" idx="1"/>
+          </p:nvPr>
+        </p:nvSpPr>
+        <p:spPr/>
+        <p:txBody>
+          <a:bodyPr/>
+          <a:lstStyle/>
+          <a:p>
+            <a:r>
+              <a:rPr lang="en-US" dirty="0"/>
+              <a:t>Errors in readings due to multipath, ionosphere, reflection of signals, </a:t>
+            </a:r>
+            <a:r>
+              <a:rPr lang="en-US" dirty="0" err="1"/>
+              <a:t>etc</a:t>
+            </a:r>
+            <a:endParaRPr lang="en-US" dirty="0"/>
+          </a:p>
+          <a:p>
+            <a:r>
+              <a:rPr lang="en-US" dirty="0"/>
+              <a:t>Corrections usually done on signals themselves</a:t>
+            </a:r>
+          </a:p>
+          <a:p>
+            <a:r>
+              <a:rPr lang="en-US" dirty="0"/>
+              <a:t>Blue ‘base’ readings, average is true location</a:t>
+            </a:r>
+          </a:p>
+          <a:p>
+            <a:r>
+              <a:rPr lang="en-US" dirty="0"/>
+              <a:t>Pair each ‘base’ reading to red ‘roaming’ reading</a:t>
+            </a:r>
+          </a:p>
+          <a:p>
+            <a:r>
+              <a:rPr lang="en-US" dirty="0"/>
+              <a:t>Find orange error vector between base reading and average</a:t>
+            </a:r>
+          </a:p>
+          <a:p>
+            <a:r>
+              <a:rPr lang="en-US" dirty="0"/>
+              <a:t>Subtract from red roaming to correct it</a:t>
+            </a:r>
+          </a:p>
+        </p:txBody>
+      </p:sp>
+      <p:cxnSp>
+        <p:nvCxnSpPr>
+          <p:cNvPr id="10" name="Straight Arrow Connector 9">
+            <a:extLst>
+              <a:ext uri="{FF2B5EF4-FFF2-40B4-BE49-F238E27FC236}">
+                <a16:creationId xmlns:a16="http://schemas.microsoft.com/office/drawing/2014/main" id="{3DC6E140-DA34-4C7E-B65E-39ECB27DFBD2}"/>
+              </a:ext>
+            </a:extLst>
+          </p:cNvPr>
+          <p:cNvCxnSpPr/>
+          <p:nvPr/>
+        </p:nvCxnSpPr>
+        <p:spPr>
+          <a:xfrm flipV="1">
+            <a:off x="6694414" y="2046914"/>
+            <a:ext cx="0" cy="3665989"/>
+          </a:xfrm>
+          <a:prstGeom prst="straightConnector1">
+            <a:avLst/>
+          </a:prstGeom>
+          <a:ln w="38100">
+            <a:tailEnd type="triangle"/>
+          </a:ln>
+        </p:spPr>
+        <p:style>
+          <a:lnRef idx="1">
+            <a:schemeClr val="accent1"/>
+          </a:lnRef>
+          <a:fillRef idx="0">
+            <a:schemeClr val="accent1"/>
+          </a:fillRef>
+          <a:effectRef idx="0">
+            <a:schemeClr val="accent1"/>
+          </a:effectRef>
+          <a:fontRef idx="minor">
+            <a:schemeClr val="tx1"/>
+          </a:fontRef>
+        </p:style>
+      </p:cxnSp>
+      <p:cxnSp>
+        <p:nvCxnSpPr>
+          <p:cNvPr id="11" name="Straight Arrow Connector 10">
+            <a:extLst>
+              <a:ext uri="{FF2B5EF4-FFF2-40B4-BE49-F238E27FC236}">
+                <a16:creationId xmlns:a16="http://schemas.microsoft.com/office/drawing/2014/main" id="{F2BDBCCB-14AE-44CE-8709-73B7B260C4F1}"/>
+              </a:ext>
+            </a:extLst>
+          </p:cNvPr>
+          <p:cNvCxnSpPr>
+            <a:cxnSpLocks/>
+          </p:cNvCxnSpPr>
+          <p:nvPr/>
+        </p:nvCxnSpPr>
+        <p:spPr>
+          <a:xfrm>
+            <a:off x="6680041" y="5705216"/>
+            <a:ext cx="3915254" cy="7687"/>
+          </a:xfrm>
+          <a:prstGeom prst="straightConnector1">
+            <a:avLst/>
+          </a:prstGeom>
+          <a:ln w="38100">
+            <a:tailEnd type="triangle"/>
+          </a:ln>
+        </p:spPr>
+        <p:style>
+          <a:lnRef idx="1">
+            <a:schemeClr val="accent1"/>
+          </a:lnRef>
+          <a:fillRef idx="0">
+            <a:schemeClr val="accent1"/>
+          </a:fillRef>
+          <a:effectRef idx="0">
+            <a:schemeClr val="accent1"/>
+          </a:effectRef>
+          <a:fontRef idx="minor">
+            <a:schemeClr val="tx1"/>
+          </a:fontRef>
+        </p:style>
+      </p:cxnSp>
+      <p:sp>
+        <p:nvSpPr>
+          <p:cNvPr id="14" name="Oval 13">
+            <a:extLst>
+              <a:ext uri="{FF2B5EF4-FFF2-40B4-BE49-F238E27FC236}">
+                <a16:creationId xmlns:a16="http://schemas.microsoft.com/office/drawing/2014/main" id="{AB2B3239-2755-4692-A059-5444D5094498}"/>
+              </a:ext>
+            </a:extLst>
+          </p:cNvPr>
+          <p:cNvSpPr/>
+          <p:nvPr/>
+        </p:nvSpPr>
+        <p:spPr>
+          <a:xfrm>
+            <a:off x="7166993" y="3075257"/>
+            <a:ext cx="75496" cy="92269"/>
+          </a:xfrm>
+          <a:prstGeom prst="ellipse">
+            <a:avLst/>
+          </a:prstGeom>
+          <a:solidFill>
+            <a:srgbClr val="00B0F0"/>
+          </a:solidFill>
+        </p:spPr>
+        <p:style>
+          <a:lnRef idx="2">
+            <a:schemeClr val="accent1">
+              <a:shade val="50000"/>
+            </a:schemeClr>
+          </a:lnRef>
+          <a:fillRef idx="1">
+            <a:schemeClr val="accent1"/>
+          </a:fillRef>
+          <a:effectRef idx="0">
+            <a:schemeClr val="accent1"/>
+          </a:effectRef>
+          <a:fontRef idx="minor">
+            <a:schemeClr val="lt1"/>
+          </a:fontRef>
+        </p:style>
+        <p:txBody>
+          <a:bodyPr rtlCol="0" anchor="ctr"/>
+          <a:lstStyle/>
+          <a:p>
+            <a:pPr algn="ctr"/>
+            <a:endParaRPr lang="en-GB"/>
+          </a:p>
+        </p:txBody>
+      </p:sp>
+      <p:sp>
+        <p:nvSpPr>
+          <p:cNvPr id="15" name="Oval 14">
+            <a:extLst>
+              <a:ext uri="{FF2B5EF4-FFF2-40B4-BE49-F238E27FC236}">
+                <a16:creationId xmlns:a16="http://schemas.microsoft.com/office/drawing/2014/main" id="{9AAC2431-070A-4D30-91DF-1778ACB378F3}"/>
+              </a:ext>
+            </a:extLst>
+          </p:cNvPr>
+          <p:cNvSpPr/>
+          <p:nvPr/>
+        </p:nvSpPr>
+        <p:spPr>
+          <a:xfrm>
+            <a:off x="7242489" y="3727515"/>
+            <a:ext cx="75496" cy="92269"/>
+          </a:xfrm>
+          <a:prstGeom prst="ellipse">
+            <a:avLst/>
+          </a:prstGeom>
+          <a:solidFill>
+            <a:srgbClr val="00B0F0"/>
+          </a:solidFill>
+        </p:spPr>
+        <p:style>
+          <a:lnRef idx="2">
+            <a:schemeClr val="accent1">
+              <a:shade val="50000"/>
+            </a:schemeClr>
+          </a:lnRef>
+          <a:fillRef idx="1">
+            <a:schemeClr val="accent1"/>
+          </a:fillRef>
+          <a:effectRef idx="0">
+            <a:schemeClr val="accent1"/>
+          </a:effectRef>
+          <a:fontRef idx="minor">
+            <a:schemeClr val="lt1"/>
+          </a:fontRef>
+        </p:style>
+        <p:txBody>
+          <a:bodyPr rtlCol="0" anchor="ctr"/>
+          <a:lstStyle/>
+          <a:p>
+            <a:pPr algn="ctr"/>
+            <a:endParaRPr lang="en-GB"/>
+          </a:p>
+        </p:txBody>
+      </p:sp>
+      <p:sp>
+        <p:nvSpPr>
+          <p:cNvPr id="16" name="Oval 15">
+            <a:extLst>
+              <a:ext uri="{FF2B5EF4-FFF2-40B4-BE49-F238E27FC236}">
+                <a16:creationId xmlns:a16="http://schemas.microsoft.com/office/drawing/2014/main" id="{DA4000AA-F73E-45D0-ACB9-0A5C40CB00AE}"/>
+              </a:ext>
+            </a:extLst>
+          </p:cNvPr>
+          <p:cNvSpPr/>
+          <p:nvPr/>
+        </p:nvSpPr>
+        <p:spPr>
+          <a:xfrm>
+            <a:off x="7698304" y="2780719"/>
+            <a:ext cx="75496" cy="92269"/>
+          </a:xfrm>
+          <a:prstGeom prst="ellipse">
+            <a:avLst/>
+          </a:prstGeom>
+          <a:solidFill>
+            <a:srgbClr val="00B0F0"/>
+          </a:solidFill>
+        </p:spPr>
+        <p:style>
+          <a:lnRef idx="2">
+            <a:schemeClr val="accent1">
+              <a:shade val="50000"/>
+            </a:schemeClr>
+          </a:lnRef>
+          <a:fillRef idx="1">
+            <a:schemeClr val="accent1"/>
+          </a:fillRef>
+          <a:effectRef idx="0">
+            <a:schemeClr val="accent1"/>
+          </a:effectRef>
+          <a:fontRef idx="minor">
+            <a:schemeClr val="lt1"/>
+          </a:fontRef>
+        </p:style>
+        <p:txBody>
+          <a:bodyPr rtlCol="0" anchor="ctr"/>
+          <a:lstStyle/>
+          <a:p>
+            <a:pPr algn="ctr"/>
+            <a:endParaRPr lang="en-GB"/>
+          </a:p>
+        </p:txBody>
+      </p:sp>
+      <p:sp>
+        <p:nvSpPr>
+          <p:cNvPr id="17" name="Oval 16">
+            <a:extLst>
+              <a:ext uri="{FF2B5EF4-FFF2-40B4-BE49-F238E27FC236}">
+                <a16:creationId xmlns:a16="http://schemas.microsoft.com/office/drawing/2014/main" id="{43888C74-571B-4ABC-9590-738B4A3BFD7D}"/>
+              </a:ext>
+            </a:extLst>
+          </p:cNvPr>
+          <p:cNvSpPr/>
+          <p:nvPr/>
+        </p:nvSpPr>
+        <p:spPr>
+          <a:xfrm>
+            <a:off x="7882717" y="4003701"/>
+            <a:ext cx="75496" cy="92269"/>
+          </a:xfrm>
+          <a:prstGeom prst="ellipse">
+            <a:avLst/>
+          </a:prstGeom>
+          <a:solidFill>
+            <a:srgbClr val="00B0F0"/>
+          </a:solidFill>
+        </p:spPr>
+        <p:style>
+          <a:lnRef idx="2">
+            <a:schemeClr val="accent1">
+              <a:shade val="50000"/>
+            </a:schemeClr>
+          </a:lnRef>
+          <a:fillRef idx="1">
+            <a:schemeClr val="accent1"/>
+          </a:fillRef>
+          <a:effectRef idx="0">
+            <a:schemeClr val="accent1"/>
+          </a:effectRef>
+          <a:fontRef idx="minor">
+            <a:schemeClr val="lt1"/>
+          </a:fontRef>
+        </p:style>
+        <p:txBody>
+          <a:bodyPr rtlCol="0" anchor="ctr"/>
+          <a:lstStyle/>
+          <a:p>
+            <a:pPr algn="ctr"/>
+            <a:endParaRPr lang="en-GB"/>
+          </a:p>
+        </p:txBody>
+      </p:sp>
+      <p:sp>
+        <p:nvSpPr>
+          <p:cNvPr id="18" name="Oval 17">
+            <a:extLst>
+              <a:ext uri="{FF2B5EF4-FFF2-40B4-BE49-F238E27FC236}">
+                <a16:creationId xmlns:a16="http://schemas.microsoft.com/office/drawing/2014/main" id="{E79CDB19-2D6D-4B66-8881-65CCF54DC343}"/>
+              </a:ext>
+            </a:extLst>
+          </p:cNvPr>
+          <p:cNvSpPr/>
+          <p:nvPr/>
+        </p:nvSpPr>
+        <p:spPr>
+          <a:xfrm>
+            <a:off x="8506437" y="2742964"/>
+            <a:ext cx="75496" cy="92269"/>
+          </a:xfrm>
+          <a:prstGeom prst="ellipse">
+            <a:avLst/>
+          </a:prstGeom>
+          <a:solidFill>
+            <a:srgbClr val="00B0F0"/>
+          </a:solidFill>
+        </p:spPr>
+        <p:style>
+          <a:lnRef idx="2">
+            <a:schemeClr val="accent1">
+              <a:shade val="50000"/>
+            </a:schemeClr>
+          </a:lnRef>
+          <a:fillRef idx="1">
+            <a:schemeClr val="accent1"/>
+          </a:fillRef>
+          <a:effectRef idx="0">
+            <a:schemeClr val="accent1"/>
+          </a:effectRef>
+          <a:fontRef idx="minor">
+            <a:schemeClr val="lt1"/>
+          </a:fontRef>
+        </p:style>
+        <p:txBody>
+          <a:bodyPr rtlCol="0" anchor="ctr"/>
+          <a:lstStyle/>
+          <a:p>
+            <a:pPr algn="ctr"/>
+            <a:endParaRPr lang="en-GB"/>
+          </a:p>
+        </p:txBody>
+      </p:sp>
+      <p:sp>
+        <p:nvSpPr>
+          <p:cNvPr id="19" name="Oval 18">
+            <a:extLst>
+              <a:ext uri="{FF2B5EF4-FFF2-40B4-BE49-F238E27FC236}">
+                <a16:creationId xmlns:a16="http://schemas.microsoft.com/office/drawing/2014/main" id="{7ECB7E63-4320-41F8-8DD7-C2382595BC02}"/>
+              </a:ext>
+            </a:extLst>
+          </p:cNvPr>
+          <p:cNvSpPr/>
+          <p:nvPr/>
+        </p:nvSpPr>
+        <p:spPr>
+          <a:xfrm>
+            <a:off x="8320449" y="3819784"/>
+            <a:ext cx="75496" cy="92269"/>
+          </a:xfrm>
+          <a:prstGeom prst="ellipse">
+            <a:avLst/>
+          </a:prstGeom>
+          <a:solidFill>
+            <a:srgbClr val="00B0F0"/>
+          </a:solidFill>
+        </p:spPr>
+        <p:style>
+          <a:lnRef idx="2">
+            <a:schemeClr val="accent1">
+              <a:shade val="50000"/>
+            </a:schemeClr>
+          </a:lnRef>
+          <a:fillRef idx="1">
+            <a:schemeClr val="accent1"/>
+          </a:fillRef>
+          <a:effectRef idx="0">
+            <a:schemeClr val="accent1"/>
+          </a:effectRef>
+          <a:fontRef idx="minor">
+            <a:schemeClr val="lt1"/>
+          </a:fontRef>
+        </p:style>
+        <p:txBody>
+          <a:bodyPr rtlCol="0" anchor="ctr"/>
+          <a:lstStyle/>
+          <a:p>
+            <a:pPr algn="ctr"/>
+            <a:endParaRPr lang="en-GB"/>
+          </a:p>
+        </p:txBody>
+      </p:sp>
+      <p:sp>
+        <p:nvSpPr>
+          <p:cNvPr id="20" name="Oval 19">
+            <a:extLst>
+              <a:ext uri="{FF2B5EF4-FFF2-40B4-BE49-F238E27FC236}">
+                <a16:creationId xmlns:a16="http://schemas.microsoft.com/office/drawing/2014/main" id="{81870E10-EA39-4F43-B485-8ED8751FA9BB}"/>
+              </a:ext>
+            </a:extLst>
+          </p:cNvPr>
+          <p:cNvSpPr/>
+          <p:nvPr/>
+        </p:nvSpPr>
+        <p:spPr>
+          <a:xfrm>
+            <a:off x="7394188" y="4131820"/>
+            <a:ext cx="75496" cy="92269"/>
+          </a:xfrm>
+          <a:prstGeom prst="ellipse">
+            <a:avLst/>
+          </a:prstGeom>
+          <a:solidFill>
+            <a:srgbClr val="00B0F0"/>
+          </a:solidFill>
+        </p:spPr>
+        <p:style>
+          <a:lnRef idx="2">
+            <a:schemeClr val="accent1">
+              <a:shade val="50000"/>
+            </a:schemeClr>
+          </a:lnRef>
+          <a:fillRef idx="1">
+            <a:schemeClr val="accent1"/>
+          </a:fillRef>
+          <a:effectRef idx="0">
+            <a:schemeClr val="accent1"/>
+          </a:effectRef>
+          <a:fontRef idx="minor">
+            <a:schemeClr val="lt1"/>
+          </a:fontRef>
+        </p:style>
+        <p:txBody>
+          <a:bodyPr rtlCol="0" anchor="ctr"/>
+          <a:lstStyle/>
+          <a:p>
+            <a:pPr algn="ctr"/>
+            <a:endParaRPr lang="en-GB"/>
+          </a:p>
+        </p:txBody>
+      </p:sp>
+      <p:sp>
+        <p:nvSpPr>
+          <p:cNvPr id="21" name="Oval 20">
+            <a:extLst>
+              <a:ext uri="{FF2B5EF4-FFF2-40B4-BE49-F238E27FC236}">
+                <a16:creationId xmlns:a16="http://schemas.microsoft.com/office/drawing/2014/main" id="{88A8F0E3-4927-44E3-AAFD-4DAD5973463F}"/>
+              </a:ext>
+            </a:extLst>
+          </p:cNvPr>
+          <p:cNvSpPr/>
+          <p:nvPr/>
+        </p:nvSpPr>
+        <p:spPr>
+          <a:xfrm>
+            <a:off x="8360986" y="3246297"/>
+            <a:ext cx="75496" cy="92269"/>
+          </a:xfrm>
+          <a:prstGeom prst="ellipse">
+            <a:avLst/>
+          </a:prstGeom>
+          <a:solidFill>
+            <a:srgbClr val="00B0F0"/>
+          </a:solidFill>
+        </p:spPr>
+        <p:style>
+          <a:lnRef idx="2">
+            <a:schemeClr val="accent1">
+              <a:shade val="50000"/>
+            </a:schemeClr>
+          </a:lnRef>
+          <a:fillRef idx="1">
+            <a:schemeClr val="accent1"/>
+          </a:fillRef>
+          <a:effectRef idx="0">
+            <a:schemeClr val="accent1"/>
+          </a:effectRef>
+          <a:fontRef idx="minor">
+            <a:schemeClr val="lt1"/>
+          </a:fontRef>
+        </p:style>
+        <p:txBody>
+          <a:bodyPr rtlCol="0" anchor="ctr"/>
+          <a:lstStyle/>
+          <a:p>
+            <a:pPr algn="ctr"/>
+            <a:endParaRPr lang="en-GB"/>
+          </a:p>
+        </p:txBody>
+      </p:sp>
+      <p:sp>
+        <p:nvSpPr>
+          <p:cNvPr id="28" name="Oval 27">
+            <a:extLst>
+              <a:ext uri="{FF2B5EF4-FFF2-40B4-BE49-F238E27FC236}">
+                <a16:creationId xmlns:a16="http://schemas.microsoft.com/office/drawing/2014/main" id="{BB4B3866-A295-4360-84E8-421C791D3AD4}"/>
+              </a:ext>
+            </a:extLst>
+          </p:cNvPr>
+          <p:cNvSpPr/>
+          <p:nvPr/>
+        </p:nvSpPr>
+        <p:spPr>
+          <a:xfrm>
+            <a:off x="10150705" y="4224034"/>
+            <a:ext cx="75496" cy="92269"/>
+          </a:xfrm>
+          <a:prstGeom prst="ellipse">
+            <a:avLst/>
+          </a:prstGeom>
+          <a:solidFill>
+            <a:srgbClr val="FF0000"/>
+          </a:solidFill>
+        </p:spPr>
+        <p:style>
+          <a:lnRef idx="2">
+            <a:schemeClr val="accent1">
+              <a:shade val="50000"/>
+            </a:schemeClr>
+          </a:lnRef>
+          <a:fillRef idx="1">
+            <a:schemeClr val="accent1"/>
+          </a:fillRef>
+          <a:effectRef idx="0">
+            <a:schemeClr val="accent1"/>
+          </a:effectRef>
+          <a:fontRef idx="minor">
+            <a:schemeClr val="lt1"/>
+          </a:fontRef>
+        </p:style>
+        <p:txBody>
+          <a:bodyPr rtlCol="0" anchor="ctr"/>
+          <a:lstStyle/>
+          <a:p>
+            <a:pPr algn="ctr"/>
+            <a:endParaRPr lang="en-GB"/>
+          </a:p>
+        </p:txBody>
+      </p:sp>
+      <p:cxnSp>
+        <p:nvCxnSpPr>
+          <p:cNvPr id="36" name="Straight Connector 35">
+            <a:extLst>
+              <a:ext uri="{FF2B5EF4-FFF2-40B4-BE49-F238E27FC236}">
+                <a16:creationId xmlns:a16="http://schemas.microsoft.com/office/drawing/2014/main" id="{D9227445-0100-47AB-A50D-14A55005D5E4}"/>
+              </a:ext>
+            </a:extLst>
+          </p:cNvPr>
+          <p:cNvCxnSpPr>
+            <a:cxnSpLocks/>
+          </p:cNvCxnSpPr>
+          <p:nvPr/>
+        </p:nvCxnSpPr>
+        <p:spPr>
+          <a:xfrm>
+            <a:off x="7661953" y="3368703"/>
+            <a:ext cx="220764" cy="176336"/>
+          </a:xfrm>
+          <a:prstGeom prst="line">
+            <a:avLst/>
+          </a:prstGeom>
+          <a:ln w="28575">
+            <a:solidFill>
+              <a:srgbClr val="0070C0"/>
+            </a:solidFill>
+          </a:ln>
+        </p:spPr>
+        <p:style>
+          <a:lnRef idx="1">
+            <a:schemeClr val="accent1"/>
+          </a:lnRef>
+          <a:fillRef idx="0">
+            <a:schemeClr val="accent1"/>
+          </a:fillRef>
+          <a:effectRef idx="0">
+            <a:schemeClr val="accent1"/>
+          </a:effectRef>
+          <a:fontRef idx="minor">
+            <a:schemeClr val="tx1"/>
+          </a:fontRef>
+        </p:style>
+      </p:cxnSp>
+      <p:cxnSp>
+        <p:nvCxnSpPr>
+          <p:cNvPr id="38" name="Straight Connector 37">
+            <a:extLst>
+              <a:ext uri="{FF2B5EF4-FFF2-40B4-BE49-F238E27FC236}">
+                <a16:creationId xmlns:a16="http://schemas.microsoft.com/office/drawing/2014/main" id="{4FC73221-D582-4C9B-B0F2-4F0350DDD3AA}"/>
+              </a:ext>
+            </a:extLst>
+          </p:cNvPr>
+          <p:cNvCxnSpPr>
+            <a:cxnSpLocks/>
+          </p:cNvCxnSpPr>
+          <p:nvPr/>
+        </p:nvCxnSpPr>
+        <p:spPr>
+          <a:xfrm flipH="1">
+            <a:off x="7661953" y="3368179"/>
+            <a:ext cx="209315" cy="176860"/>
+          </a:xfrm>
+          <a:prstGeom prst="line">
+            <a:avLst/>
+          </a:prstGeom>
+          <a:ln w="28575">
+            <a:solidFill>
+              <a:srgbClr val="0070C0"/>
+            </a:solidFill>
+          </a:ln>
+        </p:spPr>
+        <p:style>
+          <a:lnRef idx="1">
+            <a:schemeClr val="accent1"/>
+          </a:lnRef>
+          <a:fillRef idx="0">
+            <a:schemeClr val="accent1"/>
+          </a:fillRef>
+          <a:effectRef idx="0">
+            <a:schemeClr val="accent1"/>
+          </a:effectRef>
+          <a:fontRef idx="minor">
+            <a:schemeClr val="tx1"/>
+          </a:fontRef>
+        </p:style>
+      </p:cxnSp>
+      <p:cxnSp>
+        <p:nvCxnSpPr>
+          <p:cNvPr id="50" name="Straight Arrow Connector 49">
+            <a:extLst>
+              <a:ext uri="{FF2B5EF4-FFF2-40B4-BE49-F238E27FC236}">
+                <a16:creationId xmlns:a16="http://schemas.microsoft.com/office/drawing/2014/main" id="{84CC1942-343D-473B-99CE-FB8FD4FA95A9}"/>
+              </a:ext>
+            </a:extLst>
+          </p:cNvPr>
+          <p:cNvCxnSpPr>
+            <a:cxnSpLocks/>
+            <a:stCxn id="16" idx="4"/>
+          </p:cNvCxnSpPr>
+          <p:nvPr/>
+        </p:nvCxnSpPr>
+        <p:spPr>
+          <a:xfrm>
+            <a:off x="7736052" y="2872988"/>
+            <a:ext cx="30558" cy="583621"/>
+          </a:xfrm>
+          <a:prstGeom prst="straightConnector1">
+            <a:avLst/>
+          </a:prstGeom>
+          <a:ln w="38100">
+            <a:solidFill>
+              <a:srgbClr val="FFC000"/>
+            </a:solidFill>
+            <a:tailEnd type="triangle"/>
+          </a:ln>
+        </p:spPr>
+        <p:style>
+          <a:lnRef idx="1">
+            <a:schemeClr val="accent1"/>
+          </a:lnRef>
+          <a:fillRef idx="0">
+            <a:schemeClr val="accent1"/>
+          </a:fillRef>
+          <a:effectRef idx="0">
+            <a:schemeClr val="accent1"/>
+          </a:effectRef>
+          <a:fontRef idx="minor">
+            <a:schemeClr val="tx1"/>
+          </a:fontRef>
+        </p:style>
+      </p:cxnSp>
+      <p:cxnSp>
+        <p:nvCxnSpPr>
+          <p:cNvPr id="57" name="Straight Arrow Connector 56">
+            <a:extLst>
+              <a:ext uri="{FF2B5EF4-FFF2-40B4-BE49-F238E27FC236}">
+                <a16:creationId xmlns:a16="http://schemas.microsoft.com/office/drawing/2014/main" id="{C70C6734-921A-405C-8413-B87865B161E3}"/>
+              </a:ext>
+            </a:extLst>
+          </p:cNvPr>
+          <p:cNvCxnSpPr>
+            <a:cxnSpLocks/>
+          </p:cNvCxnSpPr>
+          <p:nvPr/>
+        </p:nvCxnSpPr>
+        <p:spPr>
+          <a:xfrm>
+            <a:off x="10188453" y="4315014"/>
+            <a:ext cx="30558" cy="583621"/>
+          </a:xfrm>
+          <a:prstGeom prst="straightConnector1">
+            <a:avLst/>
+          </a:prstGeom>
+          <a:ln w="38100">
+            <a:solidFill>
+              <a:srgbClr val="FFC000"/>
+            </a:solidFill>
+            <a:tailEnd type="triangle"/>
+          </a:ln>
+        </p:spPr>
+        <p:style>
+          <a:lnRef idx="1">
+            <a:schemeClr val="accent1"/>
+          </a:lnRef>
+          <a:fillRef idx="0">
+            <a:schemeClr val="accent1"/>
+          </a:fillRef>
+          <a:effectRef idx="0">
+            <a:schemeClr val="accent1"/>
+          </a:effectRef>
+          <a:fontRef idx="minor">
+            <a:schemeClr val="tx1"/>
+          </a:fontRef>
+        </p:style>
+      </p:cxnSp>
+      <p:cxnSp>
+        <p:nvCxnSpPr>
+          <p:cNvPr id="60" name="Straight Connector 59">
+            <a:extLst>
+              <a:ext uri="{FF2B5EF4-FFF2-40B4-BE49-F238E27FC236}">
+                <a16:creationId xmlns:a16="http://schemas.microsoft.com/office/drawing/2014/main" id="{EE197B43-35A0-4431-88C4-28703180E34F}"/>
+              </a:ext>
+            </a:extLst>
+          </p:cNvPr>
+          <p:cNvCxnSpPr>
+            <a:cxnSpLocks/>
+          </p:cNvCxnSpPr>
+          <p:nvPr/>
+        </p:nvCxnSpPr>
+        <p:spPr>
+          <a:xfrm>
+            <a:off x="10114353" y="4826100"/>
+            <a:ext cx="220764" cy="176336"/>
+          </a:xfrm>
+          <a:prstGeom prst="line">
+            <a:avLst/>
+          </a:prstGeom>
+          <a:ln w="28575">
+            <a:solidFill>
+              <a:srgbClr val="FF0000"/>
+            </a:solidFill>
+          </a:ln>
+        </p:spPr>
+        <p:style>
+          <a:lnRef idx="1">
+            <a:schemeClr val="accent1"/>
+          </a:lnRef>
+          <a:fillRef idx="0">
+            <a:schemeClr val="accent1"/>
+          </a:fillRef>
+          <a:effectRef idx="0">
+            <a:schemeClr val="accent1"/>
+          </a:effectRef>
+          <a:fontRef idx="minor">
+            <a:schemeClr val="tx1"/>
+          </a:fontRef>
+        </p:style>
+      </p:cxnSp>
+      <p:cxnSp>
+        <p:nvCxnSpPr>
+          <p:cNvPr id="61" name="Straight Connector 60">
+            <a:extLst>
+              <a:ext uri="{FF2B5EF4-FFF2-40B4-BE49-F238E27FC236}">
+                <a16:creationId xmlns:a16="http://schemas.microsoft.com/office/drawing/2014/main" id="{B9B5D7A0-1923-4DD4-A7E1-63C2097CFBC2}"/>
+              </a:ext>
+            </a:extLst>
+          </p:cNvPr>
+          <p:cNvCxnSpPr>
+            <a:cxnSpLocks/>
+          </p:cNvCxnSpPr>
+          <p:nvPr/>
+        </p:nvCxnSpPr>
+        <p:spPr>
+          <a:xfrm flipH="1">
+            <a:off x="10114353" y="4825576"/>
+            <a:ext cx="209315" cy="176860"/>
+          </a:xfrm>
+          <a:prstGeom prst="line">
+            <a:avLst/>
+          </a:prstGeom>
+          <a:ln w="28575">
+            <a:solidFill>
+              <a:srgbClr val="FF0000"/>
+            </a:solidFill>
+          </a:ln>
+        </p:spPr>
+        <p:style>
+          <a:lnRef idx="1">
+            <a:schemeClr val="accent1"/>
+          </a:lnRef>
+          <a:fillRef idx="0">
+            <a:schemeClr val="accent1"/>
+          </a:fillRef>
+          <a:effectRef idx="0">
+            <a:schemeClr val="accent1"/>
+          </a:effectRef>
+          <a:fontRef idx="minor">
+            <a:schemeClr val="tx1"/>
+          </a:fontRef>
+        </p:style>
+      </p:cxnSp>
+      <p:sp>
+        <p:nvSpPr>
+          <p:cNvPr id="62" name="TextBox 61">
+            <a:extLst>
+              <a:ext uri="{FF2B5EF4-FFF2-40B4-BE49-F238E27FC236}">
+                <a16:creationId xmlns:a16="http://schemas.microsoft.com/office/drawing/2014/main" id="{23A89B8A-2BAF-4FF0-9C2D-6241ED284D00}"/>
+              </a:ext>
+            </a:extLst>
+          </p:cNvPr>
+          <p:cNvSpPr txBox="1"/>
+          <p:nvPr/>
+        </p:nvSpPr>
+        <p:spPr>
+          <a:xfrm>
+            <a:off x="8395945" y="5810805"/>
+            <a:ext cx="1107996" cy="369332"/>
+          </a:xfrm>
+          <a:prstGeom prst="rect">
+            <a:avLst/>
+          </a:prstGeom>
+          <a:noFill/>
+        </p:spPr>
+        <p:txBody>
+          <a:bodyPr wrap="none" rtlCol="0">
+            <a:spAutoFit/>
+          </a:bodyPr>
+          <a:lstStyle/>
+          <a:p>
+            <a:r>
+              <a:rPr lang="en-US" dirty="0"/>
+              <a:t>Latitude</a:t>
+            </a:r>
+            <a:endParaRPr lang="en-GB" dirty="0"/>
+          </a:p>
+        </p:txBody>
+      </p:sp>
+      <p:sp>
+        <p:nvSpPr>
+          <p:cNvPr id="63" name="TextBox 62">
+            <a:extLst>
+              <a:ext uri="{FF2B5EF4-FFF2-40B4-BE49-F238E27FC236}">
+                <a16:creationId xmlns:a16="http://schemas.microsoft.com/office/drawing/2014/main" id="{F42CF0E8-5410-4EEE-9271-440651CD6560}"/>
+              </a:ext>
+            </a:extLst>
+          </p:cNvPr>
+          <p:cNvSpPr txBox="1"/>
+          <p:nvPr/>
+        </p:nvSpPr>
+        <p:spPr>
+          <a:xfrm rot="16200000">
+            <a:off x="5837750" y="3615629"/>
+            <a:ext cx="1269899" cy="369332"/>
+          </a:xfrm>
+          <a:prstGeom prst="rect">
+            <a:avLst/>
+          </a:prstGeom>
+          <a:noFill/>
+        </p:spPr>
+        <p:txBody>
+          <a:bodyPr wrap="none" rtlCol="0">
+            <a:spAutoFit/>
+          </a:bodyPr>
+          <a:lstStyle/>
+          <a:p>
+            <a:r>
+              <a:rPr lang="en-US" dirty="0"/>
+              <a:t>Longitude</a:t>
+            </a:r>
+            <a:endParaRPr lang="en-GB" dirty="0"/>
+          </a:p>
+        </p:txBody>
+      </p:sp>
+    </p:spTree>
+    <p:extLst>
+      <p:ext uri="{BB962C8B-B14F-4D97-AF65-F5344CB8AC3E}">
+        <p14:creationId xmlns:p14="http://schemas.microsoft.com/office/powerpoint/2010/main" val="3939165295"/>
+      </p:ext>
+    </p:extLst>
+  </p:cSld>
+  <p:clrMapOvr>
+    <a:masterClrMapping/>
+  </p:clrMapOvr>
+  <mc:AlternateContent xmlns:mc="http://schemas.openxmlformats.org/markup-compatibility/2006" xmlns:p14="http://schemas.microsoft.com/office/powerpoint/2010/main">
+    <mc:Choice Requires="p14">
+      <p:transition p14:dur="250">
+        <p:fade/>
+      </p:transition>
+    </mc:Choice>
+    <mc:Fallback xmlns="">
+      <p:transition>
+        <p:fade/>
+      </p:transition>
+    </mc:Fallback>
+  </mc:AlternateContent>
+</p:sld>
+</file>
+
+<file path=ppt/slides/slide5.xml><?xml version="1.0" encoding="utf-8"?>
+<p:sld xmlns:a="http://schemas.openxmlformats.org/drawingml/2006/main" xmlns:r="http://schemas.openxmlformats.org/officeDocument/2006/relationships" xmlns:p="http://schemas.openxmlformats.org/presentationml/2006/main">
+  <p:cSld>
+    <p:spTree>
+      <p:nvGrpSpPr>
+        <p:cNvPr id="1" name=""/>
+        <p:cNvGrpSpPr/>
+        <p:nvPr/>
+      </p:nvGrpSpPr>
+      <p:grpSpPr>
+        <a:xfrm>
+          <a:off x="0" y="0"/>
+          <a:ext cx="0" cy="0"/>
+          <a:chOff x="0" y="0"/>
+          <a:chExt cx="0" cy="0"/>
+        </a:xfrm>
+      </p:grpSpPr>
+      <p:sp>
+        <p:nvSpPr>
+          <p:cNvPr id="2" name="Title 1">
+            <a:extLst>
+              <a:ext uri="{FF2B5EF4-FFF2-40B4-BE49-F238E27FC236}">
+                <a16:creationId xmlns:a16="http://schemas.microsoft.com/office/drawing/2014/main" id="{A679F866-D698-4925-AFA2-2997A711F203}"/>
+              </a:ext>
+            </a:extLst>
+          </p:cNvPr>
+          <p:cNvSpPr>
+            <a:spLocks noGrp="1"/>
+          </p:cNvSpPr>
+          <p:nvPr>
+            <p:ph type="title"/>
+          </p:nvPr>
+        </p:nvSpPr>
+        <p:spPr/>
+        <p:txBody>
+          <a:bodyPr/>
+          <a:lstStyle/>
+          <a:p>
+            <a:r>
+              <a:rPr lang="en-US" dirty="0"/>
+              <a:t>Results: ‘Cheap’ DGPS doesn’t work</a:t>
+            </a:r>
+            <a:endParaRPr lang="en-GB" dirty="0"/>
+          </a:p>
+        </p:txBody>
+      </p:sp>
+      <p:pic>
+        <p:nvPicPr>
+          <p:cNvPr id="5" name="Content Placeholder 4" descr="A close up of a map&#10;&#10;Description generated with very high confidence">
+            <a:extLst>
+              <a:ext uri="{FF2B5EF4-FFF2-40B4-BE49-F238E27FC236}">
+                <a16:creationId xmlns:a16="http://schemas.microsoft.com/office/drawing/2014/main" id="{429B6575-031C-4289-BACC-B70D24F94D3C}"/>
+              </a:ext>
+            </a:extLst>
+          </p:cNvPr>
+          <p:cNvPicPr>
+            <a:picLocks noGrp="1" noChangeAspect="1"/>
+          </p:cNvPicPr>
+          <p:nvPr>
+            <p:ph idx="1"/>
+          </p:nvPr>
+        </p:nvPicPr>
+        <p:blipFill>
+          <a:blip r:embed="rId2"/>
+          <a:stretch>
+            <a:fillRect/>
+          </a:stretch>
+        </p:blipFill>
+        <p:spPr>
+          <a:xfrm>
+            <a:off x="2385986" y="1954958"/>
+            <a:ext cx="7212634" cy="3439871"/>
+          </a:xfrm>
+        </p:spPr>
+      </p:pic>
+      <p:graphicFrame>
+        <p:nvGraphicFramePr>
+          <p:cNvPr id="6" name="Table 5">
+            <a:extLst>
+              <a:ext uri="{FF2B5EF4-FFF2-40B4-BE49-F238E27FC236}">
+                <a16:creationId xmlns:a16="http://schemas.microsoft.com/office/drawing/2014/main" id="{5C880FEE-8371-443D-BD26-1EE4D01D2F6F}"/>
+              </a:ext>
+            </a:extLst>
+          </p:cNvPr>
+          <p:cNvGraphicFramePr>
+            <a:graphicFrameLocks noGrp="1"/>
+          </p:cNvGraphicFramePr>
+          <p:nvPr>
+            <p:extLst>
+              <p:ext uri="{D42A27DB-BD31-4B8C-83A1-F6EECF244321}">
+                <p14:modId xmlns:p14="http://schemas.microsoft.com/office/powerpoint/2010/main" val="721347184"/>
+              </p:ext>
+            </p:extLst>
+          </p:nvPr>
+        </p:nvGraphicFramePr>
+        <p:xfrm>
+          <a:off x="1098250" y="5498674"/>
+          <a:ext cx="9308160" cy="1263578"/>
+        </p:xfrm>
+        <a:graphic>
+          <a:graphicData uri="http://schemas.openxmlformats.org/drawingml/2006/table">
+            <a:tbl>
+              <a:tblPr firstRow="1" firstCol="1" bandRow="1">
+                <a:tableStyleId>{5C22544A-7EE6-4342-B048-85BDC9FD1C3A}</a:tableStyleId>
+              </a:tblPr>
+              <a:tblGrid>
+                <a:gridCol w="2327040">
+                  <a:extLst>
+                    <a:ext uri="{9D8B030D-6E8A-4147-A177-3AD203B41FA5}">
+                      <a16:colId xmlns:a16="http://schemas.microsoft.com/office/drawing/2014/main" val="532663140"/>
+                    </a:ext>
+                  </a:extLst>
+                </a:gridCol>
+                <a:gridCol w="2327040">
+                  <a:extLst>
+                    <a:ext uri="{9D8B030D-6E8A-4147-A177-3AD203B41FA5}">
+                      <a16:colId xmlns:a16="http://schemas.microsoft.com/office/drawing/2014/main" val="1488966391"/>
+                    </a:ext>
+                  </a:extLst>
+                </a:gridCol>
+                <a:gridCol w="2327040">
+                  <a:extLst>
+                    <a:ext uri="{9D8B030D-6E8A-4147-A177-3AD203B41FA5}">
+                      <a16:colId xmlns:a16="http://schemas.microsoft.com/office/drawing/2014/main" val="4106073942"/>
+                    </a:ext>
+                  </a:extLst>
+                </a:gridCol>
+                <a:gridCol w="2327040">
+                  <a:extLst>
+                    <a:ext uri="{9D8B030D-6E8A-4147-A177-3AD203B41FA5}">
+                      <a16:colId xmlns:a16="http://schemas.microsoft.com/office/drawing/2014/main" val="2305031246"/>
+                    </a:ext>
+                  </a:extLst>
+                </a:gridCol>
+              </a:tblGrid>
+              <a:tr h="627432">
+                <a:tc>
+                  <a:txBody>
+                    <a:bodyPr/>
+                    <a:lstStyle/>
+                    <a:p>
+                      <a:r>
+                        <a:rPr lang="en-US" sz="1400" dirty="0"/>
+                        <a:t>‘100m Test’</a:t>
+                      </a:r>
+                    </a:p>
+                    <a:p>
+                      <a:r>
+                        <a:rPr lang="en-US" sz="1400" dirty="0"/>
+                        <a:t>True distance = 91.44m</a:t>
+                      </a:r>
+                      <a:endParaRPr lang="en-GB" sz="1400" dirty="0"/>
+                    </a:p>
+                  </a:txBody>
+                  <a:tcPr/>
+                </a:tc>
+                <a:tc>
+                  <a:txBody>
+                    <a:bodyPr/>
+                    <a:lstStyle/>
+                    <a:p>
+                      <a:r>
+                        <a:rPr lang="en-US" sz="1400" dirty="0"/>
+                        <a:t>Distance Delta (m)</a:t>
+                      </a:r>
+                      <a:endParaRPr lang="en-GB" sz="1400" dirty="0"/>
+                    </a:p>
+                  </a:txBody>
+                  <a:tcPr/>
+                </a:tc>
+                <a:tc>
+                  <a:txBody>
+                    <a:bodyPr/>
+                    <a:lstStyle/>
+                    <a:p>
+                      <a:pPr marL="0" marR="0" lvl="0" indent="0" algn="l" defTabSz="914400" rtl="0" eaLnBrk="1" fontAlgn="auto" latinLnBrk="0" hangingPunct="1">
+                        <a:lnSpc>
+                          <a:spcPct val="100000"/>
+                        </a:lnSpc>
+                        <a:spcBef>
+                          <a:spcPts val="0"/>
+                        </a:spcBef>
+                        <a:spcAft>
+                          <a:spcPts val="0"/>
+                        </a:spcAft>
+                        <a:buClrTx/>
+                        <a:buSzTx/>
+                        <a:buFontTx/>
+                        <a:buNone/>
+                        <a:tabLst/>
+                        <a:defRPr/>
+                      </a:pPr>
+                      <a:r>
+                        <a:rPr lang="en-US" sz="1400" dirty="0"/>
+                        <a:t>MSE (m</a:t>
+                      </a:r>
+                      <a:r>
+                        <a:rPr lang="en-US" sz="1400" baseline="30000" dirty="0"/>
+                        <a:t>2</a:t>
+                      </a:r>
+                      <a:r>
+                        <a:rPr lang="en-US" sz="1400" dirty="0"/>
+                        <a:t>)</a:t>
+                      </a:r>
+                      <a:endParaRPr lang="en-GB" sz="1400" dirty="0"/>
+                    </a:p>
+                  </a:txBody>
+                  <a:tcPr/>
+                </a:tc>
+                <a:tc>
+                  <a:txBody>
+                    <a:bodyPr/>
+                    <a:lstStyle/>
+                    <a:p>
+                      <a:r>
+                        <a:rPr lang="el-GR" sz="1400" dirty="0"/>
+                        <a:t>σ</a:t>
+                      </a:r>
+                      <a:r>
+                        <a:rPr lang="en-US" sz="1400" dirty="0"/>
+                        <a:t> (m)</a:t>
+                      </a:r>
+                      <a:endParaRPr lang="en-GB" sz="1400" dirty="0"/>
+                    </a:p>
+                  </a:txBody>
+                  <a:tcPr/>
+                </a:tc>
+                <a:extLst>
+                  <a:ext uri="{0D108BD9-81ED-4DB2-BD59-A6C34878D82A}">
+                    <a16:rowId xmlns:a16="http://schemas.microsoft.com/office/drawing/2014/main" val="1710744926"/>
+                  </a:ext>
+                </a:extLst>
+              </a:tr>
+              <a:tr h="318073">
+                <a:tc>
+                  <a:txBody>
+                    <a:bodyPr/>
+                    <a:lstStyle/>
+                    <a:p>
+                      <a:r>
+                        <a:rPr lang="en-US" sz="1400" dirty="0"/>
+                        <a:t>Uncorrected</a:t>
+                      </a:r>
+                      <a:endParaRPr lang="en-GB" sz="1400" dirty="0"/>
+                    </a:p>
+                  </a:txBody>
+                  <a:tcPr/>
+                </a:tc>
+                <a:tc>
+                  <a:txBody>
+                    <a:bodyPr/>
+                    <a:lstStyle/>
+                    <a:p>
+                      <a:r>
+                        <a:rPr lang="en-US" sz="1400" dirty="0"/>
+                        <a:t>1.3602</a:t>
+                      </a:r>
+                      <a:endParaRPr lang="en-GB" sz="1400" dirty="0"/>
+                    </a:p>
+                  </a:txBody>
+                  <a:tcPr/>
+                </a:tc>
+                <a:tc>
+                  <a:txBody>
+                    <a:bodyPr/>
+                    <a:lstStyle/>
+                    <a:p>
+                      <a:r>
+                        <a:rPr lang="en-US" sz="1400" dirty="0"/>
+                        <a:t>0.0632</a:t>
+                      </a:r>
+                      <a:endParaRPr lang="en-GB" sz="1400" dirty="0"/>
+                    </a:p>
+                  </a:txBody>
+                  <a:tcPr/>
+                </a:tc>
+                <a:tc>
+                  <a:txBody>
+                    <a:bodyPr/>
+                    <a:lstStyle/>
+                    <a:p>
+                      <a:r>
+                        <a:rPr lang="en-US" sz="1400" dirty="0"/>
+                        <a:t>0.2507</a:t>
+                      </a:r>
+                      <a:endParaRPr lang="en-GB" sz="1400" dirty="0"/>
+                    </a:p>
+                  </a:txBody>
+                  <a:tcPr/>
+                </a:tc>
+                <a:extLst>
+                  <a:ext uri="{0D108BD9-81ED-4DB2-BD59-A6C34878D82A}">
+                    <a16:rowId xmlns:a16="http://schemas.microsoft.com/office/drawing/2014/main" val="3383320866"/>
+                  </a:ext>
+                </a:extLst>
+              </a:tr>
+              <a:tr h="318073">
+                <a:tc>
+                  <a:txBody>
+                    <a:bodyPr/>
+                    <a:lstStyle/>
+                    <a:p>
+                      <a:r>
+                        <a:rPr lang="en-US" sz="1400" dirty="0"/>
+                        <a:t>Corrected</a:t>
+                      </a:r>
+                      <a:endParaRPr lang="en-GB" sz="1400" dirty="0"/>
+                    </a:p>
+                  </a:txBody>
+                  <a:tcPr/>
+                </a:tc>
+                <a:tc>
+                  <a:txBody>
+                    <a:bodyPr/>
+                    <a:lstStyle/>
+                    <a:p>
+                      <a:r>
+                        <a:rPr lang="en-US" sz="1400" dirty="0"/>
+                        <a:t>1.3602</a:t>
+                      </a:r>
+                      <a:endParaRPr lang="en-GB" sz="1400" dirty="0"/>
+                    </a:p>
+                  </a:txBody>
+                  <a:tcPr/>
+                </a:tc>
+                <a:tc>
+                  <a:txBody>
+                    <a:bodyPr/>
+                    <a:lstStyle/>
+                    <a:p>
+                      <a:r>
+                        <a:rPr lang="en-US" sz="1400" dirty="0"/>
+                        <a:t>0.2246</a:t>
+                      </a:r>
+                      <a:endParaRPr lang="en-GB" sz="1400" dirty="0"/>
+                    </a:p>
+                  </a:txBody>
+                  <a:tcPr/>
+                </a:tc>
+                <a:tc>
+                  <a:txBody>
+                    <a:bodyPr/>
+                    <a:lstStyle/>
+                    <a:p>
+                      <a:r>
+                        <a:rPr lang="en-US" sz="1400" dirty="0"/>
+                        <a:t>0.4734</a:t>
+                      </a:r>
+                      <a:endParaRPr lang="en-GB" sz="1400" dirty="0"/>
+                    </a:p>
+                  </a:txBody>
+                  <a:tcPr/>
+                </a:tc>
+                <a:extLst>
+                  <a:ext uri="{0D108BD9-81ED-4DB2-BD59-A6C34878D82A}">
+                    <a16:rowId xmlns:a16="http://schemas.microsoft.com/office/drawing/2014/main" val="3245341023"/>
+                  </a:ext>
+                </a:extLst>
+              </a:tr>
+            </a:tbl>
+          </a:graphicData>
+        </a:graphic>
+      </p:graphicFrame>
+    </p:spTree>
+    <p:extLst>
+      <p:ext uri="{BB962C8B-B14F-4D97-AF65-F5344CB8AC3E}">
+        <p14:creationId xmlns:p14="http://schemas.microsoft.com/office/powerpoint/2010/main" val="2219975018"/>
+      </p:ext>
+    </p:extLst>
+  </p:cSld>
+  <p:clrMapOvr>
+    <a:masterClrMapping/>
+  </p:clrMapOvr>
+  <mc:AlternateContent xmlns:mc="http://schemas.openxmlformats.org/markup-compatibility/2006" xmlns:p14="http://schemas.microsoft.com/office/powerpoint/2010/main">
+    <mc:Choice Requires="p14">
+      <p:transition p14:dur="250">
+        <p:fade/>
+      </p:transition>
+    </mc:Choice>
+    <mc:Fallback xmlns="">
+      <p:transition>
+        <p:fade/>
+      </p:transition>
+    </mc:Fallback>
+  </mc:AlternateContent>
+</p:sld>
+</file>
+
+<file path=ppt/slides/slide6.xml><?xml version="1.0" encoding="utf-8"?>
+<p:sld xmlns:a="http://schemas.openxmlformats.org/drawingml/2006/main" xmlns:r="http://schemas.openxmlformats.org/officeDocument/2006/relationships" xmlns:p="http://schemas.openxmlformats.org/presentationml/2006/main">
+  <p:cSld>
+    <p:spTree>
+      <p:nvGrpSpPr>
+        <p:cNvPr id="1" name=""/>
+        <p:cNvGrpSpPr/>
+        <p:nvPr/>
+      </p:nvGrpSpPr>
+      <p:grpSpPr>
+        <a:xfrm>
+          <a:off x="0" y="0"/>
+          <a:ext cx="0" cy="0"/>
+          <a:chOff x="0" y="0"/>
+          <a:chExt cx="0" cy="0"/>
+        </a:xfrm>
+      </p:grpSpPr>
+      <p:sp>
+        <p:nvSpPr>
+          <p:cNvPr id="2" name="Title 1">
+            <a:extLst>
+              <a:ext uri="{FF2B5EF4-FFF2-40B4-BE49-F238E27FC236}">
+                <a16:creationId xmlns:a16="http://schemas.microsoft.com/office/drawing/2014/main" id="{11890CD2-AF10-4E64-890F-2E7D8DDA357C}"/>
+              </a:ext>
+            </a:extLst>
+          </p:cNvPr>
+          <p:cNvSpPr>
+            <a:spLocks noGrp="1"/>
+          </p:cNvSpPr>
+          <p:nvPr>
+            <p:ph type="title"/>
+          </p:nvPr>
+        </p:nvSpPr>
+        <p:spPr>
+          <a:xfrm>
+            <a:off x="1261872" y="365760"/>
+            <a:ext cx="9692640" cy="1325562"/>
+          </a:xfrm>
+        </p:spPr>
+        <p:txBody>
+          <a:bodyPr/>
+          <a:lstStyle/>
+          <a:p>
+            <a:r>
+              <a:rPr lang="en-US" dirty="0"/>
+              <a:t>Results: The Module</a:t>
+            </a:r>
+            <a:endParaRPr lang="en-GB" dirty="0"/>
+          </a:p>
+        </p:txBody>
+      </p:sp>
+      <p:cxnSp>
+        <p:nvCxnSpPr>
+          <p:cNvPr id="5" name="AutoShape 8">
+            <a:extLst>
+              <a:ext uri="{FF2B5EF4-FFF2-40B4-BE49-F238E27FC236}">
+                <a16:creationId xmlns:a16="http://schemas.microsoft.com/office/drawing/2014/main" id="{5C44FC5F-849B-4059-B7E7-BBBE327E5EB6}"/>
+              </a:ext>
+            </a:extLst>
+          </p:cNvPr>
+          <p:cNvCxnSpPr>
+            <a:cxnSpLocks noChangeShapeType="1"/>
+          </p:cNvCxnSpPr>
+          <p:nvPr/>
+        </p:nvCxnSpPr>
+        <p:spPr bwMode="auto">
+          <a:xfrm flipV="1">
+            <a:off x="8923901" y="4670642"/>
+            <a:ext cx="0" cy="617735"/>
+          </a:xfrm>
+          <a:prstGeom prst="straightConnector1">
+            <a:avLst/>
+          </a:prstGeom>
+          <a:noFill/>
+          <a:ln w="25400" algn="ctr">
+            <a:solidFill>
+              <a:srgbClr val="000000"/>
+            </a:solidFill>
+            <a:round/>
+            <a:headEnd/>
+            <a:tailEnd/>
+          </a:ln>
+          <a:effectLst/>
+          <a:extLst>
+            <a:ext uri="{909E8E84-426E-40DD-AFC4-6F175D3DCCD1}">
+              <a14:hiddenFill xmlns:a14="http://schemas.microsoft.com/office/drawing/2010/main">
+                <a:noFill/>
+              </a14:hiddenFill>
+            </a:ext>
+            <a:ext uri="{AF507438-7753-43E0-B8FC-AC1667EBCBE1}">
+              <a14:hiddenEffects xmlns:a14="http://schemas.microsoft.com/office/drawing/2010/main">
+                <a:effectLst>
+                  <a:outerShdw dist="35921" dir="2700000" algn="ctr" rotWithShape="0">
+                    <a:srgbClr val="000000"/>
+                  </a:outerShdw>
+                </a:effectLst>
+              </a14:hiddenEffects>
+            </a:ext>
+          </a:extLst>
+        </p:spPr>
+      </p:cxnSp>
+      <p:sp>
+        <p:nvSpPr>
+          <p:cNvPr id="6" name="Content Placeholder 3">
+            <a:extLst>
+              <a:ext uri="{FF2B5EF4-FFF2-40B4-BE49-F238E27FC236}">
+                <a16:creationId xmlns:a16="http://schemas.microsoft.com/office/drawing/2014/main" id="{2B6EAFEF-E7B5-4164-B5F1-E884DDEEE210}"/>
+              </a:ext>
+            </a:extLst>
+          </p:cNvPr>
+          <p:cNvSpPr txBox="1">
+            <a:spLocks/>
+          </p:cNvSpPr>
+          <p:nvPr/>
+        </p:nvSpPr>
+        <p:spPr>
+          <a:xfrm>
+            <a:off x="1949452" y="6367522"/>
+            <a:ext cx="2886837" cy="435644"/>
+          </a:xfrm>
+          <a:prstGeom prst="rect">
+            <a:avLst/>
+          </a:prstGeom>
+        </p:spPr>
+        <p:txBody>
+          <a:bodyPr vert="horz" lIns="91440" tIns="45720" rIns="91440" bIns="45720" rtlCol="0">
+            <a:normAutofit/>
+          </a:bodyPr>
+          <a:lstStyle>
+            <a:lvl1pPr marL="182880" indent="-182880" algn="l" defTabSz="914400" rtl="0" eaLnBrk="1" latinLnBrk="0" hangingPunct="1">
+              <a:lnSpc>
+                <a:spcPct val="95000"/>
+              </a:lnSpc>
+              <a:spcBef>
+                <a:spcPts val="1400"/>
+              </a:spcBef>
+              <a:spcAft>
+                <a:spcPts val="200"/>
+              </a:spcAft>
+              <a:buClr>
+                <a:schemeClr val="accent1"/>
+              </a:buClr>
+              <a:buSzPct val="80000"/>
+              <a:buFont typeface="Arial" pitchFamily="34" charset="0"/>
+              <a:buChar char="•"/>
+              <a:defRPr sz="1800" kern="1200" spc="10" baseline="0">
+                <a:solidFill>
+                  <a:schemeClr val="tx1"/>
+                </a:solidFill>
+                <a:latin typeface="+mn-lt"/>
+                <a:ea typeface="+mn-ea"/>
+                <a:cs typeface="+mn-cs"/>
+              </a:defRPr>
+            </a:lvl1pPr>
+            <a:lvl2pPr marL="457200" indent="-182880" algn="l" defTabSz="914400" rtl="0" eaLnBrk="1" latinLnBrk="0" hangingPunct="1">
+              <a:lnSpc>
+                <a:spcPct val="90000"/>
+              </a:lnSpc>
+              <a:spcBef>
+                <a:spcPts val="300"/>
+              </a:spcBef>
+              <a:spcAft>
+                <a:spcPts val="300"/>
+              </a:spcAft>
+              <a:buClr>
+                <a:schemeClr val="accent1"/>
+              </a:buClr>
+              <a:buFont typeface="Wingdings 2" pitchFamily="18" charset="2"/>
+              <a:buChar char=""/>
+              <a:defRPr sz="1600" kern="1200">
+                <a:solidFill>
+                  <a:schemeClr val="tx1">
+                    <a:lumMod val="85000"/>
+                    <a:lumOff val="15000"/>
+                  </a:schemeClr>
+                </a:solidFill>
+                <a:latin typeface="+mn-lt"/>
+                <a:ea typeface="+mn-ea"/>
+                <a:cs typeface="+mn-cs"/>
+              </a:defRPr>
+            </a:lvl2pPr>
+            <a:lvl3pPr marL="731520" indent="-182880" algn="l" defTabSz="914400" rtl="0" eaLnBrk="1" latinLnBrk="0" hangingPunct="1">
+              <a:lnSpc>
+                <a:spcPct val="90000"/>
+              </a:lnSpc>
+              <a:spcBef>
+                <a:spcPts val="300"/>
+              </a:spcBef>
+              <a:spcAft>
+                <a:spcPts val="300"/>
+              </a:spcAft>
+              <a:buClr>
+                <a:schemeClr val="accent1"/>
+              </a:buClr>
+              <a:buFont typeface="Wingdings 2" pitchFamily="18" charset="2"/>
+              <a:buChar char=""/>
+              <a:defRPr sz="1400" kern="1200">
+                <a:solidFill>
+                  <a:schemeClr val="tx1">
+                    <a:lumMod val="85000"/>
+                    <a:lumOff val="15000"/>
+                  </a:schemeClr>
+                </a:solidFill>
+                <a:latin typeface="+mn-lt"/>
+                <a:ea typeface="+mn-ea"/>
+                <a:cs typeface="+mn-cs"/>
+              </a:defRPr>
+            </a:lvl3pPr>
+            <a:lvl4pPr marL="1005840" indent="-182880" algn="l" defTabSz="914400" rtl="0" eaLnBrk="1" latinLnBrk="0" hangingPunct="1">
+              <a:lnSpc>
+                <a:spcPct val="90000"/>
+              </a:lnSpc>
+              <a:spcBef>
+                <a:spcPts val="300"/>
+              </a:spcBef>
+              <a:spcAft>
+                <a:spcPts val="300"/>
+              </a:spcAft>
+              <a:buClr>
+                <a:schemeClr val="accent1"/>
+              </a:buClr>
+              <a:buFont typeface="Wingdings 2" pitchFamily="18" charset="2"/>
+              <a:buChar char=""/>
+              <a:defRPr sz="1400" kern="1200">
+                <a:solidFill>
+                  <a:schemeClr val="tx1">
+                    <a:lumMod val="85000"/>
+                    <a:lumOff val="15000"/>
+                  </a:schemeClr>
+                </a:solidFill>
+                <a:latin typeface="+mn-lt"/>
+                <a:ea typeface="+mn-ea"/>
+                <a:cs typeface="+mn-cs"/>
+              </a:defRPr>
+            </a:lvl4pPr>
+            <a:lvl5pPr marL="1280160" indent="-182880" algn="l" defTabSz="914400" rtl="0" eaLnBrk="1" latinLnBrk="0" hangingPunct="1">
+              <a:lnSpc>
+                <a:spcPct val="90000"/>
+              </a:lnSpc>
+              <a:spcBef>
+                <a:spcPts val="300"/>
+              </a:spcBef>
+              <a:spcAft>
+                <a:spcPts val="300"/>
+              </a:spcAft>
+              <a:buClr>
+                <a:schemeClr val="accent1"/>
+              </a:buClr>
+              <a:buFont typeface="Wingdings 2" pitchFamily="18" charset="2"/>
+              <a:buChar char=""/>
+              <a:defRPr sz="1400" kern="1200">
+                <a:solidFill>
+                  <a:schemeClr val="tx1">
+                    <a:lumMod val="85000"/>
+                    <a:lumOff val="15000"/>
+                  </a:schemeClr>
+                </a:solidFill>
+                <a:latin typeface="+mn-lt"/>
+                <a:ea typeface="+mn-ea"/>
+                <a:cs typeface="+mn-cs"/>
+              </a:defRPr>
+            </a:lvl5pPr>
+            <a:lvl6pPr marL="1600000" indent="-228600" algn="l" defTabSz="914400" rtl="0" eaLnBrk="1" latinLnBrk="0" hangingPunct="1">
+              <a:lnSpc>
+                <a:spcPct val="90000"/>
+              </a:lnSpc>
+              <a:spcBef>
+                <a:spcPts val="300"/>
+              </a:spcBef>
+              <a:spcAft>
+                <a:spcPts val="300"/>
+              </a:spcAft>
+              <a:buClr>
+                <a:schemeClr val="accent1"/>
+              </a:buClr>
+              <a:buFont typeface="Wingdings 2" pitchFamily="18" charset="2"/>
+              <a:buChar char=""/>
+              <a:defRPr sz="1400" kern="1200">
+                <a:solidFill>
+                  <a:schemeClr val="tx1">
+                    <a:lumMod val="85000"/>
+                    <a:lumOff val="15000"/>
+                  </a:schemeClr>
+                </a:solidFill>
+                <a:latin typeface="+mn-lt"/>
+                <a:ea typeface="+mn-ea"/>
+                <a:cs typeface="+mn-cs"/>
+              </a:defRPr>
+            </a:lvl6pPr>
+            <a:lvl7pPr marL="1900000" indent="-228600" algn="l" defTabSz="914400" rtl="0" eaLnBrk="1" latinLnBrk="0" hangingPunct="1">
+              <a:lnSpc>
+                <a:spcPct val="90000"/>
+              </a:lnSpc>
+              <a:spcBef>
+                <a:spcPts val="300"/>
+              </a:spcBef>
+              <a:spcAft>
+                <a:spcPts val="300"/>
+              </a:spcAft>
+              <a:buClr>
+                <a:schemeClr val="accent1"/>
+              </a:buClr>
+              <a:buFont typeface="Wingdings 2" pitchFamily="18" charset="2"/>
+              <a:buChar char=""/>
+              <a:defRPr sz="1400" kern="1200">
+                <a:solidFill>
+                  <a:schemeClr val="tx1">
+                    <a:lumMod val="85000"/>
+                    <a:lumOff val="15000"/>
+                  </a:schemeClr>
+                </a:solidFill>
+                <a:latin typeface="+mn-lt"/>
+                <a:ea typeface="+mn-ea"/>
+                <a:cs typeface="+mn-cs"/>
+              </a:defRPr>
+            </a:lvl7pPr>
+            <a:lvl8pPr marL="2200000" indent="-228600" algn="l" defTabSz="914400" rtl="0" eaLnBrk="1" latinLnBrk="0" hangingPunct="1">
+              <a:lnSpc>
+                <a:spcPct val="90000"/>
+              </a:lnSpc>
+              <a:spcBef>
+                <a:spcPts val="300"/>
+              </a:spcBef>
+              <a:spcAft>
+                <a:spcPts val="300"/>
+              </a:spcAft>
+              <a:buClr>
+                <a:schemeClr val="accent1"/>
+              </a:buClr>
+              <a:buFont typeface="Wingdings 2" pitchFamily="18" charset="2"/>
+              <a:buChar char=""/>
+              <a:defRPr sz="1400" kern="1200">
+                <a:solidFill>
+                  <a:schemeClr val="tx1">
+                    <a:lumMod val="85000"/>
+                    <a:lumOff val="15000"/>
+                  </a:schemeClr>
+                </a:solidFill>
+                <a:latin typeface="+mn-lt"/>
+                <a:ea typeface="+mn-ea"/>
+                <a:cs typeface="+mn-cs"/>
+              </a:defRPr>
+            </a:lvl8pPr>
+            <a:lvl9pPr marL="2500000" indent="-228600" algn="l" defTabSz="914400" rtl="0" eaLnBrk="1" latinLnBrk="0" hangingPunct="1">
+              <a:lnSpc>
+                <a:spcPct val="90000"/>
+              </a:lnSpc>
+              <a:spcBef>
+                <a:spcPts val="300"/>
+              </a:spcBef>
+              <a:spcAft>
+                <a:spcPts val="300"/>
+              </a:spcAft>
+              <a:buClr>
+                <a:schemeClr val="accent1"/>
+              </a:buClr>
+              <a:buFont typeface="Wingdings 2" pitchFamily="18" charset="2"/>
+              <a:buChar char=""/>
+              <a:defRPr sz="1400" kern="1200">
+                <a:solidFill>
+                  <a:schemeClr val="tx1">
+                    <a:lumMod val="85000"/>
+                    <a:lumOff val="15000"/>
+                  </a:schemeClr>
+                </a:solidFill>
+                <a:latin typeface="+mn-lt"/>
+                <a:ea typeface="+mn-ea"/>
+                <a:cs typeface="+mn-cs"/>
+              </a:defRPr>
+            </a:lvl9pPr>
+          </a:lstStyle>
+          <a:p>
+            <a:pPr marL="0" indent="0" algn="ctr">
+              <a:buFont typeface="Arial" pitchFamily="34" charset="0"/>
+              <a:buNone/>
+            </a:pPr>
+            <a:r>
+              <a:rPr lang="en-US" dirty="0"/>
+              <a:t>Final Module</a:t>
+            </a:r>
+            <a:endParaRPr lang="en-GB" dirty="0"/>
+          </a:p>
+        </p:txBody>
+      </p:sp>
+      <p:sp>
+        <p:nvSpPr>
+          <p:cNvPr id="7" name="Rectangle 2">
+            <a:extLst>
+              <a:ext uri="{FF2B5EF4-FFF2-40B4-BE49-F238E27FC236}">
+                <a16:creationId xmlns:a16="http://schemas.microsoft.com/office/drawing/2014/main" id="{85619AB0-EE94-4812-B768-778758A8BA9C}"/>
+              </a:ext>
+            </a:extLst>
+          </p:cNvPr>
+          <p:cNvSpPr>
+            <a:spLocks noChangeArrowheads="1"/>
+          </p:cNvSpPr>
+          <p:nvPr/>
+        </p:nvSpPr>
+        <p:spPr bwMode="auto">
+          <a:xfrm>
+            <a:off x="6665817" y="3001369"/>
+            <a:ext cx="711966" cy="666362"/>
+          </a:xfrm>
+          <a:prstGeom prst="rect">
+            <a:avLst/>
+          </a:prstGeom>
+          <a:solidFill>
+            <a:srgbClr val="9DC3E6"/>
+          </a:solidFill>
+          <a:ln w="12700" algn="ctr">
+            <a:solidFill>
+              <a:srgbClr val="000000"/>
+            </a:solidFill>
+            <a:miter lim="800000"/>
+            <a:headEnd/>
+            <a:tailEnd/>
+          </a:ln>
+          <a:effectLst/>
+          <a:extLst>
+            <a:ext uri="{AF507438-7753-43E0-B8FC-AC1667EBCBE1}">
+              <a14:hiddenEffects xmlns:a14="http://schemas.microsoft.com/office/drawing/2010/main">
+                <a:effectLst>
+                  <a:outerShdw dist="35921" dir="2700000" algn="ctr" rotWithShape="0">
+                    <a:srgbClr val="000000"/>
+                  </a:outerShdw>
+                </a:effectLst>
+              </a14:hiddenEffects>
+            </a:ext>
+          </a:extLst>
+        </p:spPr>
+        <p:txBody>
+          <a:bodyPr vert="horz" wrap="square" lIns="36576" tIns="36576" rIns="36576" bIns="36576" numCol="1" anchor="ctr" anchorCtr="0" compatLnSpc="1">
+            <a:prstTxWarp prst="textNoShape">
+              <a:avLst/>
+            </a:prstTxWarp>
+          </a:bodyPr>
+          <a:lstStyle/>
+          <a:p>
+            <a:pPr marL="0" marR="0" lvl="0" indent="0" algn="ctr" defTabSz="914400" rtl="0" eaLnBrk="0" fontAlgn="base" latinLnBrk="0" hangingPunct="0">
+              <a:lnSpc>
+                <a:spcPct val="100000"/>
+              </a:lnSpc>
+              <a:spcBef>
+                <a:spcPct val="0"/>
+              </a:spcBef>
+              <a:spcAft>
+                <a:spcPct val="0"/>
+              </a:spcAft>
+              <a:buClrTx/>
+              <a:buSzTx/>
+              <a:buFontTx/>
+              <a:buNone/>
+              <a:tabLst/>
+            </a:pPr>
+            <a:r>
+              <a:rPr kumimoji="0" lang="en-US" altLang="en-US" sz="1400" b="0" i="0" u="none" strike="noStrike" cap="none" normalizeH="0" baseline="0" dirty="0">
+                <a:ln>
+                  <a:noFill/>
+                </a:ln>
+                <a:solidFill>
+                  <a:srgbClr val="000000"/>
+                </a:solidFill>
+                <a:effectLst/>
+                <a:latin typeface="Calibri" panose="020F0502020204030204" pitchFamily="34" charset="0"/>
+              </a:rPr>
+              <a:t>GPS Module</a:t>
+            </a:r>
+            <a:endParaRPr kumimoji="0" lang="en-US" altLang="en-US" sz="1400" b="0" i="0" u="none" strike="noStrike" cap="none" normalizeH="0" baseline="0" dirty="0">
+              <a:ln>
+                <a:noFill/>
+              </a:ln>
+              <a:solidFill>
+                <a:schemeClr val="tx1"/>
+              </a:solidFill>
+              <a:effectLst/>
+              <a:latin typeface="Arial" panose="020B0604020202020204" pitchFamily="34" charset="0"/>
+            </a:endParaRPr>
+          </a:p>
+        </p:txBody>
+      </p:sp>
+      <p:sp>
+        <p:nvSpPr>
+          <p:cNvPr id="8" name="Rectangle 3">
+            <a:extLst>
+              <a:ext uri="{FF2B5EF4-FFF2-40B4-BE49-F238E27FC236}">
+                <a16:creationId xmlns:a16="http://schemas.microsoft.com/office/drawing/2014/main" id="{1CCFF282-013A-4EC8-93D4-450407F4BA2F}"/>
+              </a:ext>
+            </a:extLst>
+          </p:cNvPr>
+          <p:cNvSpPr>
+            <a:spLocks noChangeArrowheads="1"/>
+          </p:cNvSpPr>
+          <p:nvPr/>
+        </p:nvSpPr>
+        <p:spPr bwMode="auto">
+          <a:xfrm>
+            <a:off x="6681327" y="3962904"/>
+            <a:ext cx="711966" cy="666363"/>
+          </a:xfrm>
+          <a:prstGeom prst="rect">
+            <a:avLst/>
+          </a:prstGeom>
+          <a:solidFill>
+            <a:srgbClr val="9DC3E6"/>
+          </a:solidFill>
+          <a:ln w="12700" algn="ctr">
+            <a:solidFill>
+              <a:srgbClr val="000000"/>
+            </a:solidFill>
+            <a:miter lim="800000"/>
+            <a:headEnd/>
+            <a:tailEnd/>
+          </a:ln>
+          <a:effectLst/>
+          <a:extLst>
+            <a:ext uri="{AF507438-7753-43E0-B8FC-AC1667EBCBE1}">
+              <a14:hiddenEffects xmlns:a14="http://schemas.microsoft.com/office/drawing/2010/main">
+                <a:effectLst>
+                  <a:outerShdw dist="35921" dir="2700000" algn="ctr" rotWithShape="0">
+                    <a:srgbClr val="000000"/>
+                  </a:outerShdw>
+                </a:effectLst>
+              </a14:hiddenEffects>
+            </a:ext>
+          </a:extLst>
+        </p:spPr>
+        <p:txBody>
+          <a:bodyPr vert="horz" wrap="square" lIns="36576" tIns="36576" rIns="36576" bIns="36576" numCol="1" anchor="ctr" anchorCtr="0" compatLnSpc="1">
+            <a:prstTxWarp prst="textNoShape">
+              <a:avLst/>
+            </a:prstTxWarp>
+          </a:bodyPr>
+          <a:lstStyle/>
+          <a:p>
+            <a:pPr marL="0" marR="0" lvl="0" indent="0" algn="ctr" defTabSz="914400" rtl="0" eaLnBrk="0" fontAlgn="base" latinLnBrk="0" hangingPunct="0">
+              <a:lnSpc>
+                <a:spcPct val="100000"/>
+              </a:lnSpc>
+              <a:spcBef>
+                <a:spcPct val="0"/>
+              </a:spcBef>
+              <a:spcAft>
+                <a:spcPct val="0"/>
+              </a:spcAft>
+              <a:buClrTx/>
+              <a:buSzTx/>
+              <a:buFontTx/>
+              <a:buNone/>
+              <a:tabLst/>
+            </a:pPr>
+            <a:r>
+              <a:rPr kumimoji="0" lang="en-US" altLang="en-US" sz="1400" b="0" i="0" u="none" strike="noStrike" cap="none" normalizeH="0" baseline="0" dirty="0">
+                <a:ln>
+                  <a:noFill/>
+                </a:ln>
+                <a:solidFill>
+                  <a:srgbClr val="000000"/>
+                </a:solidFill>
+                <a:effectLst/>
+                <a:latin typeface="Calibri" panose="020F0502020204030204" pitchFamily="34" charset="0"/>
+              </a:rPr>
+              <a:t>Pressure Sensor</a:t>
+            </a:r>
+            <a:endParaRPr kumimoji="0" lang="en-US" altLang="en-US" sz="1400" b="0" i="0" u="none" strike="noStrike" cap="none" normalizeH="0" baseline="0" dirty="0">
+              <a:ln>
+                <a:noFill/>
+              </a:ln>
+              <a:solidFill>
+                <a:schemeClr val="tx1"/>
+              </a:solidFill>
+              <a:effectLst/>
+              <a:latin typeface="Arial" panose="020B0604020202020204" pitchFamily="34" charset="0"/>
+            </a:endParaRPr>
+          </a:p>
+        </p:txBody>
+      </p:sp>
+      <p:sp>
+        <p:nvSpPr>
+          <p:cNvPr id="9" name="Rectangle 4">
+            <a:extLst>
+              <a:ext uri="{FF2B5EF4-FFF2-40B4-BE49-F238E27FC236}">
+                <a16:creationId xmlns:a16="http://schemas.microsoft.com/office/drawing/2014/main" id="{F031F7AF-BEE0-4F47-92C5-4ECAF9460A49}"/>
+              </a:ext>
+            </a:extLst>
+          </p:cNvPr>
+          <p:cNvSpPr>
+            <a:spLocks noChangeArrowheads="1"/>
+          </p:cNvSpPr>
+          <p:nvPr/>
+        </p:nvSpPr>
+        <p:spPr bwMode="auto">
+          <a:xfrm>
+            <a:off x="8143164" y="2975292"/>
+            <a:ext cx="1561477" cy="1695350"/>
+          </a:xfrm>
+          <a:prstGeom prst="rect">
+            <a:avLst/>
+          </a:prstGeom>
+          <a:solidFill>
+            <a:srgbClr val="9DC3E6"/>
+          </a:solidFill>
+          <a:ln w="12700" algn="ctr">
+            <a:solidFill>
+              <a:srgbClr val="000000"/>
+            </a:solidFill>
+            <a:miter lim="800000"/>
+            <a:headEnd/>
+            <a:tailEnd/>
+          </a:ln>
+          <a:effectLst/>
+          <a:extLst>
+            <a:ext uri="{AF507438-7753-43E0-B8FC-AC1667EBCBE1}">
+              <a14:hiddenEffects xmlns:a14="http://schemas.microsoft.com/office/drawing/2010/main">
+                <a:effectLst>
+                  <a:outerShdw dist="35921" dir="2700000" algn="ctr" rotWithShape="0">
+                    <a:srgbClr val="000000"/>
+                  </a:outerShdw>
+                </a:effectLst>
+              </a14:hiddenEffects>
+            </a:ext>
+          </a:extLst>
+        </p:spPr>
+        <p:txBody>
+          <a:bodyPr vert="horz" wrap="square" lIns="36576" tIns="36576" rIns="36576" bIns="36576" numCol="1" anchor="ctr" anchorCtr="0" compatLnSpc="1">
+            <a:prstTxWarp prst="textNoShape">
+              <a:avLst/>
+            </a:prstTxWarp>
+          </a:bodyPr>
+          <a:lstStyle/>
+          <a:p>
+            <a:pPr marL="0" marR="0" lvl="0" indent="0" algn="ctr" defTabSz="914400" rtl="0" eaLnBrk="0" fontAlgn="base" latinLnBrk="0" hangingPunct="0">
+              <a:lnSpc>
+                <a:spcPct val="100000"/>
+              </a:lnSpc>
+              <a:spcBef>
+                <a:spcPct val="0"/>
+              </a:spcBef>
+              <a:spcAft>
+                <a:spcPct val="0"/>
+              </a:spcAft>
+              <a:buClrTx/>
+              <a:buSzTx/>
+              <a:buFontTx/>
+              <a:buNone/>
+              <a:tabLst/>
+            </a:pPr>
+            <a:r>
+              <a:rPr kumimoji="0" lang="en-US" altLang="en-US" sz="1400" b="0" i="0" u="none" strike="noStrike" cap="none" normalizeH="0" baseline="0" dirty="0">
+                <a:ln>
+                  <a:noFill/>
+                </a:ln>
+                <a:solidFill>
+                  <a:srgbClr val="000000"/>
+                </a:solidFill>
+                <a:effectLst/>
+                <a:latin typeface="Calibri" panose="020F0502020204030204" pitchFamily="34" charset="0"/>
+              </a:rPr>
+              <a:t>Microcontroller</a:t>
+            </a:r>
+            <a:endParaRPr kumimoji="0" lang="en-US" altLang="en-US" sz="1400" b="0" i="0" u="none" strike="noStrike" cap="none" normalizeH="0" baseline="0" dirty="0">
+              <a:ln>
+                <a:noFill/>
+              </a:ln>
+              <a:solidFill>
+                <a:schemeClr val="tx1"/>
+              </a:solidFill>
+              <a:effectLst/>
+              <a:latin typeface="Arial" panose="020B0604020202020204" pitchFamily="34" charset="0"/>
+            </a:endParaRPr>
+          </a:p>
+        </p:txBody>
+      </p:sp>
+      <p:sp>
+        <p:nvSpPr>
+          <p:cNvPr id="10" name="Rectangle 5">
+            <a:extLst>
+              <a:ext uri="{FF2B5EF4-FFF2-40B4-BE49-F238E27FC236}">
+                <a16:creationId xmlns:a16="http://schemas.microsoft.com/office/drawing/2014/main" id="{18D5B98C-9368-4070-9D90-8228CC164CA5}"/>
+              </a:ext>
+            </a:extLst>
+          </p:cNvPr>
+          <p:cNvSpPr>
+            <a:spLocks noChangeArrowheads="1"/>
+          </p:cNvSpPr>
+          <p:nvPr/>
+        </p:nvSpPr>
+        <p:spPr bwMode="auto">
+          <a:xfrm>
+            <a:off x="8500531" y="5287862"/>
+            <a:ext cx="846739" cy="666362"/>
+          </a:xfrm>
+          <a:prstGeom prst="rect">
+            <a:avLst/>
+          </a:prstGeom>
+          <a:solidFill>
+            <a:srgbClr val="9DC3E6"/>
+          </a:solidFill>
+          <a:ln w="12700" algn="ctr">
+            <a:solidFill>
+              <a:srgbClr val="000000"/>
+            </a:solidFill>
+            <a:miter lim="800000"/>
+            <a:headEnd/>
+            <a:tailEnd/>
+          </a:ln>
+          <a:effectLst/>
+          <a:extLst>
+            <a:ext uri="{AF507438-7753-43E0-B8FC-AC1667EBCBE1}">
+              <a14:hiddenEffects xmlns:a14="http://schemas.microsoft.com/office/drawing/2010/main">
+                <a:effectLst>
+                  <a:outerShdw dist="35921" dir="2700000" algn="ctr" rotWithShape="0">
+                    <a:srgbClr val="000000"/>
+                  </a:outerShdw>
+                </a:effectLst>
+              </a14:hiddenEffects>
+            </a:ext>
+          </a:extLst>
+        </p:spPr>
+        <p:txBody>
+          <a:bodyPr vert="horz" wrap="square" lIns="36576" tIns="36576" rIns="36576" bIns="36576" numCol="1" anchor="ctr" anchorCtr="0" compatLnSpc="1">
+            <a:prstTxWarp prst="textNoShape">
+              <a:avLst/>
+            </a:prstTxWarp>
+          </a:bodyPr>
+          <a:lstStyle/>
+          <a:p>
+            <a:pPr marL="0" marR="0" lvl="0" indent="0" algn="ctr" defTabSz="914400" rtl="0" eaLnBrk="0" fontAlgn="base" latinLnBrk="0" hangingPunct="0">
+              <a:lnSpc>
+                <a:spcPct val="100000"/>
+              </a:lnSpc>
+              <a:spcBef>
+                <a:spcPct val="0"/>
+              </a:spcBef>
+              <a:spcAft>
+                <a:spcPct val="0"/>
+              </a:spcAft>
+              <a:buClrTx/>
+              <a:buSzTx/>
+              <a:buFontTx/>
+              <a:buNone/>
+              <a:tabLst/>
+            </a:pPr>
+            <a:r>
+              <a:rPr kumimoji="0" lang="en-US" altLang="en-US" sz="1400" b="0" i="0" u="none" strike="noStrike" cap="none" normalizeH="0" baseline="0" dirty="0">
+                <a:ln>
+                  <a:noFill/>
+                </a:ln>
+                <a:solidFill>
+                  <a:srgbClr val="000000"/>
+                </a:solidFill>
+                <a:effectLst/>
+                <a:latin typeface="Calibri" panose="020F0502020204030204" pitchFamily="34" charset="0"/>
+              </a:rPr>
+              <a:t>SD Card</a:t>
+            </a:r>
+            <a:endParaRPr kumimoji="0" lang="en-US" altLang="en-US" sz="1400" b="0" i="0" u="none" strike="noStrike" cap="none" normalizeH="0" baseline="0" dirty="0">
+              <a:ln>
+                <a:noFill/>
+              </a:ln>
+              <a:solidFill>
+                <a:schemeClr val="tx1"/>
+              </a:solidFill>
+              <a:effectLst/>
+              <a:latin typeface="Arial" panose="020B0604020202020204" pitchFamily="34" charset="0"/>
+            </a:endParaRPr>
+          </a:p>
+        </p:txBody>
+      </p:sp>
+      <p:cxnSp>
+        <p:nvCxnSpPr>
+          <p:cNvPr id="11" name="AutoShape 6">
+            <a:extLst>
+              <a:ext uri="{FF2B5EF4-FFF2-40B4-BE49-F238E27FC236}">
+                <a16:creationId xmlns:a16="http://schemas.microsoft.com/office/drawing/2014/main" id="{FE549A96-EC82-4D93-9559-5ABB2A37CA80}"/>
+              </a:ext>
+            </a:extLst>
+          </p:cNvPr>
+          <p:cNvCxnSpPr>
+            <a:cxnSpLocks noChangeShapeType="1"/>
+          </p:cNvCxnSpPr>
+          <p:nvPr/>
+        </p:nvCxnSpPr>
+        <p:spPr bwMode="auto">
+          <a:xfrm>
+            <a:off x="7393293" y="3334550"/>
+            <a:ext cx="749871" cy="0"/>
+          </a:xfrm>
+          <a:prstGeom prst="straightConnector1">
+            <a:avLst/>
+          </a:prstGeom>
+          <a:noFill/>
+          <a:ln w="25400">
+            <a:solidFill>
+              <a:srgbClr val="000000"/>
+            </a:solidFill>
+            <a:round/>
+            <a:headEnd/>
+            <a:tailEnd/>
+          </a:ln>
+          <a:effectLst/>
+          <a:extLst>
+            <a:ext uri="{909E8E84-426E-40DD-AFC4-6F175D3DCCD1}">
+              <a14:hiddenFill xmlns:a14="http://schemas.microsoft.com/office/drawing/2010/main">
+                <a:noFill/>
+              </a14:hiddenFill>
+            </a:ext>
+            <a:ext uri="{AF507438-7753-43E0-B8FC-AC1667EBCBE1}">
+              <a14:hiddenEffects xmlns:a14="http://schemas.microsoft.com/office/drawing/2010/main">
+                <a:effectLst>
+                  <a:outerShdw dist="35921" dir="2700000" algn="ctr" rotWithShape="0">
+                    <a:srgbClr val="000000"/>
+                  </a:outerShdw>
+                </a:effectLst>
+              </a14:hiddenEffects>
+            </a:ext>
+          </a:extLst>
+        </p:spPr>
+      </p:cxnSp>
+      <p:cxnSp>
+        <p:nvCxnSpPr>
+          <p:cNvPr id="12" name="AutoShape 7">
+            <a:extLst>
+              <a:ext uri="{FF2B5EF4-FFF2-40B4-BE49-F238E27FC236}">
+                <a16:creationId xmlns:a16="http://schemas.microsoft.com/office/drawing/2014/main" id="{49A486A2-AEA6-49D8-89C2-14273479C39B}"/>
+              </a:ext>
+            </a:extLst>
+          </p:cNvPr>
+          <p:cNvCxnSpPr>
+            <a:cxnSpLocks noChangeShapeType="1"/>
+          </p:cNvCxnSpPr>
+          <p:nvPr/>
+        </p:nvCxnSpPr>
+        <p:spPr bwMode="auto">
+          <a:xfrm>
+            <a:off x="7393293" y="4328019"/>
+            <a:ext cx="749871" cy="0"/>
+          </a:xfrm>
+          <a:prstGeom prst="straightConnector1">
+            <a:avLst/>
+          </a:prstGeom>
+          <a:noFill/>
+          <a:ln w="25400" algn="ctr">
+            <a:solidFill>
+              <a:srgbClr val="000000"/>
+            </a:solidFill>
+            <a:round/>
+            <a:headEnd/>
+            <a:tailEnd/>
+          </a:ln>
+          <a:effectLst/>
+          <a:extLst>
+            <a:ext uri="{909E8E84-426E-40DD-AFC4-6F175D3DCCD1}">
+              <a14:hiddenFill xmlns:a14="http://schemas.microsoft.com/office/drawing/2010/main">
+                <a:noFill/>
+              </a14:hiddenFill>
+            </a:ext>
+            <a:ext uri="{AF507438-7753-43E0-B8FC-AC1667EBCBE1}">
+              <a14:hiddenEffects xmlns:a14="http://schemas.microsoft.com/office/drawing/2010/main">
+                <a:effectLst>
+                  <a:outerShdw dist="35921" dir="2700000" algn="ctr" rotWithShape="0">
+                    <a:srgbClr val="000000"/>
+                  </a:outerShdw>
+                </a:effectLst>
+              </a14:hiddenEffects>
+            </a:ext>
+          </a:extLst>
+        </p:spPr>
+      </p:cxnSp>
+      <p:sp>
+        <p:nvSpPr>
+          <p:cNvPr id="13" name="Text Box 9">
+            <a:extLst>
+              <a:ext uri="{FF2B5EF4-FFF2-40B4-BE49-F238E27FC236}">
+                <a16:creationId xmlns:a16="http://schemas.microsoft.com/office/drawing/2014/main" id="{44F5D217-E7CA-4B94-A1A0-DBB4F693BCEB}"/>
+              </a:ext>
+            </a:extLst>
+          </p:cNvPr>
+          <p:cNvSpPr txBox="1">
+            <a:spLocks noChangeArrowheads="1"/>
+          </p:cNvSpPr>
+          <p:nvPr/>
+        </p:nvSpPr>
+        <p:spPr bwMode="auto">
+          <a:xfrm>
+            <a:off x="7454365" y="3020675"/>
+            <a:ext cx="614932" cy="212823"/>
+          </a:xfrm>
+          <a:prstGeom prst="rect">
+            <a:avLst/>
+          </a:prstGeom>
+          <a:noFill/>
+          <a:ln>
+            <a:noFill/>
+          </a:ln>
+          <a:effectLst/>
+          <a:extLst>
+            <a:ext uri="{909E8E84-426E-40DD-AFC4-6F175D3DCCD1}">
+              <a14:hiddenFill xmlns:a14="http://schemas.microsoft.com/office/drawing/2010/main">
+                <a:solidFill>
+                  <a:srgbClr val="5B9BD5"/>
+                </a:solidFill>
+              </a14:hiddenFill>
+            </a:ext>
+            <a:ext uri="{91240B29-F687-4F45-9708-019B960494DF}">
+              <a14:hiddenLine xmlns:a14="http://schemas.microsoft.com/office/drawing/2010/main" w="25400" algn="ctr">
+                <a:solidFill>
+                  <a:srgbClr val="000000"/>
+                </a:solidFill>
+                <a:miter lim="800000"/>
+                <a:headEnd/>
+                <a:tailEnd/>
+              </a14:hiddenLine>
+            </a:ext>
+            <a:ext uri="{AF507438-7753-43E0-B8FC-AC1667EBCBE1}">
+              <a14:hiddenEffects xmlns:a14="http://schemas.microsoft.com/office/drawing/2010/main">
+                <a:effectLst>
+                  <a:outerShdw dist="35921" dir="2700000" algn="ctr" rotWithShape="0">
+                    <a:srgbClr val="000000"/>
+                  </a:outerShdw>
+                </a:effectLst>
+              </a14:hiddenEffects>
+            </a:ext>
+          </a:extLst>
+        </p:spPr>
+        <p:txBody>
+          <a:bodyPr vert="horz" wrap="square" lIns="36576" tIns="36576" rIns="36576" bIns="36576" numCol="1" anchor="t" anchorCtr="0" compatLnSpc="1">
+            <a:prstTxWarp prst="textNoShape">
+              <a:avLst/>
+            </a:prstTxWarp>
+          </a:bodyPr>
+          <a:lstStyle/>
+          <a:p>
+            <a:pPr marL="0" marR="0" lvl="0" indent="0" algn="ctr" defTabSz="914400" rtl="0" eaLnBrk="0" fontAlgn="base" latinLnBrk="0" hangingPunct="0">
+              <a:lnSpc>
+                <a:spcPct val="100000"/>
+              </a:lnSpc>
+              <a:spcBef>
+                <a:spcPct val="0"/>
+              </a:spcBef>
+              <a:spcAft>
+                <a:spcPct val="0"/>
+              </a:spcAft>
+              <a:buClrTx/>
+              <a:buSzTx/>
+              <a:buFontTx/>
+              <a:buNone/>
+              <a:tabLst/>
+            </a:pPr>
+            <a:r>
+              <a:rPr kumimoji="0" lang="en-US" altLang="en-US" sz="1400" b="0" i="0" u="none" strike="noStrike" cap="none" normalizeH="0" baseline="0" dirty="0">
+                <a:ln>
+                  <a:noFill/>
+                </a:ln>
+                <a:solidFill>
+                  <a:srgbClr val="000000"/>
+                </a:solidFill>
+                <a:effectLst/>
+                <a:latin typeface="Calibri" panose="020F0502020204030204" pitchFamily="34" charset="0"/>
+              </a:rPr>
+              <a:t>UART</a:t>
+            </a:r>
+            <a:endParaRPr kumimoji="0" lang="en-US" altLang="en-US" sz="1400" b="0" i="0" u="none" strike="noStrike" cap="none" normalizeH="0" baseline="0" dirty="0">
+              <a:ln>
+                <a:noFill/>
+              </a:ln>
+              <a:solidFill>
+                <a:schemeClr val="tx1"/>
+              </a:solidFill>
+              <a:effectLst/>
+              <a:latin typeface="Arial" panose="020B0604020202020204" pitchFamily="34" charset="0"/>
+            </a:endParaRPr>
+          </a:p>
+        </p:txBody>
+      </p:sp>
+      <p:sp>
+        <p:nvSpPr>
+          <p:cNvPr id="14" name="Text Box 10">
+            <a:extLst>
+              <a:ext uri="{FF2B5EF4-FFF2-40B4-BE49-F238E27FC236}">
+                <a16:creationId xmlns:a16="http://schemas.microsoft.com/office/drawing/2014/main" id="{5EB3E194-137A-4870-9955-6E61D3787EF9}"/>
+              </a:ext>
+            </a:extLst>
+          </p:cNvPr>
+          <p:cNvSpPr txBox="1">
+            <a:spLocks noChangeArrowheads="1"/>
+          </p:cNvSpPr>
+          <p:nvPr/>
+        </p:nvSpPr>
+        <p:spPr bwMode="auto">
+          <a:xfrm>
+            <a:off x="7343391" y="4034758"/>
+            <a:ext cx="614932" cy="213856"/>
+          </a:xfrm>
+          <a:prstGeom prst="rect">
+            <a:avLst/>
+          </a:prstGeom>
+          <a:noFill/>
+          <a:ln>
+            <a:noFill/>
+          </a:ln>
+          <a:effectLst/>
+          <a:extLst>
+            <a:ext uri="{909E8E84-426E-40DD-AFC4-6F175D3DCCD1}">
+              <a14:hiddenFill xmlns:a14="http://schemas.microsoft.com/office/drawing/2010/main">
+                <a:solidFill>
+                  <a:srgbClr val="5B9BD5"/>
+                </a:solidFill>
+              </a14:hiddenFill>
+            </a:ext>
+            <a:ext uri="{91240B29-F687-4F45-9708-019B960494DF}">
+              <a14:hiddenLine xmlns:a14="http://schemas.microsoft.com/office/drawing/2010/main" w="25400" algn="ctr">
+                <a:solidFill>
+                  <a:srgbClr val="000000"/>
+                </a:solidFill>
+                <a:miter lim="800000"/>
+                <a:headEnd/>
+                <a:tailEnd/>
+              </a14:hiddenLine>
+            </a:ext>
+            <a:ext uri="{AF507438-7753-43E0-B8FC-AC1667EBCBE1}">
+              <a14:hiddenEffects xmlns:a14="http://schemas.microsoft.com/office/drawing/2010/main">
+                <a:effectLst>
+                  <a:outerShdw dist="35921" dir="2700000" algn="ctr" rotWithShape="0">
+                    <a:srgbClr val="000000"/>
+                  </a:outerShdw>
+                </a:effectLst>
+              </a14:hiddenEffects>
+            </a:ext>
+          </a:extLst>
+        </p:spPr>
+        <p:txBody>
+          <a:bodyPr vert="horz" wrap="square" lIns="36576" tIns="36576" rIns="36576" bIns="36576" numCol="1" anchor="t" anchorCtr="0" compatLnSpc="1">
+            <a:prstTxWarp prst="textNoShape">
+              <a:avLst/>
+            </a:prstTxWarp>
+          </a:bodyPr>
+          <a:lstStyle/>
+          <a:p>
+            <a:pPr marL="0" marR="0" lvl="0" indent="0" algn="ctr" defTabSz="914400" rtl="0" eaLnBrk="0" fontAlgn="base" latinLnBrk="0" hangingPunct="0">
+              <a:lnSpc>
+                <a:spcPct val="100000"/>
+              </a:lnSpc>
+              <a:spcBef>
+                <a:spcPct val="0"/>
+              </a:spcBef>
+              <a:spcAft>
+                <a:spcPct val="0"/>
+              </a:spcAft>
+              <a:buClrTx/>
+              <a:buSzTx/>
+              <a:buFontTx/>
+              <a:buNone/>
+              <a:tabLst/>
+            </a:pPr>
+            <a:r>
+              <a:rPr kumimoji="0" lang="en-US" altLang="en-US" sz="1400" b="0" i="0" u="none" strike="noStrike" cap="none" normalizeH="0" baseline="0" dirty="0">
+                <a:ln>
+                  <a:noFill/>
+                </a:ln>
+                <a:solidFill>
+                  <a:srgbClr val="000000"/>
+                </a:solidFill>
+                <a:effectLst/>
+                <a:latin typeface="Calibri" panose="020F0502020204030204" pitchFamily="34" charset="0"/>
+              </a:rPr>
+              <a:t>I2C</a:t>
+            </a:r>
+            <a:endParaRPr kumimoji="0" lang="en-US" altLang="en-US" sz="1400" b="0" i="0" u="none" strike="noStrike" cap="none" normalizeH="0" baseline="0" dirty="0">
+              <a:ln>
+                <a:noFill/>
+              </a:ln>
+              <a:solidFill>
+                <a:schemeClr val="tx1"/>
+              </a:solidFill>
+              <a:effectLst/>
+              <a:latin typeface="Arial" panose="020B0604020202020204" pitchFamily="34" charset="0"/>
+            </a:endParaRPr>
+          </a:p>
+        </p:txBody>
+      </p:sp>
+      <p:sp>
+        <p:nvSpPr>
+          <p:cNvPr id="15" name="Text Box 11">
+            <a:extLst>
+              <a:ext uri="{FF2B5EF4-FFF2-40B4-BE49-F238E27FC236}">
+                <a16:creationId xmlns:a16="http://schemas.microsoft.com/office/drawing/2014/main" id="{5259C21B-6FB3-4FAD-B237-B6F7DEC3D431}"/>
+              </a:ext>
+            </a:extLst>
+          </p:cNvPr>
+          <p:cNvSpPr txBox="1">
+            <a:spLocks noChangeArrowheads="1"/>
+          </p:cNvSpPr>
+          <p:nvPr/>
+        </p:nvSpPr>
+        <p:spPr bwMode="auto">
+          <a:xfrm>
+            <a:off x="8827992" y="4822633"/>
+            <a:ext cx="614932" cy="213856"/>
+          </a:xfrm>
+          <a:prstGeom prst="rect">
+            <a:avLst/>
+          </a:prstGeom>
+          <a:noFill/>
+          <a:ln>
+            <a:noFill/>
+          </a:ln>
+          <a:effectLst/>
+          <a:extLst>
+            <a:ext uri="{909E8E84-426E-40DD-AFC4-6F175D3DCCD1}">
+              <a14:hiddenFill xmlns:a14="http://schemas.microsoft.com/office/drawing/2010/main">
+                <a:solidFill>
+                  <a:srgbClr val="5B9BD5"/>
+                </a:solidFill>
+              </a14:hiddenFill>
+            </a:ext>
+            <a:ext uri="{91240B29-F687-4F45-9708-019B960494DF}">
+              <a14:hiddenLine xmlns:a14="http://schemas.microsoft.com/office/drawing/2010/main" w="25400" algn="ctr">
+                <a:solidFill>
+                  <a:srgbClr val="000000"/>
+                </a:solidFill>
+                <a:miter lim="800000"/>
+                <a:headEnd/>
+                <a:tailEnd/>
+              </a14:hiddenLine>
+            </a:ext>
+            <a:ext uri="{AF507438-7753-43E0-B8FC-AC1667EBCBE1}">
+              <a14:hiddenEffects xmlns:a14="http://schemas.microsoft.com/office/drawing/2010/main">
+                <a:effectLst>
+                  <a:outerShdw dist="35921" dir="2700000" algn="ctr" rotWithShape="0">
+                    <a:srgbClr val="000000"/>
+                  </a:outerShdw>
+                </a:effectLst>
+              </a14:hiddenEffects>
+            </a:ext>
+          </a:extLst>
+        </p:spPr>
+        <p:txBody>
+          <a:bodyPr vert="horz" wrap="square" lIns="36576" tIns="36576" rIns="36576" bIns="36576" numCol="1" anchor="t" anchorCtr="0" compatLnSpc="1">
+            <a:prstTxWarp prst="textNoShape">
+              <a:avLst/>
+            </a:prstTxWarp>
+          </a:bodyPr>
+          <a:lstStyle/>
+          <a:p>
+            <a:pPr marL="0" marR="0" lvl="0" indent="0" algn="ctr" defTabSz="914400" rtl="0" eaLnBrk="0" fontAlgn="base" latinLnBrk="0" hangingPunct="0">
+              <a:lnSpc>
+                <a:spcPct val="100000"/>
+              </a:lnSpc>
+              <a:spcBef>
+                <a:spcPct val="0"/>
+              </a:spcBef>
+              <a:spcAft>
+                <a:spcPct val="0"/>
+              </a:spcAft>
+              <a:buClrTx/>
+              <a:buSzTx/>
+              <a:buFontTx/>
+              <a:buNone/>
+              <a:tabLst/>
+            </a:pPr>
+            <a:r>
+              <a:rPr kumimoji="0" lang="en-US" altLang="en-US" sz="1400" b="0" i="0" u="none" strike="noStrike" cap="none" normalizeH="0" baseline="0" dirty="0">
+                <a:ln>
+                  <a:noFill/>
+                </a:ln>
+                <a:solidFill>
+                  <a:srgbClr val="000000"/>
+                </a:solidFill>
+                <a:effectLst/>
+                <a:latin typeface="Calibri" panose="020F0502020204030204" pitchFamily="34" charset="0"/>
+              </a:rPr>
+              <a:t>SPI</a:t>
+            </a:r>
+            <a:endParaRPr kumimoji="0" lang="en-US" altLang="en-US" sz="1400" b="0" i="0" u="none" strike="noStrike" cap="none" normalizeH="0" baseline="0" dirty="0">
+              <a:ln>
+                <a:noFill/>
+              </a:ln>
+              <a:solidFill>
+                <a:schemeClr val="tx1"/>
+              </a:solidFill>
+              <a:effectLst/>
+              <a:latin typeface="Arial" panose="020B0604020202020204" pitchFamily="34" charset="0"/>
+            </a:endParaRPr>
+          </a:p>
+        </p:txBody>
+      </p:sp>
+      <p:cxnSp>
+        <p:nvCxnSpPr>
+          <p:cNvPr id="16" name="AutoShape 6">
+            <a:extLst>
+              <a:ext uri="{FF2B5EF4-FFF2-40B4-BE49-F238E27FC236}">
+                <a16:creationId xmlns:a16="http://schemas.microsoft.com/office/drawing/2014/main" id="{A354B88E-71D0-4A50-8F4A-A87EB7CA9938}"/>
+              </a:ext>
+            </a:extLst>
+          </p:cNvPr>
+          <p:cNvCxnSpPr>
+            <a:cxnSpLocks noChangeShapeType="1"/>
+          </p:cNvCxnSpPr>
+          <p:nvPr/>
+        </p:nvCxnSpPr>
+        <p:spPr bwMode="auto">
+          <a:xfrm>
+            <a:off x="9704641" y="4328019"/>
+            <a:ext cx="537905" cy="0"/>
+          </a:xfrm>
+          <a:prstGeom prst="straightConnector1">
+            <a:avLst/>
+          </a:prstGeom>
+          <a:noFill/>
+          <a:ln w="25400">
+            <a:solidFill>
+              <a:srgbClr val="000000"/>
+            </a:solidFill>
+            <a:round/>
+            <a:headEnd/>
+            <a:tailEnd/>
+          </a:ln>
+          <a:effectLst/>
+          <a:extLst>
+            <a:ext uri="{909E8E84-426E-40DD-AFC4-6F175D3DCCD1}">
+              <a14:hiddenFill xmlns:a14="http://schemas.microsoft.com/office/drawing/2010/main">
+                <a:noFill/>
+              </a14:hiddenFill>
+            </a:ext>
+            <a:ext uri="{AF507438-7753-43E0-B8FC-AC1667EBCBE1}">
+              <a14:hiddenEffects xmlns:a14="http://schemas.microsoft.com/office/drawing/2010/main">
+                <a:effectLst>
+                  <a:outerShdw dist="35921" dir="2700000" algn="ctr" rotWithShape="0">
+                    <a:srgbClr val="000000"/>
+                  </a:outerShdw>
+                </a:effectLst>
+              </a14:hiddenEffects>
+            </a:ext>
+          </a:extLst>
+        </p:spPr>
+      </p:cxnSp>
+      <p:sp>
+        <p:nvSpPr>
+          <p:cNvPr id="17" name="Rectangle 3">
+            <a:extLst>
+              <a:ext uri="{FF2B5EF4-FFF2-40B4-BE49-F238E27FC236}">
+                <a16:creationId xmlns:a16="http://schemas.microsoft.com/office/drawing/2014/main" id="{CED8CB55-6D95-43EC-9869-72E82F480EE3}"/>
+              </a:ext>
+            </a:extLst>
+          </p:cNvPr>
+          <p:cNvSpPr>
+            <a:spLocks noChangeArrowheads="1"/>
+          </p:cNvSpPr>
+          <p:nvPr/>
+        </p:nvSpPr>
+        <p:spPr bwMode="auto">
+          <a:xfrm>
+            <a:off x="10242546" y="4004279"/>
+            <a:ext cx="711966" cy="666363"/>
+          </a:xfrm>
+          <a:prstGeom prst="rect">
+            <a:avLst/>
+          </a:prstGeom>
+          <a:solidFill>
+            <a:srgbClr val="9DC3E6"/>
+          </a:solidFill>
+          <a:ln w="12700" algn="ctr">
+            <a:solidFill>
+              <a:srgbClr val="000000"/>
+            </a:solidFill>
+            <a:miter lim="800000"/>
+            <a:headEnd/>
+            <a:tailEnd/>
+          </a:ln>
+          <a:effectLst/>
+          <a:extLst>
+            <a:ext uri="{AF507438-7753-43E0-B8FC-AC1667EBCBE1}">
+              <a14:hiddenEffects xmlns:a14="http://schemas.microsoft.com/office/drawing/2010/main">
+                <a:effectLst>
+                  <a:outerShdw dist="35921" dir="2700000" algn="ctr" rotWithShape="0">
+                    <a:srgbClr val="000000"/>
+                  </a:outerShdw>
+                </a:effectLst>
+              </a14:hiddenEffects>
+            </a:ext>
+          </a:extLst>
+        </p:spPr>
+        <p:txBody>
+          <a:bodyPr vert="horz" wrap="square" lIns="36576" tIns="36576" rIns="36576" bIns="36576" numCol="1" anchor="ctr" anchorCtr="0" compatLnSpc="1">
+            <a:prstTxWarp prst="textNoShape">
+              <a:avLst/>
+            </a:prstTxWarp>
+          </a:bodyPr>
+          <a:lstStyle/>
+          <a:p>
+            <a:pPr marL="0" marR="0" lvl="0" indent="0" algn="ctr" defTabSz="914400" rtl="0" eaLnBrk="0" fontAlgn="base" latinLnBrk="0" hangingPunct="0">
+              <a:lnSpc>
+                <a:spcPct val="100000"/>
+              </a:lnSpc>
+              <a:spcBef>
+                <a:spcPct val="0"/>
+              </a:spcBef>
+              <a:spcAft>
+                <a:spcPct val="0"/>
+              </a:spcAft>
+              <a:buClrTx/>
+              <a:buSzTx/>
+              <a:buFontTx/>
+              <a:buNone/>
+              <a:tabLst/>
+            </a:pPr>
+            <a:r>
+              <a:rPr kumimoji="0" lang="en-US" altLang="en-US" sz="1400" b="0" i="0" u="none" strike="noStrike" cap="none" normalizeH="0" baseline="0" dirty="0">
+                <a:ln>
+                  <a:noFill/>
+                </a:ln>
+                <a:solidFill>
+                  <a:srgbClr val="000000"/>
+                </a:solidFill>
+                <a:effectLst/>
+                <a:latin typeface="Calibri" panose="020F0502020204030204" pitchFamily="34" charset="0"/>
+              </a:rPr>
+              <a:t>Switch</a:t>
+            </a:r>
+            <a:endParaRPr kumimoji="0" lang="en-US" altLang="en-US" sz="1400" b="0" i="0" u="none" strike="noStrike" cap="none" normalizeH="0" baseline="0" dirty="0">
+              <a:ln>
+                <a:noFill/>
+              </a:ln>
+              <a:solidFill>
+                <a:schemeClr val="tx1"/>
+              </a:solidFill>
+              <a:effectLst/>
+              <a:latin typeface="Arial" panose="020B0604020202020204" pitchFamily="34" charset="0"/>
+            </a:endParaRPr>
+          </a:p>
+        </p:txBody>
+      </p:sp>
+      <p:sp>
+        <p:nvSpPr>
+          <p:cNvPr id="18" name="Oval 17">
+            <a:extLst>
+              <a:ext uri="{FF2B5EF4-FFF2-40B4-BE49-F238E27FC236}">
+                <a16:creationId xmlns:a16="http://schemas.microsoft.com/office/drawing/2014/main" id="{4D12B13C-37B9-4D22-B3BD-03C6AE7802AB}"/>
+              </a:ext>
+            </a:extLst>
+          </p:cNvPr>
+          <p:cNvSpPr/>
+          <p:nvPr/>
+        </p:nvSpPr>
+        <p:spPr>
+          <a:xfrm>
+            <a:off x="6694318" y="2018875"/>
+            <a:ext cx="662652" cy="647700"/>
+          </a:xfrm>
+          <a:prstGeom prst="ellipse">
+            <a:avLst/>
+          </a:prstGeom>
+          <a:solidFill>
+            <a:srgbClr val="FFFF00"/>
+          </a:solidFill>
+          <a:ln>
+            <a:solidFill>
+              <a:schemeClr val="tx1"/>
+            </a:solidFill>
+          </a:ln>
+        </p:spPr>
+        <p:style>
+          <a:lnRef idx="2">
+            <a:schemeClr val="accent1">
+              <a:shade val="50000"/>
+            </a:schemeClr>
+          </a:lnRef>
+          <a:fillRef idx="1">
+            <a:schemeClr val="accent1"/>
+          </a:fillRef>
+          <a:effectRef idx="0">
+            <a:schemeClr val="accent1"/>
+          </a:effectRef>
+          <a:fontRef idx="minor">
+            <a:schemeClr val="lt1"/>
+          </a:fontRef>
+        </p:style>
+        <p:txBody>
+          <a:bodyPr rtlCol="0" anchor="ctr"/>
+          <a:lstStyle/>
+          <a:p>
+            <a:pPr algn="ctr"/>
+            <a:r>
+              <a:rPr lang="en-US" sz="1400" dirty="0">
+                <a:solidFill>
+                  <a:sysClr val="windowText" lastClr="000000"/>
+                </a:solidFill>
+                <a:latin typeface="Calibri" panose="020F0502020204030204" pitchFamily="34" charset="0"/>
+                <a:cs typeface="Calibri" panose="020F0502020204030204" pitchFamily="34" charset="0"/>
+              </a:rPr>
+              <a:t>LED</a:t>
+            </a:r>
+            <a:endParaRPr lang="en-GB" sz="1400" dirty="0">
+              <a:solidFill>
+                <a:sysClr val="windowText" lastClr="000000"/>
+              </a:solidFill>
+              <a:latin typeface="Calibri" panose="020F0502020204030204" pitchFamily="34" charset="0"/>
+              <a:cs typeface="Calibri" panose="020F0502020204030204" pitchFamily="34" charset="0"/>
+            </a:endParaRPr>
+          </a:p>
+        </p:txBody>
+      </p:sp>
+      <p:sp>
+        <p:nvSpPr>
+          <p:cNvPr id="19" name="Oval 18">
+            <a:extLst>
+              <a:ext uri="{FF2B5EF4-FFF2-40B4-BE49-F238E27FC236}">
+                <a16:creationId xmlns:a16="http://schemas.microsoft.com/office/drawing/2014/main" id="{5D4B2917-B63F-431A-9354-C3016F5EFA24}"/>
+              </a:ext>
+            </a:extLst>
+          </p:cNvPr>
+          <p:cNvSpPr/>
+          <p:nvPr/>
+        </p:nvSpPr>
+        <p:spPr>
+          <a:xfrm>
+            <a:off x="7870489" y="2018875"/>
+            <a:ext cx="662652" cy="647700"/>
+          </a:xfrm>
+          <a:prstGeom prst="ellipse">
+            <a:avLst/>
+          </a:prstGeom>
+          <a:solidFill>
+            <a:srgbClr val="FF0000"/>
+          </a:solidFill>
+          <a:ln>
+            <a:solidFill>
+              <a:schemeClr val="tx1"/>
+            </a:solidFill>
+          </a:ln>
+        </p:spPr>
+        <p:style>
+          <a:lnRef idx="2">
+            <a:schemeClr val="accent1">
+              <a:shade val="50000"/>
+            </a:schemeClr>
+          </a:lnRef>
+          <a:fillRef idx="1">
+            <a:schemeClr val="accent1"/>
+          </a:fillRef>
+          <a:effectRef idx="0">
+            <a:schemeClr val="accent1"/>
+          </a:effectRef>
+          <a:fontRef idx="minor">
+            <a:schemeClr val="lt1"/>
+          </a:fontRef>
+        </p:style>
+        <p:txBody>
+          <a:bodyPr rtlCol="0" anchor="ctr"/>
+          <a:lstStyle/>
+          <a:p>
+            <a:pPr algn="ctr"/>
+            <a:r>
+              <a:rPr lang="en-US" sz="1400" dirty="0">
+                <a:solidFill>
+                  <a:sysClr val="windowText" lastClr="000000"/>
+                </a:solidFill>
+                <a:latin typeface="Calibri" panose="020F0502020204030204" pitchFamily="34" charset="0"/>
+                <a:cs typeface="Calibri" panose="020F0502020204030204" pitchFamily="34" charset="0"/>
+              </a:rPr>
+              <a:t>LED</a:t>
+            </a:r>
+            <a:endParaRPr lang="en-GB" sz="1400" dirty="0">
+              <a:solidFill>
+                <a:sysClr val="windowText" lastClr="000000"/>
+              </a:solidFill>
+              <a:latin typeface="Calibri" panose="020F0502020204030204" pitchFamily="34" charset="0"/>
+              <a:cs typeface="Calibri" panose="020F0502020204030204" pitchFamily="34" charset="0"/>
+            </a:endParaRPr>
+          </a:p>
+        </p:txBody>
+      </p:sp>
+      <p:sp>
+        <p:nvSpPr>
+          <p:cNvPr id="20" name="Oval 19">
+            <a:extLst>
+              <a:ext uri="{FF2B5EF4-FFF2-40B4-BE49-F238E27FC236}">
+                <a16:creationId xmlns:a16="http://schemas.microsoft.com/office/drawing/2014/main" id="{AE38C518-693E-4B5E-84CB-1C39A915BEA0}"/>
+              </a:ext>
+            </a:extLst>
+          </p:cNvPr>
+          <p:cNvSpPr/>
+          <p:nvPr/>
+        </p:nvSpPr>
+        <p:spPr>
+          <a:xfrm>
+            <a:off x="9046660" y="2018875"/>
+            <a:ext cx="662652" cy="647700"/>
+          </a:xfrm>
+          <a:prstGeom prst="ellipse">
+            <a:avLst/>
+          </a:prstGeom>
+          <a:solidFill>
+            <a:srgbClr val="2CA02C"/>
+          </a:solidFill>
+          <a:ln>
+            <a:solidFill>
+              <a:schemeClr val="tx1"/>
+            </a:solidFill>
+          </a:ln>
+        </p:spPr>
+        <p:style>
+          <a:lnRef idx="2">
+            <a:schemeClr val="accent1">
+              <a:shade val="50000"/>
+            </a:schemeClr>
+          </a:lnRef>
+          <a:fillRef idx="1">
+            <a:schemeClr val="accent1"/>
+          </a:fillRef>
+          <a:effectRef idx="0">
+            <a:schemeClr val="accent1"/>
+          </a:effectRef>
+          <a:fontRef idx="minor">
+            <a:schemeClr val="lt1"/>
+          </a:fontRef>
+        </p:style>
+        <p:txBody>
+          <a:bodyPr rtlCol="0" anchor="ctr"/>
+          <a:lstStyle/>
+          <a:p>
+            <a:pPr algn="ctr"/>
+            <a:r>
+              <a:rPr lang="en-US" sz="1400" dirty="0">
+                <a:solidFill>
+                  <a:sysClr val="windowText" lastClr="000000"/>
+                </a:solidFill>
+                <a:latin typeface="Calibri" panose="020F0502020204030204" pitchFamily="34" charset="0"/>
+                <a:cs typeface="Calibri" panose="020F0502020204030204" pitchFamily="34" charset="0"/>
+              </a:rPr>
+              <a:t>LED</a:t>
+            </a:r>
+            <a:endParaRPr lang="en-GB" sz="1400" dirty="0">
+              <a:solidFill>
+                <a:sysClr val="windowText" lastClr="000000"/>
+              </a:solidFill>
+              <a:latin typeface="Calibri" panose="020F0502020204030204" pitchFamily="34" charset="0"/>
+              <a:cs typeface="Calibri" panose="020F0502020204030204" pitchFamily="34" charset="0"/>
+            </a:endParaRPr>
+          </a:p>
+        </p:txBody>
+      </p:sp>
+      <p:cxnSp>
+        <p:nvCxnSpPr>
+          <p:cNvPr id="22" name="AutoShape 6">
+            <a:extLst>
+              <a:ext uri="{FF2B5EF4-FFF2-40B4-BE49-F238E27FC236}">
+                <a16:creationId xmlns:a16="http://schemas.microsoft.com/office/drawing/2014/main" id="{4D85E434-96D5-45BC-B2DD-6BDD3F9C1A98}"/>
+              </a:ext>
+            </a:extLst>
+          </p:cNvPr>
+          <p:cNvCxnSpPr>
+            <a:cxnSpLocks noChangeShapeType="1"/>
+            <a:stCxn id="20" idx="4"/>
+          </p:cNvCxnSpPr>
+          <p:nvPr/>
+        </p:nvCxnSpPr>
+        <p:spPr bwMode="auto">
+          <a:xfrm>
+            <a:off x="9377986" y="2666575"/>
+            <a:ext cx="0" cy="308717"/>
+          </a:xfrm>
+          <a:prstGeom prst="straightConnector1">
+            <a:avLst/>
+          </a:prstGeom>
+          <a:noFill/>
+          <a:ln w="25400">
+            <a:solidFill>
+              <a:srgbClr val="000000"/>
+            </a:solidFill>
+            <a:round/>
+            <a:headEnd/>
+            <a:tailEnd/>
+          </a:ln>
+          <a:effectLst/>
+          <a:extLst>
+            <a:ext uri="{909E8E84-426E-40DD-AFC4-6F175D3DCCD1}">
+              <a14:hiddenFill xmlns:a14="http://schemas.microsoft.com/office/drawing/2010/main">
+                <a:noFill/>
+              </a14:hiddenFill>
+            </a:ext>
+            <a:ext uri="{AF507438-7753-43E0-B8FC-AC1667EBCBE1}">
+              <a14:hiddenEffects xmlns:a14="http://schemas.microsoft.com/office/drawing/2010/main">
+                <a:effectLst>
+                  <a:outerShdw dist="35921" dir="2700000" algn="ctr" rotWithShape="0">
+                    <a:srgbClr val="000000"/>
+                  </a:outerShdw>
+                </a:effectLst>
+              </a14:hiddenEffects>
+            </a:ext>
+          </a:extLst>
+        </p:spPr>
+      </p:cxnSp>
+      <p:cxnSp>
+        <p:nvCxnSpPr>
+          <p:cNvPr id="25" name="AutoShape 6">
+            <a:extLst>
+              <a:ext uri="{FF2B5EF4-FFF2-40B4-BE49-F238E27FC236}">
+                <a16:creationId xmlns:a16="http://schemas.microsoft.com/office/drawing/2014/main" id="{0EC31656-167A-4827-B7D4-A5BD81F2736F}"/>
+              </a:ext>
+            </a:extLst>
+          </p:cNvPr>
+          <p:cNvCxnSpPr>
+            <a:cxnSpLocks noChangeShapeType="1"/>
+          </p:cNvCxnSpPr>
+          <p:nvPr/>
+        </p:nvCxnSpPr>
+        <p:spPr bwMode="auto">
+          <a:xfrm>
+            <a:off x="8201815" y="2666574"/>
+            <a:ext cx="0" cy="308717"/>
+          </a:xfrm>
+          <a:prstGeom prst="straightConnector1">
+            <a:avLst/>
+          </a:prstGeom>
+          <a:noFill/>
+          <a:ln w="25400">
+            <a:solidFill>
+              <a:srgbClr val="000000"/>
+            </a:solidFill>
+            <a:round/>
+            <a:headEnd/>
+            <a:tailEnd/>
+          </a:ln>
+          <a:effectLst/>
+          <a:extLst>
+            <a:ext uri="{909E8E84-426E-40DD-AFC4-6F175D3DCCD1}">
+              <a14:hiddenFill xmlns:a14="http://schemas.microsoft.com/office/drawing/2010/main">
+                <a:noFill/>
+              </a14:hiddenFill>
+            </a:ext>
+            <a:ext uri="{AF507438-7753-43E0-B8FC-AC1667EBCBE1}">
+              <a14:hiddenEffects xmlns:a14="http://schemas.microsoft.com/office/drawing/2010/main">
+                <a:effectLst>
+                  <a:outerShdw dist="35921" dir="2700000" algn="ctr" rotWithShape="0">
+                    <a:srgbClr val="000000"/>
+                  </a:outerShdw>
+                </a:effectLst>
+              </a14:hiddenEffects>
+            </a:ext>
+          </a:extLst>
+        </p:spPr>
+      </p:cxnSp>
+      <p:cxnSp>
+        <p:nvCxnSpPr>
+          <p:cNvPr id="26" name="AutoShape 6">
+            <a:extLst>
+              <a:ext uri="{FF2B5EF4-FFF2-40B4-BE49-F238E27FC236}">
+                <a16:creationId xmlns:a16="http://schemas.microsoft.com/office/drawing/2014/main" id="{3BD9DC92-D0BC-441B-A73D-BC1EF3AFD590}"/>
+              </a:ext>
+            </a:extLst>
+          </p:cNvPr>
+          <p:cNvCxnSpPr>
+            <a:cxnSpLocks noChangeShapeType="1"/>
+            <a:stCxn id="18" idx="4"/>
+          </p:cNvCxnSpPr>
+          <p:nvPr/>
+        </p:nvCxnSpPr>
+        <p:spPr bwMode="auto">
+          <a:xfrm flipH="1">
+            <a:off x="7021800" y="2666575"/>
+            <a:ext cx="3844" cy="334794"/>
+          </a:xfrm>
+          <a:prstGeom prst="straightConnector1">
+            <a:avLst/>
+          </a:prstGeom>
+          <a:noFill/>
+          <a:ln w="25400">
+            <a:solidFill>
+              <a:srgbClr val="000000"/>
+            </a:solidFill>
+            <a:round/>
+            <a:headEnd/>
+            <a:tailEnd/>
+          </a:ln>
+          <a:effectLst/>
+          <a:extLst>
+            <a:ext uri="{909E8E84-426E-40DD-AFC4-6F175D3DCCD1}">
+              <a14:hiddenFill xmlns:a14="http://schemas.microsoft.com/office/drawing/2010/main">
+                <a:noFill/>
+              </a14:hiddenFill>
+            </a:ext>
+            <a:ext uri="{AF507438-7753-43E0-B8FC-AC1667EBCBE1}">
+              <a14:hiddenEffects xmlns:a14="http://schemas.microsoft.com/office/drawing/2010/main">
+                <a:effectLst>
+                  <a:outerShdw dist="35921" dir="2700000" algn="ctr" rotWithShape="0">
+                    <a:srgbClr val="000000"/>
+                  </a:outerShdw>
+                </a:effectLst>
+              </a14:hiddenEffects>
+            </a:ext>
+          </a:extLst>
+        </p:spPr>
+      </p:cxnSp>
+      <p:pic>
+        <p:nvPicPr>
+          <p:cNvPr id="29" name="Content Placeholder 4" descr="A picture containing wall, indoor&#10;&#10;Description generated with very high confidence">
+            <a:extLst>
+              <a:ext uri="{FF2B5EF4-FFF2-40B4-BE49-F238E27FC236}">
+                <a16:creationId xmlns:a16="http://schemas.microsoft.com/office/drawing/2014/main" id="{124A8740-13B9-4DAA-AF02-BD26698BD35B}"/>
+              </a:ext>
+            </a:extLst>
+          </p:cNvPr>
+          <p:cNvPicPr>
+            <a:picLocks noGrp="1" noChangeAspect="1"/>
+          </p:cNvPicPr>
+          <p:nvPr>
+            <p:ph idx="1"/>
+          </p:nvPr>
+        </p:nvPicPr>
+        <p:blipFill>
+          <a:blip r:embed="rId2"/>
+          <a:stretch>
+            <a:fillRect/>
+          </a:stretch>
+        </p:blipFill>
+        <p:spPr>
+          <a:xfrm>
+            <a:off x="1753635" y="1989874"/>
+            <a:ext cx="3220748" cy="4295881"/>
+          </a:xfrm>
+        </p:spPr>
+      </p:pic>
+      <p:sp>
+        <p:nvSpPr>
+          <p:cNvPr id="30" name="Content Placeholder 3">
+            <a:extLst>
+              <a:ext uri="{FF2B5EF4-FFF2-40B4-BE49-F238E27FC236}">
+                <a16:creationId xmlns:a16="http://schemas.microsoft.com/office/drawing/2014/main" id="{C36936EA-7D7B-4CBC-BE9E-8C62FF899234}"/>
+              </a:ext>
+            </a:extLst>
+          </p:cNvPr>
+          <p:cNvSpPr txBox="1">
+            <a:spLocks/>
+          </p:cNvSpPr>
+          <p:nvPr/>
+        </p:nvSpPr>
+        <p:spPr>
+          <a:xfrm>
+            <a:off x="6665817" y="6357997"/>
+            <a:ext cx="4288695" cy="435644"/>
+          </a:xfrm>
+          <a:prstGeom prst="rect">
+            <a:avLst/>
+          </a:prstGeom>
+        </p:spPr>
+        <p:txBody>
+          <a:bodyPr vert="horz" lIns="91440" tIns="45720" rIns="91440" bIns="45720" rtlCol="0">
+            <a:normAutofit/>
+          </a:bodyPr>
+          <a:lstStyle>
+            <a:lvl1pPr marL="182880" indent="-182880" algn="l" defTabSz="914400" rtl="0" eaLnBrk="1" latinLnBrk="0" hangingPunct="1">
+              <a:lnSpc>
+                <a:spcPct val="95000"/>
+              </a:lnSpc>
+              <a:spcBef>
+                <a:spcPts val="1400"/>
+              </a:spcBef>
+              <a:spcAft>
+                <a:spcPts val="200"/>
+              </a:spcAft>
+              <a:buClr>
+                <a:schemeClr val="accent1"/>
+              </a:buClr>
+              <a:buSzPct val="80000"/>
+              <a:buFont typeface="Arial" pitchFamily="34" charset="0"/>
+              <a:buChar char="•"/>
+              <a:defRPr sz="1800" kern="1200" spc="10" baseline="0">
+                <a:solidFill>
+                  <a:schemeClr val="tx1"/>
+                </a:solidFill>
+                <a:latin typeface="+mn-lt"/>
+                <a:ea typeface="+mn-ea"/>
+                <a:cs typeface="+mn-cs"/>
+              </a:defRPr>
+            </a:lvl1pPr>
+            <a:lvl2pPr marL="457200" indent="-182880" algn="l" defTabSz="914400" rtl="0" eaLnBrk="1" latinLnBrk="0" hangingPunct="1">
+              <a:lnSpc>
+                <a:spcPct val="90000"/>
+              </a:lnSpc>
+              <a:spcBef>
+                <a:spcPts val="300"/>
+              </a:spcBef>
+              <a:spcAft>
+                <a:spcPts val="300"/>
+              </a:spcAft>
+              <a:buClr>
+                <a:schemeClr val="accent1"/>
+              </a:buClr>
+              <a:buFont typeface="Wingdings 2" pitchFamily="18" charset="2"/>
+              <a:buChar char=""/>
+              <a:defRPr sz="1600" kern="1200">
+                <a:solidFill>
+                  <a:schemeClr val="tx1">
+                    <a:lumMod val="85000"/>
+                    <a:lumOff val="15000"/>
+                  </a:schemeClr>
+                </a:solidFill>
+                <a:latin typeface="+mn-lt"/>
+                <a:ea typeface="+mn-ea"/>
+                <a:cs typeface="+mn-cs"/>
+              </a:defRPr>
+            </a:lvl2pPr>
+            <a:lvl3pPr marL="731520" indent="-182880" algn="l" defTabSz="914400" rtl="0" eaLnBrk="1" latinLnBrk="0" hangingPunct="1">
+              <a:lnSpc>
+                <a:spcPct val="90000"/>
+              </a:lnSpc>
+              <a:spcBef>
+                <a:spcPts val="300"/>
+              </a:spcBef>
+              <a:spcAft>
+                <a:spcPts val="300"/>
+              </a:spcAft>
+              <a:buClr>
+                <a:schemeClr val="accent1"/>
+              </a:buClr>
+              <a:buFont typeface="Wingdings 2" pitchFamily="18" charset="2"/>
+              <a:buChar char=""/>
+              <a:defRPr sz="1400" kern="1200">
+                <a:solidFill>
+                  <a:schemeClr val="tx1">
+                    <a:lumMod val="85000"/>
+                    <a:lumOff val="15000"/>
+                  </a:schemeClr>
+                </a:solidFill>
+                <a:latin typeface="+mn-lt"/>
+                <a:ea typeface="+mn-ea"/>
+                <a:cs typeface="+mn-cs"/>
+              </a:defRPr>
+            </a:lvl3pPr>
+            <a:lvl4pPr marL="1005840" indent="-182880" algn="l" defTabSz="914400" rtl="0" eaLnBrk="1" latinLnBrk="0" hangingPunct="1">
+              <a:lnSpc>
+                <a:spcPct val="90000"/>
+              </a:lnSpc>
+              <a:spcBef>
+                <a:spcPts val="300"/>
+              </a:spcBef>
+              <a:spcAft>
+                <a:spcPts val="300"/>
+              </a:spcAft>
+              <a:buClr>
+                <a:schemeClr val="accent1"/>
+              </a:buClr>
+              <a:buFont typeface="Wingdings 2" pitchFamily="18" charset="2"/>
+              <a:buChar char=""/>
+              <a:defRPr sz="1400" kern="1200">
+                <a:solidFill>
+                  <a:schemeClr val="tx1">
+                    <a:lumMod val="85000"/>
+                    <a:lumOff val="15000"/>
+                  </a:schemeClr>
+                </a:solidFill>
+                <a:latin typeface="+mn-lt"/>
+                <a:ea typeface="+mn-ea"/>
+                <a:cs typeface="+mn-cs"/>
+              </a:defRPr>
+            </a:lvl4pPr>
+            <a:lvl5pPr marL="1280160" indent="-182880" algn="l" defTabSz="914400" rtl="0" eaLnBrk="1" latinLnBrk="0" hangingPunct="1">
+              <a:lnSpc>
+                <a:spcPct val="90000"/>
+              </a:lnSpc>
+              <a:spcBef>
+                <a:spcPts val="300"/>
+              </a:spcBef>
+              <a:spcAft>
+                <a:spcPts val="300"/>
+              </a:spcAft>
+              <a:buClr>
+                <a:schemeClr val="accent1"/>
+              </a:buClr>
+              <a:buFont typeface="Wingdings 2" pitchFamily="18" charset="2"/>
+              <a:buChar char=""/>
+              <a:defRPr sz="1400" kern="1200">
+                <a:solidFill>
+                  <a:schemeClr val="tx1">
+                    <a:lumMod val="85000"/>
+                    <a:lumOff val="15000"/>
+                  </a:schemeClr>
+                </a:solidFill>
+                <a:latin typeface="+mn-lt"/>
+                <a:ea typeface="+mn-ea"/>
+                <a:cs typeface="+mn-cs"/>
+              </a:defRPr>
+            </a:lvl5pPr>
+            <a:lvl6pPr marL="1600000" indent="-228600" algn="l" defTabSz="914400" rtl="0" eaLnBrk="1" latinLnBrk="0" hangingPunct="1">
+              <a:lnSpc>
+                <a:spcPct val="90000"/>
+              </a:lnSpc>
+              <a:spcBef>
+                <a:spcPts val="300"/>
+              </a:spcBef>
+              <a:spcAft>
+                <a:spcPts val="300"/>
+              </a:spcAft>
+              <a:buClr>
+                <a:schemeClr val="accent1"/>
+              </a:buClr>
+              <a:buFont typeface="Wingdings 2" pitchFamily="18" charset="2"/>
+              <a:buChar char=""/>
+              <a:defRPr sz="1400" kern="1200">
+                <a:solidFill>
+                  <a:schemeClr val="tx1">
+                    <a:lumMod val="85000"/>
+                    <a:lumOff val="15000"/>
+                  </a:schemeClr>
+                </a:solidFill>
+                <a:latin typeface="+mn-lt"/>
+                <a:ea typeface="+mn-ea"/>
+                <a:cs typeface="+mn-cs"/>
+              </a:defRPr>
+            </a:lvl6pPr>
+            <a:lvl7pPr marL="1900000" indent="-228600" algn="l" defTabSz="914400" rtl="0" eaLnBrk="1" latinLnBrk="0" hangingPunct="1">
+              <a:lnSpc>
+                <a:spcPct val="90000"/>
+              </a:lnSpc>
+              <a:spcBef>
+                <a:spcPts val="300"/>
+              </a:spcBef>
+              <a:spcAft>
+                <a:spcPts val="300"/>
+              </a:spcAft>
+              <a:buClr>
+                <a:schemeClr val="accent1"/>
+              </a:buClr>
+              <a:buFont typeface="Wingdings 2" pitchFamily="18" charset="2"/>
+              <a:buChar char=""/>
+              <a:defRPr sz="1400" kern="1200">
+                <a:solidFill>
+                  <a:schemeClr val="tx1">
+                    <a:lumMod val="85000"/>
+                    <a:lumOff val="15000"/>
+                  </a:schemeClr>
+                </a:solidFill>
+                <a:latin typeface="+mn-lt"/>
+                <a:ea typeface="+mn-ea"/>
+                <a:cs typeface="+mn-cs"/>
+              </a:defRPr>
+            </a:lvl7pPr>
+            <a:lvl8pPr marL="2200000" indent="-228600" algn="l" defTabSz="914400" rtl="0" eaLnBrk="1" latinLnBrk="0" hangingPunct="1">
+              <a:lnSpc>
+                <a:spcPct val="90000"/>
+              </a:lnSpc>
+              <a:spcBef>
+                <a:spcPts val="300"/>
+              </a:spcBef>
+              <a:spcAft>
+                <a:spcPts val="300"/>
+              </a:spcAft>
+              <a:buClr>
+                <a:schemeClr val="accent1"/>
+              </a:buClr>
+              <a:buFont typeface="Wingdings 2" pitchFamily="18" charset="2"/>
+              <a:buChar char=""/>
+              <a:defRPr sz="1400" kern="1200">
+                <a:solidFill>
+                  <a:schemeClr val="tx1">
+                    <a:lumMod val="85000"/>
+                    <a:lumOff val="15000"/>
+                  </a:schemeClr>
+                </a:solidFill>
+                <a:latin typeface="+mn-lt"/>
+                <a:ea typeface="+mn-ea"/>
+                <a:cs typeface="+mn-cs"/>
+              </a:defRPr>
+            </a:lvl8pPr>
+            <a:lvl9pPr marL="2500000" indent="-228600" algn="l" defTabSz="914400" rtl="0" eaLnBrk="1" latinLnBrk="0" hangingPunct="1">
+              <a:lnSpc>
+                <a:spcPct val="90000"/>
+              </a:lnSpc>
+              <a:spcBef>
+                <a:spcPts val="300"/>
+              </a:spcBef>
+              <a:spcAft>
+                <a:spcPts val="300"/>
+              </a:spcAft>
+              <a:buClr>
+                <a:schemeClr val="accent1"/>
+              </a:buClr>
+              <a:buFont typeface="Wingdings 2" pitchFamily="18" charset="2"/>
+              <a:buChar char=""/>
+              <a:defRPr sz="1400" kern="1200">
+                <a:solidFill>
+                  <a:schemeClr val="tx1">
+                    <a:lumMod val="85000"/>
+                    <a:lumOff val="15000"/>
+                  </a:schemeClr>
+                </a:solidFill>
+                <a:latin typeface="+mn-lt"/>
+                <a:ea typeface="+mn-ea"/>
+                <a:cs typeface="+mn-cs"/>
+              </a:defRPr>
+            </a:lvl9pPr>
+          </a:lstStyle>
+          <a:p>
+            <a:pPr marL="0" indent="0" algn="ctr">
+              <a:buFont typeface="Arial" pitchFamily="34" charset="0"/>
+              <a:buNone/>
+            </a:pPr>
+            <a:r>
+              <a:rPr lang="en-US" dirty="0"/>
+              <a:t>Block diagram of design</a:t>
+            </a:r>
+            <a:endParaRPr lang="en-GB" dirty="0"/>
+          </a:p>
+        </p:txBody>
+      </p:sp>
+    </p:spTree>
+    <p:extLst>
+      <p:ext uri="{BB962C8B-B14F-4D97-AF65-F5344CB8AC3E}">
+        <p14:creationId xmlns:p14="http://schemas.microsoft.com/office/powerpoint/2010/main" val="4233626777"/>
+      </p:ext>
+    </p:extLst>
+  </p:cSld>
+  <p:clrMapOvr>
+    <a:masterClrMapping/>
+  </p:clrMapOvr>
+  <mc:AlternateContent xmlns:mc="http://schemas.openxmlformats.org/markup-compatibility/2006" xmlns:p14="http://schemas.microsoft.com/office/powerpoint/2010/main">
+    <mc:Choice Requires="p14">
+      <p:transition p14:dur="250">
+        <p:fade/>
+      </p:transition>
+    </mc:Choice>
+    <mc:Fallback xmlns="">
+      <p:transition>
+        <p:fade/>
+      </p:transition>
+    </mc:Fallback>
+  </mc:AlternateContent>
+</p:sld>
+</file>
+
+<file path=ppt/slides/slide7.xml><?xml version="1.0" encoding="utf-8"?>
+<p:sld xmlns:a="http://schemas.openxmlformats.org/drawingml/2006/main" xmlns:r="http://schemas.openxmlformats.org/officeDocument/2006/relationships" xmlns:p="http://schemas.openxmlformats.org/presentationml/2006/main">
+  <p:cSld>
+    <p:spTree>
+      <p:nvGrpSpPr>
+        <p:cNvPr id="1" name=""/>
+        <p:cNvGrpSpPr/>
+        <p:nvPr/>
+      </p:nvGrpSpPr>
+      <p:grpSpPr>
+        <a:xfrm>
+          <a:off x="0" y="0"/>
+          <a:ext cx="0" cy="0"/>
+          <a:chOff x="0" y="0"/>
+          <a:chExt cx="0" cy="0"/>
+        </a:xfrm>
+      </p:grpSpPr>
+      <p:sp>
+        <p:nvSpPr>
+          <p:cNvPr id="2" name="Title 1">
+            <a:extLst>
+              <a:ext uri="{FF2B5EF4-FFF2-40B4-BE49-F238E27FC236}">
+                <a16:creationId xmlns:a16="http://schemas.microsoft.com/office/drawing/2014/main" id="{AA568CC5-56A3-43CE-82B0-B7A16EECD178}"/>
+              </a:ext>
+            </a:extLst>
+          </p:cNvPr>
+          <p:cNvSpPr>
+            <a:spLocks noGrp="1"/>
+          </p:cNvSpPr>
+          <p:nvPr>
+            <p:ph type="title"/>
+          </p:nvPr>
+        </p:nvSpPr>
+        <p:spPr/>
+        <p:txBody>
+          <a:bodyPr/>
+          <a:lstStyle/>
+          <a:p>
+            <a:r>
+              <a:rPr lang="en-US" dirty="0"/>
+              <a:t>Results: Calculating TODR</a:t>
+            </a:r>
+            <a:endParaRPr lang="en-GB" dirty="0"/>
+          </a:p>
+        </p:txBody>
+      </p:sp>
+      <p:sp>
+        <p:nvSpPr>
+          <p:cNvPr id="3" name="Content Placeholder 2">
+            <a:extLst>
+              <a:ext uri="{FF2B5EF4-FFF2-40B4-BE49-F238E27FC236}">
+                <a16:creationId xmlns:a16="http://schemas.microsoft.com/office/drawing/2014/main" id="{EE574BBD-496C-4B42-A249-D84DBA10A5AD}"/>
+              </a:ext>
+            </a:extLst>
+          </p:cNvPr>
+          <p:cNvSpPr>
+            <a:spLocks noGrp="1"/>
+          </p:cNvSpPr>
+          <p:nvPr>
+            <p:ph sz="half" idx="1"/>
+          </p:nvPr>
+        </p:nvSpPr>
+        <p:spPr/>
+        <p:txBody>
+          <a:bodyPr/>
+          <a:lstStyle/>
+          <a:p>
+            <a:pPr marL="342900" indent="-342900">
+              <a:buFont typeface="+mj-lt"/>
+              <a:buAutoNum type="arabicPeriod"/>
+            </a:pPr>
+            <a:r>
+              <a:rPr lang="en-GB" dirty="0"/>
+              <a:t>The run data of distance vs height is plotted.</a:t>
+            </a:r>
+          </a:p>
+          <a:p>
+            <a:pPr marL="342900" indent="-342900">
+              <a:buFont typeface="+mj-lt"/>
+              <a:buAutoNum type="arabicPeriod"/>
+            </a:pPr>
+            <a:r>
+              <a:rPr lang="en-GB" dirty="0"/>
+              <a:t>Assuming a linear rate of climb, the line of best fit for the climbing phase is calculated.</a:t>
+            </a:r>
+          </a:p>
+          <a:p>
+            <a:pPr marL="342900" indent="-342900">
+              <a:buFont typeface="+mj-lt"/>
+              <a:buAutoNum type="arabicPeriod"/>
+            </a:pPr>
+            <a:r>
+              <a:rPr lang="en-GB" dirty="0"/>
+              <a:t>This line is extended for the entire run (orange line).</a:t>
+            </a:r>
+          </a:p>
+          <a:p>
+            <a:pPr marL="342900" indent="-342900">
+              <a:buFont typeface="+mj-lt"/>
+              <a:buAutoNum type="arabicPeriod"/>
+            </a:pPr>
+            <a:r>
+              <a:rPr lang="en-GB" dirty="0"/>
+              <a:t>The average height for the runway is plotted and extended for the length of the whole run (green line).</a:t>
+            </a:r>
+          </a:p>
+        </p:txBody>
+      </p:sp>
+      <p:pic>
+        <p:nvPicPr>
+          <p:cNvPr id="6" name="Content Placeholder 5" descr="A picture containing sitting, indoor&#10;&#10;Description generated with high confidence">
+            <a:extLst>
+              <a:ext uri="{FF2B5EF4-FFF2-40B4-BE49-F238E27FC236}">
+                <a16:creationId xmlns:a16="http://schemas.microsoft.com/office/drawing/2014/main" id="{50F196A0-6EE9-4EBC-AE41-CBF3A3D955D6}"/>
+              </a:ext>
+            </a:extLst>
+          </p:cNvPr>
+          <p:cNvPicPr>
+            <a:picLocks noGrp="1" noChangeAspect="1"/>
+          </p:cNvPicPr>
+          <p:nvPr>
+            <p:ph sz="half" idx="2"/>
+          </p:nvPr>
+        </p:nvPicPr>
+        <p:blipFill>
+          <a:blip r:embed="rId2"/>
+          <a:stretch>
+            <a:fillRect/>
+          </a:stretch>
+        </p:blipFill>
+        <p:spPr>
+          <a:xfrm>
+            <a:off x="6108192" y="3858568"/>
+            <a:ext cx="4481512" cy="2321569"/>
+          </a:xfrm>
+        </p:spPr>
+      </p:pic>
+      <p:pic>
+        <p:nvPicPr>
+          <p:cNvPr id="7" name="Picture 6" descr="A small plane sitting on a runway&#10;&#10;Description generated with very high confidence">
+            <a:extLst>
+              <a:ext uri="{FF2B5EF4-FFF2-40B4-BE49-F238E27FC236}">
+                <a16:creationId xmlns:a16="http://schemas.microsoft.com/office/drawing/2014/main" id="{312BF1D9-47ED-42A5-BE68-8A31C9CE82F0}"/>
+              </a:ext>
+            </a:extLst>
+          </p:cNvPr>
+          <p:cNvPicPr>
+            <a:picLocks noChangeAspect="1"/>
+          </p:cNvPicPr>
+          <p:nvPr/>
+        </p:nvPicPr>
+        <p:blipFill>
+          <a:blip r:embed="rId3"/>
+          <a:stretch>
+            <a:fillRect/>
+          </a:stretch>
+        </p:blipFill>
+        <p:spPr>
+          <a:xfrm>
+            <a:off x="7002020" y="1691322"/>
+            <a:ext cx="2542030" cy="1906523"/>
+          </a:xfrm>
+          <a:prstGeom prst="rect">
+            <a:avLst/>
+          </a:prstGeom>
+        </p:spPr>
+      </p:pic>
+    </p:spTree>
+    <p:extLst>
+      <p:ext uri="{BB962C8B-B14F-4D97-AF65-F5344CB8AC3E}">
+        <p14:creationId xmlns:p14="http://schemas.microsoft.com/office/powerpoint/2010/main" val="2818901220"/>
+      </p:ext>
+    </p:extLst>
+  </p:cSld>
+  <p:clrMapOvr>
+    <a:masterClrMapping/>
+  </p:clrMapOvr>
+  <mc:AlternateContent xmlns:mc="http://schemas.openxmlformats.org/markup-compatibility/2006" xmlns:p14="http://schemas.microsoft.com/office/powerpoint/2010/main">
+    <mc:Choice Requires="p14">
+      <p:transition p14:dur="250">
+        <p:fade/>
+      </p:transition>
+    </mc:Choice>
+    <mc:Fallback xmlns="">
+      <p:transition>
+        <p:fade/>
+      </p:transition>
+    </mc:Fallback>
+  </mc:AlternateContent>
+</p:sld>
+</file>
+
+<file path=ppt/slides/slide8.xml><?xml version="1.0" encoding="utf-8"?>
+<p:sld xmlns:a="http://schemas.openxmlformats.org/drawingml/2006/main" xmlns:r="http://schemas.openxmlformats.org/officeDocument/2006/relationships" xmlns:p="http://schemas.openxmlformats.org/presentationml/2006/main">
+  <p:cSld>
+    <p:spTree>
+      <p:nvGrpSpPr>
+        <p:cNvPr id="1" name=""/>
+        <p:cNvGrpSpPr/>
+        <p:nvPr/>
+      </p:nvGrpSpPr>
+      <p:grpSpPr>
+        <a:xfrm>
+          <a:off x="0" y="0"/>
+          <a:ext cx="0" cy="0"/>
+          <a:chOff x="0" y="0"/>
+          <a:chExt cx="0" cy="0"/>
+        </a:xfrm>
+      </p:grpSpPr>
+      <p:sp>
+        <p:nvSpPr>
+          <p:cNvPr id="2" name="Title 1">
+            <a:extLst>
+              <a:ext uri="{FF2B5EF4-FFF2-40B4-BE49-F238E27FC236}">
+                <a16:creationId xmlns:a16="http://schemas.microsoft.com/office/drawing/2014/main" id="{EA5C3491-8AD6-4C27-B453-567716903694}"/>
+              </a:ext>
+            </a:extLst>
+          </p:cNvPr>
+          <p:cNvSpPr>
+            <a:spLocks noGrp="1"/>
+          </p:cNvSpPr>
+          <p:nvPr>
+            <p:ph type="title"/>
+          </p:nvPr>
+        </p:nvSpPr>
+        <p:spPr/>
+        <p:txBody>
+          <a:bodyPr/>
+          <a:lstStyle/>
+          <a:p>
+            <a:r>
+              <a:rPr lang="en-US" dirty="0"/>
+              <a:t>Results: TODR and Ground Roll</a:t>
+            </a:r>
+            <a:endParaRPr lang="en-GB" dirty="0"/>
+          </a:p>
+        </p:txBody>
+      </p:sp>
+      <p:pic>
+        <p:nvPicPr>
+          <p:cNvPr id="5" name="Content Placeholder 4" descr="A close up of a map&#10;&#10;Description generated with high confidence">
+            <a:extLst>
+              <a:ext uri="{FF2B5EF4-FFF2-40B4-BE49-F238E27FC236}">
+                <a16:creationId xmlns:a16="http://schemas.microsoft.com/office/drawing/2014/main" id="{618CDFEB-9093-4EFA-8445-2B9FB3C9962E}"/>
+              </a:ext>
+            </a:extLst>
+          </p:cNvPr>
+          <p:cNvPicPr>
+            <a:picLocks noGrp="1" noChangeAspect="1"/>
+          </p:cNvPicPr>
+          <p:nvPr>
+            <p:ph idx="1"/>
+          </p:nvPr>
+        </p:nvPicPr>
+        <p:blipFill rotWithShape="1">
+          <a:blip r:embed="rId2"/>
+          <a:srcRect l="6327" t="9316" r="9155" b="2945"/>
+          <a:stretch/>
+        </p:blipFill>
+        <p:spPr>
+          <a:xfrm>
+            <a:off x="1261871" y="1784480"/>
+            <a:ext cx="8548879" cy="4543696"/>
+          </a:xfrm>
+        </p:spPr>
+      </p:pic>
+      <p:sp>
+        <p:nvSpPr>
+          <p:cNvPr id="6" name="Rectangle 5">
+            <a:extLst>
+              <a:ext uri="{FF2B5EF4-FFF2-40B4-BE49-F238E27FC236}">
+                <a16:creationId xmlns:a16="http://schemas.microsoft.com/office/drawing/2014/main" id="{D4333A1C-7B20-4285-A0D5-A51F30FE6B18}"/>
+              </a:ext>
+            </a:extLst>
+          </p:cNvPr>
+          <p:cNvSpPr/>
+          <p:nvPr/>
+        </p:nvSpPr>
+        <p:spPr>
+          <a:xfrm>
+            <a:off x="1261871" y="6294878"/>
+            <a:ext cx="2476107" cy="369332"/>
+          </a:xfrm>
+          <a:prstGeom prst="rect">
+            <a:avLst/>
+          </a:prstGeom>
+        </p:spPr>
+        <p:txBody>
+          <a:bodyPr wrap="square">
+            <a:spAutoFit/>
+          </a:bodyPr>
+          <a:lstStyle/>
+          <a:p>
+            <a:r>
+              <a:rPr lang="en-GB" dirty="0">
+                <a:latin typeface="Arial" panose="020B0604020202020204" pitchFamily="34" charset="0"/>
+              </a:rPr>
+              <a:t>Ground Roll: 101.91m</a:t>
+            </a:r>
+            <a:endParaRPr lang="en-GB" b="0" i="0" dirty="0">
+              <a:effectLst/>
+              <a:latin typeface="Arial" panose="020B0604020202020204" pitchFamily="34" charset="0"/>
+            </a:endParaRPr>
+          </a:p>
+        </p:txBody>
+      </p:sp>
+      <p:sp>
+        <p:nvSpPr>
+          <p:cNvPr id="7" name="Rectangle 6">
+            <a:extLst>
+              <a:ext uri="{FF2B5EF4-FFF2-40B4-BE49-F238E27FC236}">
+                <a16:creationId xmlns:a16="http://schemas.microsoft.com/office/drawing/2014/main" id="{077161DC-11F1-49D9-B6B9-85351C9AE367}"/>
+              </a:ext>
+            </a:extLst>
+          </p:cNvPr>
+          <p:cNvSpPr/>
+          <p:nvPr/>
+        </p:nvSpPr>
+        <p:spPr>
+          <a:xfrm>
+            <a:off x="4431654" y="6294878"/>
+            <a:ext cx="1988686" cy="369332"/>
+          </a:xfrm>
+          <a:prstGeom prst="rect">
+            <a:avLst/>
+          </a:prstGeom>
+        </p:spPr>
+        <p:txBody>
+          <a:bodyPr wrap="none">
+            <a:spAutoFit/>
+          </a:bodyPr>
+          <a:lstStyle/>
+          <a:p>
+            <a:r>
+              <a:rPr lang="en-GB" dirty="0">
+                <a:latin typeface="Arial" panose="020B0604020202020204" pitchFamily="34" charset="0"/>
+              </a:rPr>
+              <a:t>TODR : 164.58 m</a:t>
+            </a:r>
+            <a:endParaRPr lang="en-GB" dirty="0"/>
+          </a:p>
+        </p:txBody>
+      </p:sp>
+      <p:sp>
+        <p:nvSpPr>
+          <p:cNvPr id="8" name="Oval 7">
+            <a:extLst>
+              <a:ext uri="{FF2B5EF4-FFF2-40B4-BE49-F238E27FC236}">
+                <a16:creationId xmlns:a16="http://schemas.microsoft.com/office/drawing/2014/main" id="{98C1C4DB-449A-494F-99CD-F7A1D557799A}"/>
+              </a:ext>
+            </a:extLst>
+          </p:cNvPr>
+          <p:cNvSpPr/>
+          <p:nvPr/>
+        </p:nvSpPr>
+        <p:spPr>
+          <a:xfrm>
+            <a:off x="2079593" y="4359930"/>
+            <a:ext cx="301657" cy="386499"/>
+          </a:xfrm>
+          <a:prstGeom prst="ellipse">
+            <a:avLst/>
+          </a:prstGeom>
+          <a:noFill/>
+          <a:ln>
+            <a:solidFill>
+              <a:srgbClr val="FF0000"/>
+            </a:solidFill>
+          </a:ln>
+        </p:spPr>
+        <p:style>
+          <a:lnRef idx="2">
+            <a:schemeClr val="accent1">
+              <a:shade val="50000"/>
+            </a:schemeClr>
+          </a:lnRef>
+          <a:fillRef idx="1">
+            <a:schemeClr val="accent1"/>
+          </a:fillRef>
+          <a:effectRef idx="0">
+            <a:schemeClr val="accent1"/>
+          </a:effectRef>
+          <a:fontRef idx="minor">
+            <a:schemeClr val="lt1"/>
+          </a:fontRef>
+        </p:style>
+        <p:txBody>
+          <a:bodyPr rtlCol="0" anchor="ctr"/>
+          <a:lstStyle/>
+          <a:p>
+            <a:pPr algn="ctr"/>
+            <a:endParaRPr lang="en-GB"/>
+          </a:p>
+        </p:txBody>
+      </p:sp>
+      <p:grpSp>
+        <p:nvGrpSpPr>
+          <p:cNvPr id="22" name="Group 21">
+            <a:extLst>
+              <a:ext uri="{FF2B5EF4-FFF2-40B4-BE49-F238E27FC236}">
+                <a16:creationId xmlns:a16="http://schemas.microsoft.com/office/drawing/2014/main" id="{220945C8-C9B4-4968-8858-06A64EA766F4}"/>
+              </a:ext>
+            </a:extLst>
+          </p:cNvPr>
+          <p:cNvGrpSpPr/>
+          <p:nvPr/>
+        </p:nvGrpSpPr>
+        <p:grpSpPr>
+          <a:xfrm>
+            <a:off x="2337073" y="3626270"/>
+            <a:ext cx="2062304" cy="790261"/>
+            <a:chOff x="2337073" y="3626270"/>
+            <a:chExt cx="2062304" cy="790261"/>
+          </a:xfrm>
+        </p:grpSpPr>
+        <p:cxnSp>
+          <p:nvCxnSpPr>
+            <p:cNvPr id="10" name="Straight Arrow Connector 9">
+              <a:extLst>
+                <a:ext uri="{FF2B5EF4-FFF2-40B4-BE49-F238E27FC236}">
+                  <a16:creationId xmlns:a16="http://schemas.microsoft.com/office/drawing/2014/main" id="{01120E86-C586-4DCE-95BB-4D15A1447A56}"/>
+                </a:ext>
+              </a:extLst>
+            </p:cNvPr>
+            <p:cNvCxnSpPr>
+              <a:cxnSpLocks/>
+              <a:endCxn id="8" idx="7"/>
+            </p:cNvCxnSpPr>
+            <p:nvPr/>
+          </p:nvCxnSpPr>
+          <p:spPr>
+            <a:xfrm flipH="1">
+              <a:off x="2337073" y="3965860"/>
+              <a:ext cx="861899" cy="450671"/>
+            </a:xfrm>
+            <a:prstGeom prst="straightConnector1">
+              <a:avLst/>
+            </a:prstGeom>
+            <a:ln>
+              <a:tailEnd type="triangle"/>
+            </a:ln>
+          </p:spPr>
+          <p:style>
+            <a:lnRef idx="1">
+              <a:schemeClr val="accent1"/>
+            </a:lnRef>
+            <a:fillRef idx="0">
+              <a:schemeClr val="accent1"/>
+            </a:fillRef>
+            <a:effectRef idx="0">
+              <a:schemeClr val="accent1"/>
+            </a:effectRef>
+            <a:fontRef idx="minor">
+              <a:schemeClr val="tx1"/>
+            </a:fontRef>
+          </p:style>
+        </p:cxnSp>
+        <p:sp>
+          <p:nvSpPr>
+            <p:cNvPr id="16" name="TextBox 15">
+              <a:extLst>
+                <a:ext uri="{FF2B5EF4-FFF2-40B4-BE49-F238E27FC236}">
+                  <a16:creationId xmlns:a16="http://schemas.microsoft.com/office/drawing/2014/main" id="{B3A976D9-ADB3-4F38-9DA8-A7A485B0E567}"/>
+                </a:ext>
+              </a:extLst>
+            </p:cNvPr>
+            <p:cNvSpPr txBox="1"/>
+            <p:nvPr/>
+          </p:nvSpPr>
+          <p:spPr>
+            <a:xfrm>
+              <a:off x="3076579" y="3626270"/>
+              <a:ext cx="1322798" cy="369332"/>
+            </a:xfrm>
+            <a:prstGeom prst="rect">
+              <a:avLst/>
+            </a:prstGeom>
+            <a:noFill/>
+          </p:spPr>
+          <p:txBody>
+            <a:bodyPr wrap="none" rtlCol="0">
+              <a:spAutoFit/>
+            </a:bodyPr>
+            <a:lstStyle/>
+            <a:p>
+              <a:r>
+                <a:rPr lang="en-US" dirty="0"/>
+                <a:t>3.2m jump</a:t>
+              </a:r>
+              <a:endParaRPr lang="en-GB" dirty="0"/>
+            </a:p>
+          </p:txBody>
+        </p:sp>
+      </p:grpSp>
+      <p:sp>
+        <p:nvSpPr>
+          <p:cNvPr id="18" name="Rectangle 17">
+            <a:extLst>
+              <a:ext uri="{FF2B5EF4-FFF2-40B4-BE49-F238E27FC236}">
+                <a16:creationId xmlns:a16="http://schemas.microsoft.com/office/drawing/2014/main" id="{B174AE0A-632F-4BC7-85C6-0A6FC9540C60}"/>
+              </a:ext>
+            </a:extLst>
+          </p:cNvPr>
+          <p:cNvSpPr/>
+          <p:nvPr/>
+        </p:nvSpPr>
+        <p:spPr>
+          <a:xfrm>
+            <a:off x="7260579" y="6325292"/>
+            <a:ext cx="2685351" cy="369332"/>
+          </a:xfrm>
+          <a:prstGeom prst="rect">
+            <a:avLst/>
+          </a:prstGeom>
+        </p:spPr>
+        <p:txBody>
+          <a:bodyPr wrap="none">
+            <a:spAutoFit/>
+          </a:bodyPr>
+          <a:lstStyle/>
+          <a:p>
+            <a:r>
+              <a:rPr lang="en-GB" dirty="0">
+                <a:latin typeface="Arial" panose="020B0604020202020204" pitchFamily="34" charset="0"/>
+              </a:rPr>
+              <a:t>Handbook value : 195 m</a:t>
+            </a:r>
+            <a:endParaRPr lang="en-GB" dirty="0"/>
+          </a:p>
+        </p:txBody>
+      </p:sp>
+    </p:spTree>
+    <p:extLst>
+      <p:ext uri="{BB962C8B-B14F-4D97-AF65-F5344CB8AC3E}">
+        <p14:creationId xmlns:p14="http://schemas.microsoft.com/office/powerpoint/2010/main" val="3586797381"/>
+      </p:ext>
+    </p:extLst>
+  </p:cSld>
+  <p:clrMapOvr>
+    <a:masterClrMapping/>
+  </p:clrMapOvr>
+  <mc:AlternateContent xmlns:mc="http://schemas.openxmlformats.org/markup-compatibility/2006" xmlns:p14="http://schemas.microsoft.com/office/powerpoint/2010/main">
+    <mc:Choice Requires="p14">
+      <p:transition p14:dur="250">
+        <p:fade/>
+      </p:transition>
+    </mc:Choice>
+    <mc:Fallback xmlns="">
+      <p:transition>
+        <p:fade/>
+      </p:transition>
+    </mc:Fallback>
+  </mc:AlternateContent>
+  <p:timing>
+    <p:tnLst>
+      <p:par>
+        <p:cTn id="1" dur="indefinite" restart="never" nodeType="tmRoot">
+          <p:childTnLst>
+            <p:seq concurrent="1" nextAc="seek">
+              <p:cTn id="2" dur="indefinite" nodeType="mainSeq">
+                <p:childTnLst>
+                  <p:par>
+                    <p:cTn id="3" fill="hold">
+                      <p:stCondLst>
+                        <p:cond delay="indefinite"/>
+                      </p:stCondLst>
+                      <p:childTnLst>
+                        <p:par>
+                          <p:cTn id="4" fill="hold">
+                            <p:stCondLst>
+                              <p:cond delay="0"/>
+                            </p:stCondLst>
+                            <p:childTnLst>
+                              <p:par>
+                                <p:cTn id="5" presetID="10" presetClass="entr" presetSubtype="0" fill="hold" grpId="0" nodeType="clickEffect">
+                                  <p:stCondLst>
+                                    <p:cond delay="0"/>
+                                  </p:stCondLst>
+                                  <p:childTnLst>
+                                    <p:set>
+                                      <p:cBhvr>
+                                        <p:cTn id="6" dur="1" fill="hold">
+                                          <p:stCondLst>
+                                            <p:cond delay="0"/>
+                                          </p:stCondLst>
+                                        </p:cTn>
+                                        <p:tgtEl>
+                                          <p:spTgt spid="8"/>
+                                        </p:tgtEl>
+                                        <p:attrNameLst>
+                                          <p:attrName>style.visibility</p:attrName>
+                                        </p:attrNameLst>
+                                      </p:cBhvr>
+                                      <p:to>
+                                        <p:strVal val="visible"/>
+                                      </p:to>
+                                    </p:set>
+                                    <p:animEffect transition="in" filter="fade">
+                                      <p:cBhvr>
+                                        <p:cTn id="7" dur="250"/>
+                                        <p:tgtEl>
+                                          <p:spTgt spid="8"/>
+                                        </p:tgtEl>
+                                      </p:cBhvr>
+                                    </p:animEffect>
+                                  </p:childTnLst>
+                                </p:cTn>
+                              </p:par>
+                            </p:childTnLst>
+                          </p:cTn>
+                        </p:par>
+                      </p:childTnLst>
+                    </p:cTn>
+                  </p:par>
+                  <p:par>
+                    <p:cTn id="8" fill="hold">
+                      <p:stCondLst>
+                        <p:cond delay="indefinite"/>
+                      </p:stCondLst>
+                      <p:childTnLst>
+                        <p:par>
+                          <p:cTn id="9" fill="hold">
+                            <p:stCondLst>
+                              <p:cond delay="0"/>
+                            </p:stCondLst>
+                            <p:childTnLst>
+                              <p:par>
+                                <p:cTn id="10" presetID="10" presetClass="entr" presetSubtype="0" fill="hold" nodeType="clickEffect">
+                                  <p:stCondLst>
+                                    <p:cond delay="0"/>
+                                  </p:stCondLst>
+                                  <p:childTnLst>
+                                    <p:set>
+                                      <p:cBhvr>
+                                        <p:cTn id="11" dur="1" fill="hold">
+                                          <p:stCondLst>
+                                            <p:cond delay="0"/>
+                                          </p:stCondLst>
+                                        </p:cTn>
+                                        <p:tgtEl>
+                                          <p:spTgt spid="22"/>
+                                        </p:tgtEl>
+                                        <p:attrNameLst>
+                                          <p:attrName>style.visibility</p:attrName>
+                                        </p:attrNameLst>
+                                      </p:cBhvr>
+                                      <p:to>
+                                        <p:strVal val="visible"/>
+                                      </p:to>
+                                    </p:set>
+                                    <p:animEffect transition="in" filter="fade">
+                                      <p:cBhvr>
+                                        <p:cTn id="12" dur="250"/>
+                                        <p:tgtEl>
+                                          <p:spTgt spid="22"/>
+                                        </p:tgtEl>
+                                      </p:cBhvr>
+                                    </p:animEffect>
+                                  </p:childTnLst>
+                                </p:cTn>
+                              </p:par>
+                            </p:childTnLst>
+                          </p:cTn>
+                        </p:par>
+                      </p:childTnLst>
+                    </p:cTn>
+                  </p:par>
+                </p:childTnLst>
+              </p:cTn>
+              <p:prevCondLst>
+                <p:cond evt="onPrev" delay="0">
+                  <p:tgtEl>
+                    <p:sldTgt/>
+                  </p:tgtEl>
+                </p:cond>
+              </p:prevCondLst>
+              <p:nextCondLst>
+                <p:cond evt="onNext" delay="0">
+                  <p:tgtEl>
+                    <p:sldTgt/>
+                  </p:tgtEl>
+                </p:cond>
+              </p:nextCondLst>
+            </p:seq>
+          </p:childTnLst>
+        </p:cTn>
+      </p:par>
+    </p:tnLst>
+    <p:bldLst>
+      <p:bldP spid="8" grpId="0" animBg="1"/>
+    </p:bldLst>
+  </p:timing>
+</p:sld>
+</file>
+
+<file path=ppt/slides/slide9.xml><?xml version="1.0" encoding="utf-8"?>
+<p:sld xmlns:a="http://schemas.openxmlformats.org/drawingml/2006/main" xmlns:r="http://schemas.openxmlformats.org/officeDocument/2006/relationships" xmlns:p="http://schemas.openxmlformats.org/presentationml/2006/main">
+  <p:cSld>
+    <p:spTree>
+      <p:nvGrpSpPr>
+        <p:cNvPr id="1" name=""/>
+        <p:cNvGrpSpPr/>
+        <p:nvPr/>
+      </p:nvGrpSpPr>
+      <p:grpSpPr>
+        <a:xfrm>
+          <a:off x="0" y="0"/>
+          <a:ext cx="0" cy="0"/>
+          <a:chOff x="0" y="0"/>
+          <a:chExt cx="0" cy="0"/>
+        </a:xfrm>
+      </p:grpSpPr>
+      <p:sp>
+        <p:nvSpPr>
+          <p:cNvPr id="2" name="Title 1">
+            <a:extLst>
+              <a:ext uri="{FF2B5EF4-FFF2-40B4-BE49-F238E27FC236}">
+                <a16:creationId xmlns:a16="http://schemas.microsoft.com/office/drawing/2014/main" id="{BAE3A595-3968-4757-998D-8D8C9CE6C6C4}"/>
+              </a:ext>
+            </a:extLst>
+          </p:cNvPr>
+          <p:cNvSpPr>
+            <a:spLocks noGrp="1"/>
+          </p:cNvSpPr>
+          <p:nvPr>
+            <p:ph type="title"/>
+          </p:nvPr>
+        </p:nvSpPr>
+        <p:spPr/>
+        <p:txBody>
+          <a:bodyPr/>
+          <a:lstStyle/>
+          <a:p>
+            <a:r>
+              <a:rPr lang="en-US" dirty="0"/>
+              <a:t>Results: Effect of propeller wash</a:t>
+            </a:r>
+            <a:endParaRPr lang="en-GB" dirty="0"/>
+          </a:p>
+        </p:txBody>
+      </p:sp>
+      <p:pic>
+        <p:nvPicPr>
+          <p:cNvPr id="5" name="Content Placeholder 4" descr="A screenshot of a cell phone&#10;&#10;Description generated with very high confidence">
+            <a:extLst>
+              <a:ext uri="{FF2B5EF4-FFF2-40B4-BE49-F238E27FC236}">
+                <a16:creationId xmlns:a16="http://schemas.microsoft.com/office/drawing/2014/main" id="{6C8FB0B6-7817-4935-BEC3-FEEBB9F50673}"/>
+              </a:ext>
+            </a:extLst>
+          </p:cNvPr>
+          <p:cNvPicPr>
+            <a:picLocks noGrp="1" noChangeAspect="1"/>
+          </p:cNvPicPr>
+          <p:nvPr>
+            <p:ph idx="1"/>
+          </p:nvPr>
+        </p:nvPicPr>
+        <p:blipFill rotWithShape="1">
+          <a:blip r:embed="rId2"/>
+          <a:srcRect l="5005" t="6030" r="8512" b="-73"/>
+          <a:stretch/>
+        </p:blipFill>
+        <p:spPr>
+          <a:xfrm>
+            <a:off x="4149155" y="1649822"/>
+            <a:ext cx="6780973" cy="3588928"/>
+          </a:xfrm>
+        </p:spPr>
+      </p:pic>
+      <mc:AlternateContent xmlns:mc="http://schemas.openxmlformats.org/markup-compatibility/2006" xmlns:a14="http://schemas.microsoft.com/office/drawing/2010/main">
+        <mc:Choice Requires="a14">
+          <p:sp>
+            <p:nvSpPr>
+              <p:cNvPr id="6" name="TextBox 5">
+                <a:extLst>
+                  <a:ext uri="{FF2B5EF4-FFF2-40B4-BE49-F238E27FC236}">
+                    <a16:creationId xmlns:a16="http://schemas.microsoft.com/office/drawing/2014/main" id="{118A9101-95F1-4CF1-87E9-5AAC2DE7EFAE}"/>
+                  </a:ext>
+                </a:extLst>
+              </p:cNvPr>
+              <p:cNvSpPr txBox="1"/>
+              <p:nvPr/>
+            </p:nvSpPr>
+            <p:spPr>
+              <a:xfrm>
+                <a:off x="1261872" y="5213172"/>
+                <a:ext cx="2670475" cy="1279068"/>
+              </a:xfrm>
+              <a:prstGeom prst="rect">
+                <a:avLst/>
+              </a:prstGeom>
+              <a:noFill/>
+            </p:spPr>
+            <p:txBody>
+              <a:bodyPr wrap="none" rtlCol="0">
+                <a:spAutoFit/>
+              </a:bodyPr>
+              <a:lstStyle/>
+              <a:p>
+                <a14:m>
+                  <m:oMath xmlns:m="http://schemas.openxmlformats.org/officeDocument/2006/math">
+                    <m:sSub>
+                      <m:sSubPr>
+                        <m:ctrlPr>
+                          <a:rPr lang="en-US" b="0" i="1" smtClean="0">
+                            <a:latin typeface="Cambria Math" panose="02040503050406030204" pitchFamily="18" charset="0"/>
+                          </a:rPr>
+                        </m:ctrlPr>
+                      </m:sSubPr>
+                      <m:e>
+                        <m:r>
+                          <a:rPr lang="en-US" b="0" i="1" smtClean="0">
+                            <a:latin typeface="Cambria Math" panose="02040503050406030204" pitchFamily="18" charset="0"/>
+                          </a:rPr>
+                          <m:t>𝑝</m:t>
+                        </m:r>
+                      </m:e>
+                      <m:sub>
+                        <m:r>
+                          <a:rPr lang="en-US" b="0" i="1" smtClean="0">
+                            <a:latin typeface="Cambria Math" panose="02040503050406030204" pitchFamily="18" charset="0"/>
+                          </a:rPr>
+                          <m:t>1</m:t>
+                        </m:r>
+                      </m:sub>
+                    </m:sSub>
+                    <m:r>
+                      <a:rPr lang="en-US" b="0" i="1" smtClean="0">
+                        <a:latin typeface="Cambria Math" panose="02040503050406030204" pitchFamily="18" charset="0"/>
+                      </a:rPr>
+                      <m:t>+ </m:t>
+                    </m:r>
+                    <m:f>
+                      <m:fPr>
+                        <m:ctrlPr>
+                          <a:rPr lang="en-US" b="0" i="1" smtClean="0">
+                            <a:latin typeface="Cambria Math" panose="02040503050406030204" pitchFamily="18" charset="0"/>
+                          </a:rPr>
+                        </m:ctrlPr>
+                      </m:fPr>
+                      <m:num>
+                        <m:r>
+                          <a:rPr lang="en-US" b="0" i="1" smtClean="0">
+                            <a:latin typeface="Cambria Math" panose="02040503050406030204" pitchFamily="18" charset="0"/>
+                          </a:rPr>
+                          <m:t>1</m:t>
+                        </m:r>
+                      </m:num>
+                      <m:den>
+                        <m:r>
+                          <a:rPr lang="en-US" b="0" i="1" smtClean="0">
+                            <a:latin typeface="Cambria Math" panose="02040503050406030204" pitchFamily="18" charset="0"/>
+                          </a:rPr>
+                          <m:t>2</m:t>
+                        </m:r>
+                      </m:den>
+                    </m:f>
+                    <m:r>
+                      <a:rPr lang="en-US" b="0" i="1" smtClean="0">
+                        <a:latin typeface="Cambria Math" panose="02040503050406030204" pitchFamily="18" charset="0"/>
+                        <a:ea typeface="Cambria Math" panose="02040503050406030204" pitchFamily="18" charset="0"/>
+                      </a:rPr>
+                      <m:t>𝜌</m:t>
+                    </m:r>
+                    <m:sSubSup>
+                      <m:sSubSupPr>
+                        <m:ctrlPr>
+                          <a:rPr lang="en-US" b="0" i="1" smtClean="0">
+                            <a:latin typeface="Cambria Math" panose="02040503050406030204" pitchFamily="18" charset="0"/>
+                            <a:ea typeface="Cambria Math" panose="02040503050406030204" pitchFamily="18" charset="0"/>
+                          </a:rPr>
+                        </m:ctrlPr>
+                      </m:sSubSupPr>
+                      <m:e>
+                        <m:r>
+                          <a:rPr lang="en-US" b="0" i="1" smtClean="0">
+                            <a:latin typeface="Cambria Math" panose="02040503050406030204" pitchFamily="18" charset="0"/>
+                            <a:ea typeface="Cambria Math" panose="02040503050406030204" pitchFamily="18" charset="0"/>
+                          </a:rPr>
+                          <m:t>𝑣</m:t>
+                        </m:r>
+                      </m:e>
+                      <m:sub>
+                        <m:r>
+                          <a:rPr lang="en-US" b="0" i="1" smtClean="0">
+                            <a:latin typeface="Cambria Math" panose="02040503050406030204" pitchFamily="18" charset="0"/>
+                            <a:ea typeface="Cambria Math" panose="02040503050406030204" pitchFamily="18" charset="0"/>
+                          </a:rPr>
+                          <m:t>1</m:t>
+                        </m:r>
+                      </m:sub>
+                      <m:sup>
+                        <m:r>
+                          <a:rPr lang="en-US" b="0" i="1" smtClean="0">
+                            <a:latin typeface="Cambria Math" panose="02040503050406030204" pitchFamily="18" charset="0"/>
+                            <a:ea typeface="Cambria Math" panose="02040503050406030204" pitchFamily="18" charset="0"/>
+                          </a:rPr>
+                          <m:t>2</m:t>
+                        </m:r>
+                      </m:sup>
+                    </m:sSubSup>
+                  </m:oMath>
+                </a14:m>
+                <a:r>
+                  <a:rPr lang="en-GB" dirty="0"/>
+                  <a:t> = </a:t>
+                </a:r>
+                <a14:m>
+                  <m:oMath xmlns:m="http://schemas.openxmlformats.org/officeDocument/2006/math">
+                    <m:sSub>
+                      <m:sSubPr>
+                        <m:ctrlPr>
+                          <a:rPr lang="en-US" i="1">
+                            <a:latin typeface="Cambria Math" panose="02040503050406030204" pitchFamily="18" charset="0"/>
+                          </a:rPr>
+                        </m:ctrlPr>
+                      </m:sSubPr>
+                      <m:e>
+                        <m:r>
+                          <a:rPr lang="en-US" i="1">
+                            <a:latin typeface="Cambria Math" panose="02040503050406030204" pitchFamily="18" charset="0"/>
+                          </a:rPr>
+                          <m:t>𝑝</m:t>
+                        </m:r>
+                      </m:e>
+                      <m:sub>
+                        <m:r>
+                          <a:rPr lang="en-US" b="0" i="1" smtClean="0">
+                            <a:latin typeface="Cambria Math" panose="02040503050406030204" pitchFamily="18" charset="0"/>
+                          </a:rPr>
+                          <m:t>2</m:t>
+                        </m:r>
+                      </m:sub>
+                    </m:sSub>
+                    <m:r>
+                      <a:rPr lang="en-US" i="1" smtClean="0">
+                        <a:latin typeface="Cambria Math" panose="02040503050406030204" pitchFamily="18" charset="0"/>
+                      </a:rPr>
+                      <m:t>+ </m:t>
+                    </m:r>
+                    <m:f>
+                      <m:fPr>
+                        <m:ctrlPr>
+                          <a:rPr lang="en-US" i="1">
+                            <a:latin typeface="Cambria Math" panose="02040503050406030204" pitchFamily="18" charset="0"/>
+                          </a:rPr>
+                        </m:ctrlPr>
+                      </m:fPr>
+                      <m:num>
+                        <m:r>
+                          <a:rPr lang="en-US" i="1">
+                            <a:latin typeface="Cambria Math" panose="02040503050406030204" pitchFamily="18" charset="0"/>
+                          </a:rPr>
+                          <m:t>1</m:t>
+                        </m:r>
+                      </m:num>
+                      <m:den>
+                        <m:r>
+                          <a:rPr lang="en-US" i="1">
+                            <a:latin typeface="Cambria Math" panose="02040503050406030204" pitchFamily="18" charset="0"/>
+                          </a:rPr>
+                          <m:t>2</m:t>
+                        </m:r>
+                      </m:den>
+                    </m:f>
+                    <m:r>
+                      <a:rPr lang="en-US" i="1" smtClean="0">
+                        <a:latin typeface="Cambria Math" panose="02040503050406030204" pitchFamily="18" charset="0"/>
+                        <a:ea typeface="Cambria Math" panose="02040503050406030204" pitchFamily="18" charset="0"/>
+                      </a:rPr>
+                      <m:t>𝜌</m:t>
+                    </m:r>
+                    <m:sSubSup>
+                      <m:sSubSupPr>
+                        <m:ctrlPr>
+                          <a:rPr lang="en-US" i="1" smtClean="0">
+                            <a:latin typeface="Cambria Math" panose="02040503050406030204" pitchFamily="18" charset="0"/>
+                            <a:ea typeface="Cambria Math" panose="02040503050406030204" pitchFamily="18" charset="0"/>
+                          </a:rPr>
+                        </m:ctrlPr>
+                      </m:sSubSupPr>
+                      <m:e>
+                        <m:r>
+                          <a:rPr lang="en-US" i="1">
+                            <a:latin typeface="Cambria Math" panose="02040503050406030204" pitchFamily="18" charset="0"/>
+                            <a:ea typeface="Cambria Math" panose="02040503050406030204" pitchFamily="18" charset="0"/>
+                          </a:rPr>
+                          <m:t>𝑣</m:t>
+                        </m:r>
+                      </m:e>
+                      <m:sub>
+                        <m:r>
+                          <a:rPr lang="en-US" b="0" i="1" smtClean="0">
+                            <a:latin typeface="Cambria Math" panose="02040503050406030204" pitchFamily="18" charset="0"/>
+                            <a:ea typeface="Cambria Math" panose="02040503050406030204" pitchFamily="18" charset="0"/>
+                          </a:rPr>
+                          <m:t>2</m:t>
+                        </m:r>
+                      </m:sub>
+                      <m:sup>
+                        <m:r>
+                          <a:rPr lang="en-US" i="1">
+                            <a:latin typeface="Cambria Math" panose="02040503050406030204" pitchFamily="18" charset="0"/>
+                            <a:ea typeface="Cambria Math" panose="02040503050406030204" pitchFamily="18" charset="0"/>
+                          </a:rPr>
+                          <m:t>2</m:t>
+                        </m:r>
+                      </m:sup>
+                    </m:sSubSup>
+                  </m:oMath>
+                </a14:m>
+                <a:endParaRPr lang="en-GB" dirty="0">
+                  <a:ea typeface="Cambria Math" panose="02040503050406030204" pitchFamily="18" charset="0"/>
+                </a:endParaRPr>
+              </a:p>
+              <a:p>
+                <a:pPr/>
+                <a14:m>
+                  <m:oMathPara xmlns:m="http://schemas.openxmlformats.org/officeDocument/2006/math">
+                    <m:oMathParaPr>
+                      <m:jc m:val="centerGroup"/>
+                    </m:oMathParaPr>
+                    <m:oMath xmlns:m="http://schemas.openxmlformats.org/officeDocument/2006/math">
+                      <m:sSub>
+                        <m:sSubPr>
+                          <m:ctrlPr>
+                            <a:rPr lang="en-US" b="0" i="1" smtClean="0">
+                              <a:latin typeface="Cambria Math" panose="02040503050406030204" pitchFamily="18" charset="0"/>
+                              <a:ea typeface="Cambria Math" panose="02040503050406030204" pitchFamily="18" charset="0"/>
+                            </a:rPr>
+                          </m:ctrlPr>
+                        </m:sSubPr>
+                        <m:e>
+                          <m:r>
+                            <a:rPr lang="en-US" b="0" i="1" smtClean="0">
+                              <a:latin typeface="Cambria Math" panose="02040503050406030204" pitchFamily="18" charset="0"/>
+                              <a:ea typeface="Cambria Math" panose="02040503050406030204" pitchFamily="18" charset="0"/>
+                            </a:rPr>
+                            <m:t>𝑝</m:t>
+                          </m:r>
+                        </m:e>
+                        <m:sub>
+                          <m:r>
+                            <a:rPr lang="en-US" b="0" i="1" smtClean="0">
+                              <a:latin typeface="Cambria Math" panose="02040503050406030204" pitchFamily="18" charset="0"/>
+                              <a:ea typeface="Cambria Math" panose="02040503050406030204" pitchFamily="18" charset="0"/>
+                            </a:rPr>
+                            <m:t>2</m:t>
+                          </m:r>
+                        </m:sub>
+                      </m:sSub>
+                      <m:r>
+                        <a:rPr lang="en-US" b="0" i="1" smtClean="0">
+                          <a:latin typeface="Cambria Math" panose="02040503050406030204" pitchFamily="18" charset="0"/>
+                          <a:ea typeface="Cambria Math" panose="02040503050406030204" pitchFamily="18" charset="0"/>
+                        </a:rPr>
+                        <m:t>−</m:t>
+                      </m:r>
+                      <m:sSub>
+                        <m:sSubPr>
+                          <m:ctrlPr>
+                            <a:rPr lang="en-US" b="0" i="1" smtClean="0">
+                              <a:latin typeface="Cambria Math" panose="02040503050406030204" pitchFamily="18" charset="0"/>
+                              <a:ea typeface="Cambria Math" panose="02040503050406030204" pitchFamily="18" charset="0"/>
+                            </a:rPr>
+                          </m:ctrlPr>
+                        </m:sSubPr>
+                        <m:e>
+                          <m:r>
+                            <a:rPr lang="en-US" b="0" i="1" smtClean="0">
+                              <a:latin typeface="Cambria Math" panose="02040503050406030204" pitchFamily="18" charset="0"/>
+                              <a:ea typeface="Cambria Math" panose="02040503050406030204" pitchFamily="18" charset="0"/>
+                            </a:rPr>
+                            <m:t>𝑝</m:t>
+                          </m:r>
+                        </m:e>
+                        <m:sub>
+                          <m:r>
+                            <a:rPr lang="en-US" b="0" i="1" smtClean="0">
+                              <a:latin typeface="Cambria Math" panose="02040503050406030204" pitchFamily="18" charset="0"/>
+                              <a:ea typeface="Cambria Math" panose="02040503050406030204" pitchFamily="18" charset="0"/>
+                            </a:rPr>
+                            <m:t>1</m:t>
+                          </m:r>
+                        </m:sub>
+                      </m:sSub>
+                      <m:r>
+                        <a:rPr lang="en-US" b="0" i="1" smtClean="0">
+                          <a:latin typeface="Cambria Math" panose="02040503050406030204" pitchFamily="18" charset="0"/>
+                          <a:ea typeface="Cambria Math" panose="02040503050406030204" pitchFamily="18" charset="0"/>
+                        </a:rPr>
+                        <m:t>= </m:t>
+                      </m:r>
+                      <m:f>
+                        <m:fPr>
+                          <m:ctrlPr>
+                            <a:rPr lang="en-US" i="1">
+                              <a:latin typeface="Cambria Math" panose="02040503050406030204" pitchFamily="18" charset="0"/>
+                            </a:rPr>
+                          </m:ctrlPr>
+                        </m:fPr>
+                        <m:num>
+                          <m:r>
+                            <a:rPr lang="en-US" i="1">
+                              <a:latin typeface="Cambria Math" panose="02040503050406030204" pitchFamily="18" charset="0"/>
+                            </a:rPr>
+                            <m:t>1</m:t>
+                          </m:r>
+                        </m:num>
+                        <m:den>
+                          <m:r>
+                            <a:rPr lang="en-US" i="1">
+                              <a:latin typeface="Cambria Math" panose="02040503050406030204" pitchFamily="18" charset="0"/>
+                            </a:rPr>
+                            <m:t>2</m:t>
+                          </m:r>
+                        </m:den>
+                      </m:f>
+                      <m:r>
+                        <a:rPr lang="en-US" i="1">
+                          <a:latin typeface="Cambria Math" panose="02040503050406030204" pitchFamily="18" charset="0"/>
+                          <a:ea typeface="Cambria Math" panose="02040503050406030204" pitchFamily="18" charset="0"/>
+                        </a:rPr>
+                        <m:t>𝜌</m:t>
+                      </m:r>
+                      <m:d>
+                        <m:dPr>
+                          <m:ctrlPr>
+                            <a:rPr lang="en-US" b="0" i="1" smtClean="0">
+                              <a:latin typeface="Cambria Math" panose="02040503050406030204" pitchFamily="18" charset="0"/>
+                              <a:ea typeface="Cambria Math" panose="02040503050406030204" pitchFamily="18" charset="0"/>
+                            </a:rPr>
+                          </m:ctrlPr>
+                        </m:dPr>
+                        <m:e>
+                          <m:sSubSup>
+                            <m:sSubSupPr>
+                              <m:ctrlPr>
+                                <a:rPr lang="en-US" i="1">
+                                  <a:latin typeface="Cambria Math" panose="02040503050406030204" pitchFamily="18" charset="0"/>
+                                  <a:ea typeface="Cambria Math" panose="02040503050406030204" pitchFamily="18" charset="0"/>
+                                </a:rPr>
+                              </m:ctrlPr>
+                            </m:sSubSupPr>
+                            <m:e>
+                              <m:r>
+                                <a:rPr lang="en-US" i="1">
+                                  <a:latin typeface="Cambria Math" panose="02040503050406030204" pitchFamily="18" charset="0"/>
+                                  <a:ea typeface="Cambria Math" panose="02040503050406030204" pitchFamily="18" charset="0"/>
+                                </a:rPr>
+                                <m:t>𝑣</m:t>
+                              </m:r>
+                            </m:e>
+                            <m:sub>
+                              <m:r>
+                                <a:rPr lang="en-US" b="0" i="1" smtClean="0">
+                                  <a:latin typeface="Cambria Math" panose="02040503050406030204" pitchFamily="18" charset="0"/>
+                                  <a:ea typeface="Cambria Math" panose="02040503050406030204" pitchFamily="18" charset="0"/>
+                                </a:rPr>
+                                <m:t>1</m:t>
+                              </m:r>
+                            </m:sub>
+                            <m:sup>
+                              <m:r>
+                                <a:rPr lang="en-US" i="1">
+                                  <a:latin typeface="Cambria Math" panose="02040503050406030204" pitchFamily="18" charset="0"/>
+                                  <a:ea typeface="Cambria Math" panose="02040503050406030204" pitchFamily="18" charset="0"/>
+                                </a:rPr>
+                                <m:t>2</m:t>
+                              </m:r>
+                            </m:sup>
+                          </m:sSubSup>
+                          <m:r>
+                            <a:rPr lang="en-US" b="0" i="1" smtClean="0">
+                              <a:latin typeface="Cambria Math" panose="02040503050406030204" pitchFamily="18" charset="0"/>
+                              <a:ea typeface="Cambria Math" panose="02040503050406030204" pitchFamily="18" charset="0"/>
+                            </a:rPr>
+                            <m:t>−</m:t>
+                          </m:r>
+                          <m:sSubSup>
+                            <m:sSubSupPr>
+                              <m:ctrlPr>
+                                <a:rPr lang="en-US" i="1">
+                                  <a:latin typeface="Cambria Math" panose="02040503050406030204" pitchFamily="18" charset="0"/>
+                                  <a:ea typeface="Cambria Math" panose="02040503050406030204" pitchFamily="18" charset="0"/>
+                                </a:rPr>
+                              </m:ctrlPr>
+                            </m:sSubSupPr>
+                            <m:e>
+                              <m:r>
+                                <a:rPr lang="en-US" i="1">
+                                  <a:latin typeface="Cambria Math" panose="02040503050406030204" pitchFamily="18" charset="0"/>
+                                  <a:ea typeface="Cambria Math" panose="02040503050406030204" pitchFamily="18" charset="0"/>
+                                </a:rPr>
+                                <m:t>𝑣</m:t>
+                              </m:r>
+                            </m:e>
+                            <m:sub>
+                              <m:r>
+                                <a:rPr lang="en-US" b="0" i="1" smtClean="0">
+                                  <a:latin typeface="Cambria Math" panose="02040503050406030204" pitchFamily="18" charset="0"/>
+                                  <a:ea typeface="Cambria Math" panose="02040503050406030204" pitchFamily="18" charset="0"/>
+                                </a:rPr>
+                                <m:t>2</m:t>
+                              </m:r>
+                            </m:sub>
+                            <m:sup>
+                              <m:r>
+                                <a:rPr lang="en-US" i="1">
+                                  <a:latin typeface="Cambria Math" panose="02040503050406030204" pitchFamily="18" charset="0"/>
+                                  <a:ea typeface="Cambria Math" panose="02040503050406030204" pitchFamily="18" charset="0"/>
+                                </a:rPr>
+                                <m:t>2</m:t>
+                              </m:r>
+                            </m:sup>
+                          </m:sSubSup>
+                        </m:e>
+                      </m:d>
+                    </m:oMath>
+                  </m:oMathPara>
+                </a14:m>
+                <a:endParaRPr lang="en-US" b="0" dirty="0">
+                  <a:ea typeface="Cambria Math" panose="02040503050406030204" pitchFamily="18" charset="0"/>
+                </a:endParaRPr>
+              </a:p>
+              <a:p>
+                <a:pPr/>
+                <a14:m>
+                  <m:oMathPara xmlns:m="http://schemas.openxmlformats.org/officeDocument/2006/math">
+                    <m:oMathParaPr>
+                      <m:jc m:val="centerGroup"/>
+                    </m:oMathParaPr>
+                    <m:oMath xmlns:m="http://schemas.openxmlformats.org/officeDocument/2006/math">
+                      <m:sSub>
+                        <m:sSubPr>
+                          <m:ctrlPr>
+                            <a:rPr lang="en-US" b="0" i="1" smtClean="0">
+                              <a:latin typeface="Cambria Math" panose="02040503050406030204" pitchFamily="18" charset="0"/>
+                              <a:ea typeface="Cambria Math" panose="02040503050406030204" pitchFamily="18" charset="0"/>
+                            </a:rPr>
+                          </m:ctrlPr>
+                        </m:sSubPr>
+                        <m:e>
+                          <m:r>
+                            <a:rPr lang="en-US" b="0" i="1" smtClean="0">
+                              <a:latin typeface="Cambria Math" panose="02040503050406030204" pitchFamily="18" charset="0"/>
+                              <a:ea typeface="Cambria Math" panose="02040503050406030204" pitchFamily="18" charset="0"/>
+                            </a:rPr>
+                            <m:t>𝑣</m:t>
+                          </m:r>
+                        </m:e>
+                        <m:sub>
+                          <m:r>
+                            <a:rPr lang="en-US" b="0" i="1" smtClean="0">
+                              <a:latin typeface="Cambria Math" panose="02040503050406030204" pitchFamily="18" charset="0"/>
+                              <a:ea typeface="Cambria Math" panose="02040503050406030204" pitchFamily="18" charset="0"/>
+                            </a:rPr>
+                            <m:t>2</m:t>
+                          </m:r>
+                        </m:sub>
+                      </m:sSub>
+                      <m:r>
+                        <a:rPr lang="en-US" b="0" i="1" smtClean="0">
+                          <a:latin typeface="Cambria Math" panose="02040503050406030204" pitchFamily="18" charset="0"/>
+                          <a:ea typeface="Cambria Math" panose="02040503050406030204" pitchFamily="18" charset="0"/>
+                        </a:rPr>
+                        <m:t>&gt;</m:t>
+                      </m:r>
+                      <m:sSub>
+                        <m:sSubPr>
+                          <m:ctrlPr>
+                            <a:rPr lang="en-US" b="0" i="1" smtClean="0">
+                              <a:latin typeface="Cambria Math" panose="02040503050406030204" pitchFamily="18" charset="0"/>
+                              <a:ea typeface="Cambria Math" panose="02040503050406030204" pitchFamily="18" charset="0"/>
+                            </a:rPr>
+                          </m:ctrlPr>
+                        </m:sSubPr>
+                        <m:e>
+                          <m:r>
+                            <a:rPr lang="en-US" b="0" i="1" smtClean="0">
+                              <a:latin typeface="Cambria Math" panose="02040503050406030204" pitchFamily="18" charset="0"/>
+                              <a:ea typeface="Cambria Math" panose="02040503050406030204" pitchFamily="18" charset="0"/>
+                            </a:rPr>
+                            <m:t>𝑣</m:t>
+                          </m:r>
+                        </m:e>
+                        <m:sub>
+                          <m:r>
+                            <a:rPr lang="en-US" b="0" i="1" smtClean="0">
+                              <a:latin typeface="Cambria Math" panose="02040503050406030204" pitchFamily="18" charset="0"/>
+                              <a:ea typeface="Cambria Math" panose="02040503050406030204" pitchFamily="18" charset="0"/>
+                            </a:rPr>
+                            <m:t>1</m:t>
+                          </m:r>
+                        </m:sub>
+                      </m:sSub>
+                      <m:r>
+                        <a:rPr lang="en-US" b="0" i="1" smtClean="0">
+                          <a:latin typeface="Cambria Math" panose="02040503050406030204" pitchFamily="18" charset="0"/>
+                          <a:ea typeface="Cambria Math" panose="02040503050406030204" pitchFamily="18" charset="0"/>
+                        </a:rPr>
+                        <m:t>⇒</m:t>
+                      </m:r>
+                      <m:sSub>
+                        <m:sSubPr>
+                          <m:ctrlPr>
+                            <a:rPr lang="en-US" b="0" i="1" smtClean="0">
+                              <a:latin typeface="Cambria Math" panose="02040503050406030204" pitchFamily="18" charset="0"/>
+                              <a:ea typeface="Cambria Math" panose="02040503050406030204" pitchFamily="18" charset="0"/>
+                            </a:rPr>
+                          </m:ctrlPr>
+                        </m:sSubPr>
+                        <m:e>
+                          <m:r>
+                            <a:rPr lang="en-US" b="0" i="1" smtClean="0">
+                              <a:latin typeface="Cambria Math" panose="02040503050406030204" pitchFamily="18" charset="0"/>
+                              <a:ea typeface="Cambria Math" panose="02040503050406030204" pitchFamily="18" charset="0"/>
+                            </a:rPr>
+                            <m:t>𝑝</m:t>
+                          </m:r>
+                        </m:e>
+                        <m:sub>
+                          <m:r>
+                            <a:rPr lang="en-US" b="0" i="1" smtClean="0">
+                              <a:latin typeface="Cambria Math" panose="02040503050406030204" pitchFamily="18" charset="0"/>
+                              <a:ea typeface="Cambria Math" panose="02040503050406030204" pitchFamily="18" charset="0"/>
+                            </a:rPr>
+                            <m:t>2</m:t>
+                          </m:r>
+                        </m:sub>
+                      </m:sSub>
+                      <m:r>
+                        <a:rPr lang="en-US" b="0" i="1" smtClean="0">
+                          <a:latin typeface="Cambria Math" panose="02040503050406030204" pitchFamily="18" charset="0"/>
+                          <a:ea typeface="Cambria Math" panose="02040503050406030204" pitchFamily="18" charset="0"/>
+                        </a:rPr>
+                        <m:t>&lt;</m:t>
+                      </m:r>
+                      <m:sSub>
+                        <m:sSubPr>
+                          <m:ctrlPr>
+                            <a:rPr lang="en-US" b="0" i="1" smtClean="0">
+                              <a:latin typeface="Cambria Math" panose="02040503050406030204" pitchFamily="18" charset="0"/>
+                              <a:ea typeface="Cambria Math" panose="02040503050406030204" pitchFamily="18" charset="0"/>
+                            </a:rPr>
+                          </m:ctrlPr>
+                        </m:sSubPr>
+                        <m:e>
+                          <m:r>
+                            <a:rPr lang="en-US" b="0" i="1" smtClean="0">
+                              <a:latin typeface="Cambria Math" panose="02040503050406030204" pitchFamily="18" charset="0"/>
+                              <a:ea typeface="Cambria Math" panose="02040503050406030204" pitchFamily="18" charset="0"/>
+                            </a:rPr>
+                            <m:t>𝑝</m:t>
+                          </m:r>
+                        </m:e>
+                        <m:sub>
+                          <m:r>
+                            <a:rPr lang="en-US" b="0" i="1" smtClean="0">
+                              <a:latin typeface="Cambria Math" panose="02040503050406030204" pitchFamily="18" charset="0"/>
+                              <a:ea typeface="Cambria Math" panose="02040503050406030204" pitchFamily="18" charset="0"/>
+                            </a:rPr>
+                            <m:t>1</m:t>
+                          </m:r>
+                        </m:sub>
+                      </m:sSub>
+                    </m:oMath>
+                  </m:oMathPara>
+                </a14:m>
+                <a:endParaRPr lang="en-US" b="0" dirty="0">
+                  <a:ea typeface="Cambria Math" panose="02040503050406030204" pitchFamily="18" charset="0"/>
+                </a:endParaRPr>
+              </a:p>
+            </p:txBody>
+          </p:sp>
+        </mc:Choice>
+        <mc:Fallback xmlns="">
+          <p:sp>
+            <p:nvSpPr>
+              <p:cNvPr id="6" name="TextBox 5">
+                <a:extLst>
+                  <a:ext uri="{FF2B5EF4-FFF2-40B4-BE49-F238E27FC236}">
+                    <a16:creationId xmlns:a16="http://schemas.microsoft.com/office/drawing/2014/main" id="{118A9101-95F1-4CF1-87E9-5AAC2DE7EFAE}"/>
+                  </a:ext>
+                </a:extLst>
+              </p:cNvPr>
+              <p:cNvSpPr txBox="1">
+                <a:spLocks noRot="1" noChangeAspect="1" noMove="1" noResize="1" noEditPoints="1" noAdjustHandles="1" noChangeArrowheads="1" noChangeShapeType="1" noTextEdit="1"/>
+              </p:cNvSpPr>
+              <p:nvPr/>
+            </p:nvSpPr>
+            <p:spPr>
+              <a:xfrm>
+                <a:off x="1261872" y="5213172"/>
+                <a:ext cx="2670475" cy="1279068"/>
+              </a:xfrm>
+              <a:prstGeom prst="rect">
+                <a:avLst/>
+              </a:prstGeom>
+              <a:blipFill>
+                <a:blip r:embed="rId5"/>
+                <a:stretch>
+                  <a:fillRect b="-2381"/>
+                </a:stretch>
+              </a:blipFill>
+            </p:spPr>
+            <p:txBody>
+              <a:bodyPr/>
+              <a:lstStyle/>
+              <a:p>
+                <a:r>
+                  <a:rPr lang="en-GB">
+                    <a:noFill/>
+                  </a:rPr>
+                  <a:t> </a:t>
+                </a:r>
+              </a:p>
+            </p:txBody>
+          </p:sp>
+        </mc:Fallback>
+      </mc:AlternateContent>
+      <mc:AlternateContent xmlns:mc="http://schemas.openxmlformats.org/markup-compatibility/2006" xmlns:a14="http://schemas.microsoft.com/office/drawing/2010/main">
+        <mc:Choice Requires="a14">
+          <p:sp>
+            <p:nvSpPr>
+              <p:cNvPr id="10" name="TextBox 9">
+                <a:extLst>
+                  <a:ext uri="{FF2B5EF4-FFF2-40B4-BE49-F238E27FC236}">
+                    <a16:creationId xmlns:a16="http://schemas.microsoft.com/office/drawing/2014/main" id="{DA969125-D124-4ECC-85E9-5DEC0B1C3EBA}"/>
+                  </a:ext>
+                </a:extLst>
+              </p:cNvPr>
+              <p:cNvSpPr txBox="1"/>
+              <p:nvPr/>
+            </p:nvSpPr>
+            <p:spPr>
+              <a:xfrm>
+                <a:off x="5444587" y="5580695"/>
+                <a:ext cx="4916667" cy="942117"/>
+              </a:xfrm>
+              <a:prstGeom prst="rect">
+                <a:avLst/>
+              </a:prstGeom>
+              <a:noFill/>
+            </p:spPr>
+            <p:txBody>
+              <a:bodyPr wrap="none" rtlCol="0">
+                <a:spAutoFit/>
+              </a:bodyPr>
+              <a:lstStyle/>
+              <a:p>
+                <a:pPr/>
+                <a14:m>
+                  <m:oMathPara xmlns:m="http://schemas.openxmlformats.org/officeDocument/2006/math">
+                    <m:oMathParaPr>
+                      <m:jc m:val="centerGroup"/>
+                    </m:oMathParaPr>
+                    <m:oMath xmlns:m="http://schemas.openxmlformats.org/officeDocument/2006/math">
+                      <m:f>
+                        <m:fPr>
+                          <m:ctrlPr>
+                            <a:rPr lang="en-GB" i="1" smtClean="0">
+                              <a:latin typeface="Cambria Math" panose="02040503050406030204" pitchFamily="18" charset="0"/>
+                            </a:rPr>
+                          </m:ctrlPr>
+                        </m:fPr>
+                        <m:num>
+                          <m:r>
+                            <a:rPr lang="en-US" b="0" i="1" smtClean="0">
+                              <a:latin typeface="Cambria Math" panose="02040503050406030204" pitchFamily="18" charset="0"/>
+                            </a:rPr>
+                            <m:t>𝑑h</m:t>
+                          </m:r>
+                        </m:num>
+                        <m:den>
+                          <m:r>
+                            <a:rPr lang="en-US" b="0" i="1" smtClean="0">
+                              <a:latin typeface="Cambria Math" panose="02040503050406030204" pitchFamily="18" charset="0"/>
+                            </a:rPr>
+                            <m:t>𝑑𝑝</m:t>
+                          </m:r>
+                        </m:den>
+                      </m:f>
+                      <m:r>
+                        <a:rPr lang="en-US" b="0" i="1" smtClean="0">
+                          <a:latin typeface="Cambria Math" panose="02040503050406030204" pitchFamily="18" charset="0"/>
+                        </a:rPr>
+                        <m:t>=</m:t>
+                      </m:r>
+                      <m:f>
+                        <m:fPr>
+                          <m:ctrlPr>
+                            <a:rPr lang="en-US" b="0" i="1" smtClean="0">
+                              <a:latin typeface="Cambria Math" panose="02040503050406030204" pitchFamily="18" charset="0"/>
+                            </a:rPr>
+                          </m:ctrlPr>
+                        </m:fPr>
+                        <m:num>
+                          <m:r>
+                            <a:rPr lang="en-US" b="0" i="1" smtClean="0">
+                              <a:latin typeface="Cambria Math" panose="02040503050406030204" pitchFamily="18" charset="0"/>
+                            </a:rPr>
+                            <m:t>1</m:t>
+                          </m:r>
+                        </m:num>
+                        <m:den>
+                          <m:r>
+                            <a:rPr lang="en-US" i="1">
+                              <a:latin typeface="Cambria Math" panose="02040503050406030204" pitchFamily="18" charset="0"/>
+                            </a:rPr>
+                            <m:t>−</m:t>
+                          </m:r>
+                          <m:r>
+                            <a:rPr lang="en-US" i="1">
+                              <a:latin typeface="Cambria Math" panose="02040503050406030204" pitchFamily="18" charset="0"/>
+                              <a:ea typeface="Cambria Math" panose="02040503050406030204" pitchFamily="18" charset="0"/>
+                            </a:rPr>
+                            <m:t>𝜌</m:t>
+                          </m:r>
+                          <m:r>
+                            <a:rPr lang="en-US" i="1">
+                              <a:latin typeface="Cambria Math" panose="02040503050406030204" pitchFamily="18" charset="0"/>
+                              <a:ea typeface="Cambria Math" panose="02040503050406030204" pitchFamily="18" charset="0"/>
+                            </a:rPr>
+                            <m:t>h</m:t>
+                          </m:r>
+                        </m:den>
+                      </m:f>
+                      <m:r>
+                        <a:rPr lang="en-US" b="0" i="1" smtClean="0">
+                          <a:latin typeface="Cambria Math" panose="02040503050406030204" pitchFamily="18" charset="0"/>
+                          <a:ea typeface="Cambria Math" panose="02040503050406030204" pitchFamily="18" charset="0"/>
+                        </a:rPr>
+                        <m:t>=</m:t>
+                      </m:r>
+                      <m:f>
+                        <m:fPr>
+                          <m:ctrlPr>
+                            <a:rPr lang="en-US" b="0" i="1" smtClean="0">
+                              <a:latin typeface="Cambria Math" panose="02040503050406030204" pitchFamily="18" charset="0"/>
+                              <a:ea typeface="Cambria Math" panose="02040503050406030204" pitchFamily="18" charset="0"/>
+                            </a:rPr>
+                          </m:ctrlPr>
+                        </m:fPr>
+                        <m:num>
+                          <m:r>
+                            <a:rPr lang="en-US" b="0" i="1" smtClean="0">
+                              <a:latin typeface="Cambria Math" panose="02040503050406030204" pitchFamily="18" charset="0"/>
+                              <a:ea typeface="Cambria Math" panose="02040503050406030204" pitchFamily="18" charset="0"/>
+                            </a:rPr>
+                            <m:t>1</m:t>
+                          </m:r>
+                        </m:num>
+                        <m:den>
+                          <m:r>
+                            <a:rPr lang="en-US" i="1">
+                              <a:latin typeface="Cambria Math" panose="02040503050406030204" pitchFamily="18" charset="0"/>
+                              <a:ea typeface="Cambria Math" panose="02040503050406030204" pitchFamily="18" charset="0"/>
+                            </a:rPr>
+                            <m:t>−1.644 ∗9.81</m:t>
+                          </m:r>
+                        </m:den>
+                      </m:f>
+                      <m:r>
+                        <a:rPr lang="en-US" b="0" i="1" smtClean="0">
+                          <a:latin typeface="Cambria Math" panose="02040503050406030204" pitchFamily="18" charset="0"/>
+                          <a:ea typeface="Cambria Math" panose="02040503050406030204" pitchFamily="18" charset="0"/>
+                        </a:rPr>
+                        <m:t>=−0.00875 </m:t>
+                      </m:r>
+                      <m:r>
+                        <a:rPr lang="en-US" b="0" i="1" smtClean="0">
+                          <a:latin typeface="Cambria Math" panose="02040503050406030204" pitchFamily="18" charset="0"/>
+                          <a:ea typeface="Cambria Math" panose="02040503050406030204" pitchFamily="18" charset="0"/>
+                        </a:rPr>
+                        <m:t>𝑚</m:t>
+                      </m:r>
+                      <m:r>
+                        <a:rPr lang="en-US" b="0" i="1" smtClean="0">
+                          <a:latin typeface="Cambria Math" panose="02040503050406030204" pitchFamily="18" charset="0"/>
+                          <a:ea typeface="Cambria Math" panose="02040503050406030204" pitchFamily="18" charset="0"/>
+                        </a:rPr>
+                        <m:t>/</m:t>
+                      </m:r>
+                      <m:r>
+                        <a:rPr lang="en-US" b="0" i="1" smtClean="0">
+                          <a:latin typeface="Cambria Math" panose="02040503050406030204" pitchFamily="18" charset="0"/>
+                          <a:ea typeface="Cambria Math" panose="02040503050406030204" pitchFamily="18" charset="0"/>
+                        </a:rPr>
+                        <m:t>𝑃𝑎</m:t>
+                      </m:r>
+                    </m:oMath>
+                  </m:oMathPara>
+                </a14:m>
+                <a:endParaRPr lang="en-US" b="0" dirty="0">
+                  <a:ea typeface="Cambria Math" panose="02040503050406030204" pitchFamily="18" charset="0"/>
+                </a:endParaRPr>
+              </a:p>
+              <a:p>
+                <a:pPr/>
+                <a14:m>
+                  <m:oMathPara xmlns:m="http://schemas.openxmlformats.org/officeDocument/2006/math">
+                    <m:oMathParaPr>
+                      <m:jc m:val="centerGroup"/>
+                    </m:oMathParaPr>
+                    <m:oMath xmlns:m="http://schemas.openxmlformats.org/officeDocument/2006/math">
+                      <m:r>
+                        <a:rPr lang="en-GB" i="1" smtClean="0">
+                          <a:latin typeface="Cambria Math" panose="02040503050406030204" pitchFamily="18" charset="0"/>
+                          <a:ea typeface="Cambria Math" panose="02040503050406030204" pitchFamily="18" charset="0"/>
+                        </a:rPr>
+                        <m:t>∆</m:t>
+                      </m:r>
+                      <m:r>
+                        <a:rPr lang="en-US" b="0" i="1" smtClean="0">
+                          <a:latin typeface="Cambria Math" panose="02040503050406030204" pitchFamily="18" charset="0"/>
+                          <a:ea typeface="Cambria Math" panose="02040503050406030204" pitchFamily="18" charset="0"/>
+                        </a:rPr>
+                        <m:t>𝑝</m:t>
+                      </m:r>
+                      <m:r>
+                        <a:rPr lang="en-US" b="0" i="1" smtClean="0">
+                          <a:latin typeface="Cambria Math" panose="02040503050406030204" pitchFamily="18" charset="0"/>
+                          <a:ea typeface="Cambria Math" panose="02040503050406030204" pitchFamily="18" charset="0"/>
+                        </a:rPr>
+                        <m:t>=33 </m:t>
+                      </m:r>
+                      <m:r>
+                        <a:rPr lang="en-US" b="0" i="1" smtClean="0">
+                          <a:latin typeface="Cambria Math" panose="02040503050406030204" pitchFamily="18" charset="0"/>
+                          <a:ea typeface="Cambria Math" panose="02040503050406030204" pitchFamily="18" charset="0"/>
+                        </a:rPr>
+                        <m:t>𝑃𝑎</m:t>
+                      </m:r>
+                      <m:r>
+                        <a:rPr lang="en-US" b="0" i="1" smtClean="0">
+                          <a:latin typeface="Cambria Math" panose="02040503050406030204" pitchFamily="18" charset="0"/>
+                          <a:ea typeface="Cambria Math" panose="02040503050406030204" pitchFamily="18" charset="0"/>
+                        </a:rPr>
+                        <m:t> ∴ ∆</m:t>
+                      </m:r>
+                      <m:r>
+                        <a:rPr lang="en-US" b="0" i="1" smtClean="0">
+                          <a:latin typeface="Cambria Math" panose="02040503050406030204" pitchFamily="18" charset="0"/>
+                          <a:ea typeface="Cambria Math" panose="02040503050406030204" pitchFamily="18" charset="0"/>
+                        </a:rPr>
+                        <m:t>h</m:t>
+                      </m:r>
+                      <m:r>
+                        <a:rPr lang="en-US" b="0" i="1" smtClean="0">
+                          <a:latin typeface="Cambria Math" panose="02040503050406030204" pitchFamily="18" charset="0"/>
+                          <a:ea typeface="Cambria Math" panose="02040503050406030204" pitchFamily="18" charset="0"/>
+                        </a:rPr>
+                        <m:t>=2.89</m:t>
+                      </m:r>
+                      <m:r>
+                        <a:rPr lang="en-US" b="0" i="1" smtClean="0">
+                          <a:latin typeface="Cambria Math" panose="02040503050406030204" pitchFamily="18" charset="0"/>
+                          <a:ea typeface="Cambria Math" panose="02040503050406030204" pitchFamily="18" charset="0"/>
+                        </a:rPr>
+                        <m:t>𝑚</m:t>
+                      </m:r>
+                      <m:r>
+                        <a:rPr lang="en-US" b="0" i="1" smtClean="0">
+                          <a:latin typeface="Cambria Math" panose="02040503050406030204" pitchFamily="18" charset="0"/>
+                          <a:ea typeface="Cambria Math" panose="02040503050406030204" pitchFamily="18" charset="0"/>
+                        </a:rPr>
+                        <m:t> ±0.8</m:t>
+                      </m:r>
+                      <m:r>
+                        <a:rPr lang="en-US" b="0" i="1" smtClean="0">
+                          <a:latin typeface="Cambria Math" panose="02040503050406030204" pitchFamily="18" charset="0"/>
+                          <a:ea typeface="Cambria Math" panose="02040503050406030204" pitchFamily="18" charset="0"/>
+                        </a:rPr>
+                        <m:t>𝑚</m:t>
+                      </m:r>
+                    </m:oMath>
+                  </m:oMathPara>
+                </a14:m>
+                <a:endParaRPr lang="en-GB" dirty="0"/>
+              </a:p>
+            </p:txBody>
+          </p:sp>
+        </mc:Choice>
+        <mc:Fallback xmlns="">
+          <p:sp>
+            <p:nvSpPr>
+              <p:cNvPr id="10" name="TextBox 9">
+                <a:extLst>
+                  <a:ext uri="{FF2B5EF4-FFF2-40B4-BE49-F238E27FC236}">
+                    <a16:creationId xmlns:a16="http://schemas.microsoft.com/office/drawing/2014/main" id="{DA969125-D124-4ECC-85E9-5DEC0B1C3EBA}"/>
+                  </a:ext>
+                </a:extLst>
+              </p:cNvPr>
+              <p:cNvSpPr txBox="1">
+                <a:spLocks noRot="1" noChangeAspect="1" noMove="1" noResize="1" noEditPoints="1" noAdjustHandles="1" noChangeArrowheads="1" noChangeShapeType="1" noTextEdit="1"/>
+              </p:cNvSpPr>
+              <p:nvPr/>
+            </p:nvSpPr>
+            <p:spPr>
+              <a:xfrm>
+                <a:off x="5444587" y="5580695"/>
+                <a:ext cx="4916667" cy="942117"/>
+              </a:xfrm>
+              <a:prstGeom prst="rect">
+                <a:avLst/>
+              </a:prstGeom>
+              <a:blipFill>
+                <a:blip r:embed="rId6"/>
+                <a:stretch>
+                  <a:fillRect b="-3226"/>
+                </a:stretch>
+              </a:blipFill>
+            </p:spPr>
+            <p:txBody>
+              <a:bodyPr/>
+              <a:lstStyle/>
+              <a:p>
+                <a:r>
+                  <a:rPr lang="en-GB">
+                    <a:noFill/>
+                  </a:rPr>
+                  <a:t> </a:t>
+                </a:r>
+              </a:p>
+            </p:txBody>
+          </p:sp>
+        </mc:Fallback>
+      </mc:AlternateContent>
+      <p:sp>
+        <p:nvSpPr>
+          <p:cNvPr id="11" name="Content Placeholder 3">
+            <a:extLst>
+              <a:ext uri="{FF2B5EF4-FFF2-40B4-BE49-F238E27FC236}">
+                <a16:creationId xmlns:a16="http://schemas.microsoft.com/office/drawing/2014/main" id="{C8026D21-1FD6-4E06-8F6C-8C75358DC6FC}"/>
+              </a:ext>
+            </a:extLst>
+          </p:cNvPr>
+          <p:cNvSpPr txBox="1">
+            <a:spLocks/>
+          </p:cNvSpPr>
+          <p:nvPr/>
+        </p:nvSpPr>
+        <p:spPr>
+          <a:xfrm>
+            <a:off x="1261872" y="1828801"/>
+            <a:ext cx="2767203" cy="3067050"/>
+          </a:xfrm>
+          <a:prstGeom prst="rect">
+            <a:avLst/>
+          </a:prstGeom>
+        </p:spPr>
+        <p:txBody>
+          <a:bodyPr vert="horz" lIns="91440" tIns="45720" rIns="91440" bIns="45720" rtlCol="0">
+            <a:normAutofit/>
+          </a:bodyPr>
+          <a:lstStyle>
+            <a:lvl1pPr marL="182880" indent="-182880" algn="l" defTabSz="914400" rtl="0" eaLnBrk="1" latinLnBrk="0" hangingPunct="1">
+              <a:lnSpc>
+                <a:spcPct val="95000"/>
+              </a:lnSpc>
+              <a:spcBef>
+                <a:spcPts val="1400"/>
+              </a:spcBef>
+              <a:spcAft>
+                <a:spcPts val="200"/>
+              </a:spcAft>
+              <a:buClr>
+                <a:schemeClr val="accent1"/>
+              </a:buClr>
+              <a:buSzPct val="80000"/>
+              <a:buFont typeface="Arial" pitchFamily="34" charset="0"/>
+              <a:buChar char="•"/>
+              <a:defRPr sz="1800" kern="1200" spc="10" baseline="0">
+                <a:solidFill>
+                  <a:schemeClr val="tx1"/>
+                </a:solidFill>
+                <a:latin typeface="+mn-lt"/>
+                <a:ea typeface="+mn-ea"/>
+                <a:cs typeface="+mn-cs"/>
+              </a:defRPr>
+            </a:lvl1pPr>
+            <a:lvl2pPr marL="457200" indent="-182880" algn="l" defTabSz="914400" rtl="0" eaLnBrk="1" latinLnBrk="0" hangingPunct="1">
+              <a:lnSpc>
+                <a:spcPct val="90000"/>
+              </a:lnSpc>
+              <a:spcBef>
+                <a:spcPts val="300"/>
+              </a:spcBef>
+              <a:spcAft>
+                <a:spcPts val="300"/>
+              </a:spcAft>
+              <a:buClr>
+                <a:schemeClr val="accent1"/>
+              </a:buClr>
+              <a:buFont typeface="Wingdings 2" pitchFamily="18" charset="2"/>
+              <a:buChar char=""/>
+              <a:defRPr sz="1600" kern="1200">
+                <a:solidFill>
+                  <a:schemeClr val="tx1">
+                    <a:lumMod val="85000"/>
+                    <a:lumOff val="15000"/>
+                  </a:schemeClr>
+                </a:solidFill>
+                <a:latin typeface="+mn-lt"/>
+                <a:ea typeface="+mn-ea"/>
+                <a:cs typeface="+mn-cs"/>
+              </a:defRPr>
+            </a:lvl2pPr>
+            <a:lvl3pPr marL="731520" indent="-182880" algn="l" defTabSz="914400" rtl="0" eaLnBrk="1" latinLnBrk="0" hangingPunct="1">
+              <a:lnSpc>
+                <a:spcPct val="90000"/>
+              </a:lnSpc>
+              <a:spcBef>
+                <a:spcPts val="300"/>
+              </a:spcBef>
+              <a:spcAft>
+                <a:spcPts val="300"/>
+              </a:spcAft>
+              <a:buClr>
+                <a:schemeClr val="accent1"/>
+              </a:buClr>
+              <a:buFont typeface="Wingdings 2" pitchFamily="18" charset="2"/>
+              <a:buChar char=""/>
+              <a:defRPr sz="1400" kern="1200">
+                <a:solidFill>
+                  <a:schemeClr val="tx1">
+                    <a:lumMod val="85000"/>
+                    <a:lumOff val="15000"/>
+                  </a:schemeClr>
+                </a:solidFill>
+                <a:latin typeface="+mn-lt"/>
+                <a:ea typeface="+mn-ea"/>
+                <a:cs typeface="+mn-cs"/>
+              </a:defRPr>
+            </a:lvl3pPr>
+            <a:lvl4pPr marL="1005840" indent="-182880" algn="l" defTabSz="914400" rtl="0" eaLnBrk="1" latinLnBrk="0" hangingPunct="1">
+              <a:lnSpc>
+                <a:spcPct val="90000"/>
+              </a:lnSpc>
+              <a:spcBef>
+                <a:spcPts val="300"/>
+              </a:spcBef>
+              <a:spcAft>
+                <a:spcPts val="300"/>
+              </a:spcAft>
+              <a:buClr>
+                <a:schemeClr val="accent1"/>
+              </a:buClr>
+              <a:buFont typeface="Wingdings 2" pitchFamily="18" charset="2"/>
+              <a:buChar char=""/>
+              <a:defRPr sz="1400" kern="1200">
+                <a:solidFill>
+                  <a:schemeClr val="tx1">
+                    <a:lumMod val="85000"/>
+                    <a:lumOff val="15000"/>
+                  </a:schemeClr>
+                </a:solidFill>
+                <a:latin typeface="+mn-lt"/>
+                <a:ea typeface="+mn-ea"/>
+                <a:cs typeface="+mn-cs"/>
+              </a:defRPr>
+            </a:lvl4pPr>
+            <a:lvl5pPr marL="1280160" indent="-182880" algn="l" defTabSz="914400" rtl="0" eaLnBrk="1" latinLnBrk="0" hangingPunct="1">
+              <a:lnSpc>
+                <a:spcPct val="90000"/>
+              </a:lnSpc>
+              <a:spcBef>
+                <a:spcPts val="300"/>
+              </a:spcBef>
+              <a:spcAft>
+                <a:spcPts val="300"/>
+              </a:spcAft>
+              <a:buClr>
+                <a:schemeClr val="accent1"/>
+              </a:buClr>
+              <a:buFont typeface="Wingdings 2" pitchFamily="18" charset="2"/>
+              <a:buChar char=""/>
+              <a:defRPr sz="1400" kern="1200">
+                <a:solidFill>
+                  <a:schemeClr val="tx1">
+                    <a:lumMod val="85000"/>
+                    <a:lumOff val="15000"/>
+                  </a:schemeClr>
+                </a:solidFill>
+                <a:latin typeface="+mn-lt"/>
+                <a:ea typeface="+mn-ea"/>
+                <a:cs typeface="+mn-cs"/>
+              </a:defRPr>
+            </a:lvl5pPr>
+            <a:lvl6pPr marL="1600000" indent="-228600" algn="l" defTabSz="914400" rtl="0" eaLnBrk="1" latinLnBrk="0" hangingPunct="1">
+              <a:lnSpc>
+                <a:spcPct val="90000"/>
+              </a:lnSpc>
+              <a:spcBef>
+                <a:spcPts val="300"/>
+              </a:spcBef>
+              <a:spcAft>
+                <a:spcPts val="300"/>
+              </a:spcAft>
+              <a:buClr>
+                <a:schemeClr val="accent1"/>
+              </a:buClr>
+              <a:buFont typeface="Wingdings 2" pitchFamily="18" charset="2"/>
+              <a:buChar char=""/>
+              <a:defRPr sz="1400" kern="1200">
+                <a:solidFill>
+                  <a:schemeClr val="tx1">
+                    <a:lumMod val="85000"/>
+                    <a:lumOff val="15000"/>
+                  </a:schemeClr>
+                </a:solidFill>
+                <a:latin typeface="+mn-lt"/>
+                <a:ea typeface="+mn-ea"/>
+                <a:cs typeface="+mn-cs"/>
+              </a:defRPr>
+            </a:lvl6pPr>
+            <a:lvl7pPr marL="1900000" indent="-228600" algn="l" defTabSz="914400" rtl="0" eaLnBrk="1" latinLnBrk="0" hangingPunct="1">
+              <a:lnSpc>
+                <a:spcPct val="90000"/>
+              </a:lnSpc>
+              <a:spcBef>
+                <a:spcPts val="300"/>
+              </a:spcBef>
+              <a:spcAft>
+                <a:spcPts val="300"/>
+              </a:spcAft>
+              <a:buClr>
+                <a:schemeClr val="accent1"/>
+              </a:buClr>
+              <a:buFont typeface="Wingdings 2" pitchFamily="18" charset="2"/>
+              <a:buChar char=""/>
+              <a:defRPr sz="1400" kern="1200">
+                <a:solidFill>
+                  <a:schemeClr val="tx1">
+                    <a:lumMod val="85000"/>
+                    <a:lumOff val="15000"/>
+                  </a:schemeClr>
+                </a:solidFill>
+                <a:latin typeface="+mn-lt"/>
+                <a:ea typeface="+mn-ea"/>
+                <a:cs typeface="+mn-cs"/>
+              </a:defRPr>
+            </a:lvl7pPr>
+            <a:lvl8pPr marL="2200000" indent="-228600" algn="l" defTabSz="914400" rtl="0" eaLnBrk="1" latinLnBrk="0" hangingPunct="1">
+              <a:lnSpc>
+                <a:spcPct val="90000"/>
+              </a:lnSpc>
+              <a:spcBef>
+                <a:spcPts val="300"/>
+              </a:spcBef>
+              <a:spcAft>
+                <a:spcPts val="300"/>
+              </a:spcAft>
+              <a:buClr>
+                <a:schemeClr val="accent1"/>
+              </a:buClr>
+              <a:buFont typeface="Wingdings 2" pitchFamily="18" charset="2"/>
+              <a:buChar char=""/>
+              <a:defRPr sz="1400" kern="1200">
+                <a:solidFill>
+                  <a:schemeClr val="tx1">
+                    <a:lumMod val="85000"/>
+                    <a:lumOff val="15000"/>
+                  </a:schemeClr>
+                </a:solidFill>
+                <a:latin typeface="+mn-lt"/>
+                <a:ea typeface="+mn-ea"/>
+                <a:cs typeface="+mn-cs"/>
+              </a:defRPr>
+            </a:lvl8pPr>
+            <a:lvl9pPr marL="2500000" indent="-228600" algn="l" defTabSz="914400" rtl="0" eaLnBrk="1" latinLnBrk="0" hangingPunct="1">
+              <a:lnSpc>
+                <a:spcPct val="90000"/>
+              </a:lnSpc>
+              <a:spcBef>
+                <a:spcPts val="300"/>
+              </a:spcBef>
+              <a:spcAft>
+                <a:spcPts val="300"/>
+              </a:spcAft>
+              <a:buClr>
+                <a:schemeClr val="accent1"/>
+              </a:buClr>
+              <a:buFont typeface="Wingdings 2" pitchFamily="18" charset="2"/>
+              <a:buChar char=""/>
+              <a:defRPr sz="1400" kern="1200">
+                <a:solidFill>
+                  <a:schemeClr val="tx1">
+                    <a:lumMod val="85000"/>
+                    <a:lumOff val="15000"/>
+                  </a:schemeClr>
+                </a:solidFill>
+                <a:latin typeface="+mn-lt"/>
+                <a:ea typeface="+mn-ea"/>
+                <a:cs typeface="+mn-cs"/>
+              </a:defRPr>
+            </a:lvl9pPr>
+          </a:lstStyle>
+          <a:p>
+            <a:r>
+              <a:rPr lang="en-US" dirty="0"/>
+              <a:t>Propeller speed increased as take-off starts</a:t>
+            </a:r>
+          </a:p>
+          <a:p>
+            <a:r>
+              <a:rPr lang="en-US" dirty="0"/>
+              <a:t>Increased airspeed through propeller means lower pressure</a:t>
+            </a:r>
+          </a:p>
+          <a:p>
+            <a:r>
+              <a:rPr lang="en-US" dirty="0"/>
+              <a:t>Causes an apparent jump in height</a:t>
+            </a:r>
+            <a:endParaRPr lang="en-GB" dirty="0"/>
+          </a:p>
+        </p:txBody>
+      </p:sp>
+    </p:spTree>
+    <p:extLst>
+      <p:ext uri="{BB962C8B-B14F-4D97-AF65-F5344CB8AC3E}">
+        <p14:creationId xmlns:p14="http://schemas.microsoft.com/office/powerpoint/2010/main" val="2663119741"/>
+      </p:ext>
+    </p:extLst>
+  </p:cSld>
+  <p:clrMapOvr>
+    <a:masterClrMapping/>
+  </p:clrMapOvr>
+  <mc:AlternateContent xmlns:mc="http://schemas.openxmlformats.org/markup-compatibility/2006" xmlns:p14="http://schemas.microsoft.com/office/powerpoint/2010/main">
+    <mc:Choice Requires="p14">
+      <p:transition p14:dur="250">
+        <p:fade/>
+      </p:transition>
+    </mc:Choice>
+    <mc:Fallback xmlns="">
+      <p:transition>
+        <p:fade/>
+      </p:transition>
+    </mc:Fallback>
+  </mc:AlternateContent>
 </p:sld>
 </file>
 
